--- a/Internationalization.pptx
+++ b/Internationalization.pptx
@@ -5,30 +5,39 @@
     <p:sldMasterId id="2147483648" r:id="rId1"/>
   </p:sldMasterIdLst>
   <p:notesMasterIdLst>
-    <p:notesMasterId r:id="rId18"/>
+    <p:notesMasterId r:id="rId27"/>
   </p:notesMasterIdLst>
   <p:sldIdLst>
     <p:sldId id="256" r:id="rId2"/>
-    <p:sldId id="258" r:id="rId3"/>
-    <p:sldId id="259" r:id="rId4"/>
-    <p:sldId id="263" r:id="rId5"/>
-    <p:sldId id="260" r:id="rId6"/>
-    <p:sldId id="267" r:id="rId7"/>
-    <p:sldId id="290" r:id="rId8"/>
-    <p:sldId id="261" r:id="rId9"/>
-    <p:sldId id="279" r:id="rId10"/>
-    <p:sldId id="292" r:id="rId11"/>
-    <p:sldId id="295" r:id="rId12"/>
-    <p:sldId id="294" r:id="rId13"/>
-    <p:sldId id="296" r:id="rId14"/>
-    <p:sldId id="262" r:id="rId15"/>
-    <p:sldId id="284" r:id="rId16"/>
-    <p:sldId id="289" r:id="rId17"/>
+    <p:sldId id="305" r:id="rId3"/>
+    <p:sldId id="258" r:id="rId4"/>
+    <p:sldId id="259" r:id="rId5"/>
+    <p:sldId id="263" r:id="rId6"/>
+    <p:sldId id="260" r:id="rId7"/>
+    <p:sldId id="267" r:id="rId8"/>
+    <p:sldId id="290" r:id="rId9"/>
+    <p:sldId id="261" r:id="rId10"/>
+    <p:sldId id="279" r:id="rId11"/>
+    <p:sldId id="292" r:id="rId12"/>
+    <p:sldId id="295" r:id="rId13"/>
+    <p:sldId id="294" r:id="rId14"/>
+    <p:sldId id="296" r:id="rId15"/>
+    <p:sldId id="297" r:id="rId16"/>
+    <p:sldId id="300" r:id="rId17"/>
+    <p:sldId id="298" r:id="rId18"/>
+    <p:sldId id="301" r:id="rId19"/>
+    <p:sldId id="302" r:id="rId20"/>
+    <p:sldId id="303" r:id="rId21"/>
+    <p:sldId id="304" r:id="rId22"/>
+    <p:sldId id="306" r:id="rId23"/>
+    <p:sldId id="262" r:id="rId24"/>
+    <p:sldId id="284" r:id="rId25"/>
+    <p:sldId id="289" r:id="rId26"/>
   </p:sldIdLst>
   <p:sldSz cx="9144000" cy="5143500" type="screen16x9"/>
   <p:notesSz cx="6858000" cy="9144000"/>
   <p:custDataLst>
-    <p:tags r:id="rId19"/>
+    <p:tags r:id="rId28"/>
   </p:custDataLst>
   <p:defaultTextStyle>
     <a:defPPr>
@@ -226,7 +235,7 @@
           <a:p>
             <a:fld id="{8E64EB83-FDBB-4625-B2B9-A0F6A2EBDFD6}" type="datetimeFigureOut">
               <a:rPr lang="zh-CN" altLang="en-US" smtClean="0"/>
-              <a:t>2017/6/14</a:t>
+              <a:t>2017/6/15</a:t>
             </a:fld>
             <a:endParaRPr lang="zh-CN" altLang="en-US"/>
           </a:p>
@@ -652,7 +661,7 @@
     </p:spTree>
     <p:extLst>
       <p:ext uri="{BB962C8B-B14F-4D97-AF65-F5344CB8AC3E}">
-        <p14:creationId xmlns:p14="http://schemas.microsoft.com/office/powerpoint/2010/main" val="2645908541"/>
+        <p14:creationId xmlns:p14="http://schemas.microsoft.com/office/powerpoint/2010/main" val="2493036103"/>
       </p:ext>
     </p:extLst>
   </p:cSld>
@@ -736,7 +745,7 @@
     </p:spTree>
     <p:extLst>
       <p:ext uri="{BB962C8B-B14F-4D97-AF65-F5344CB8AC3E}">
-        <p14:creationId xmlns:p14="http://schemas.microsoft.com/office/powerpoint/2010/main" val="3013559424"/>
+        <p14:creationId xmlns:p14="http://schemas.microsoft.com/office/powerpoint/2010/main" val="2645908541"/>
       </p:ext>
     </p:extLst>
   </p:cSld>
@@ -820,7 +829,7 @@
     </p:spTree>
     <p:extLst>
       <p:ext uri="{BB962C8B-B14F-4D97-AF65-F5344CB8AC3E}">
-        <p14:creationId xmlns:p14="http://schemas.microsoft.com/office/powerpoint/2010/main" val="202198362"/>
+        <p14:creationId xmlns:p14="http://schemas.microsoft.com/office/powerpoint/2010/main" val="3013559424"/>
       </p:ext>
     </p:extLst>
   </p:cSld>
@@ -904,7 +913,7 @@
     </p:spTree>
     <p:extLst>
       <p:ext uri="{BB962C8B-B14F-4D97-AF65-F5344CB8AC3E}">
-        <p14:creationId xmlns:p14="http://schemas.microsoft.com/office/powerpoint/2010/main" val="444658269"/>
+        <p14:creationId xmlns:p14="http://schemas.microsoft.com/office/powerpoint/2010/main" val="202198362"/>
       </p:ext>
     </p:extLst>
   </p:cSld>
@@ -988,7 +997,7 @@
     </p:spTree>
     <p:extLst>
       <p:ext uri="{BB962C8B-B14F-4D97-AF65-F5344CB8AC3E}">
-        <p14:creationId xmlns:p14="http://schemas.microsoft.com/office/powerpoint/2010/main" val="2683290492"/>
+        <p14:creationId xmlns:p14="http://schemas.microsoft.com/office/powerpoint/2010/main" val="444658269"/>
       </p:ext>
     </p:extLst>
   </p:cSld>
@@ -1063,7 +1072,7 @@
           <a:p>
             <a:fld id="{ABA8D8E6-C8C7-4110-94EE-507477E36C0B}" type="slidenum">
               <a:rPr lang="zh-CN" altLang="en-US" smtClean="0"/>
-              <a:t>15</a:t>
+              <a:t>22</a:t>
             </a:fld>
             <a:endParaRPr lang="zh-CN" altLang="en-US"/>
           </a:p>
@@ -1072,7 +1081,7 @@
     </p:spTree>
     <p:extLst>
       <p:ext uri="{BB962C8B-B14F-4D97-AF65-F5344CB8AC3E}">
-        <p14:creationId xmlns:p14="http://schemas.microsoft.com/office/powerpoint/2010/main" val="3298343438"/>
+        <p14:creationId xmlns:p14="http://schemas.microsoft.com/office/powerpoint/2010/main" val="2418140646"/>
       </p:ext>
     </p:extLst>
   </p:cSld>
@@ -1147,7 +1156,175 @@
           <a:p>
             <a:fld id="{ABA8D8E6-C8C7-4110-94EE-507477E36C0B}" type="slidenum">
               <a:rPr lang="zh-CN" altLang="en-US" smtClean="0"/>
-              <a:t>16</a:t>
+              <a:t>23</a:t>
+            </a:fld>
+            <a:endParaRPr lang="zh-CN" altLang="en-US"/>
+          </a:p>
+        </p:txBody>
+      </p:sp>
+    </p:spTree>
+    <p:extLst>
+      <p:ext uri="{BB962C8B-B14F-4D97-AF65-F5344CB8AC3E}">
+        <p14:creationId xmlns:p14="http://schemas.microsoft.com/office/powerpoint/2010/main" val="2683290492"/>
+      </p:ext>
+    </p:extLst>
+  </p:cSld>
+  <p:clrMapOvr>
+    <a:masterClrMapping/>
+  </p:clrMapOvr>
+</p:notes>
+</file>
+
+<file path=ppt/notesSlides/notesSlide17.xml><?xml version="1.0" encoding="utf-8"?>
+<p:notes xmlns:a="http://schemas.openxmlformats.org/drawingml/2006/main" xmlns:r="http://schemas.openxmlformats.org/officeDocument/2006/relationships" xmlns:p="http://schemas.openxmlformats.org/presentationml/2006/main">
+  <p:cSld>
+    <p:spTree>
+      <p:nvGrpSpPr>
+        <p:cNvPr id="1" name=""/>
+        <p:cNvGrpSpPr/>
+        <p:nvPr/>
+      </p:nvGrpSpPr>
+      <p:grpSpPr>
+        <a:xfrm>
+          <a:off x="0" y="0"/>
+          <a:ext cx="0" cy="0"/>
+          <a:chOff x="0" y="0"/>
+          <a:chExt cx="0" cy="0"/>
+        </a:xfrm>
+      </p:grpSpPr>
+      <p:sp>
+        <p:nvSpPr>
+          <p:cNvPr id="2" name="幻灯片图像占位符 1"/>
+          <p:cNvSpPr>
+            <a:spLocks noGrp="1" noRot="1" noChangeAspect="1"/>
+          </p:cNvSpPr>
+          <p:nvPr>
+            <p:ph type="sldImg"/>
+          </p:nvPr>
+        </p:nvSpPr>
+        <p:spPr/>
+      </p:sp>
+      <p:sp>
+        <p:nvSpPr>
+          <p:cNvPr id="3" name="备注占位符 2"/>
+          <p:cNvSpPr>
+            <a:spLocks noGrp="1"/>
+          </p:cNvSpPr>
+          <p:nvPr>
+            <p:ph type="body" idx="1"/>
+          </p:nvPr>
+        </p:nvSpPr>
+        <p:spPr/>
+        <p:txBody>
+          <a:bodyPr/>
+          <a:lstStyle/>
+          <a:p>
+            <a:endParaRPr lang="zh-CN" altLang="en-US"/>
+          </a:p>
+        </p:txBody>
+      </p:sp>
+      <p:sp>
+        <p:nvSpPr>
+          <p:cNvPr id="4" name="灯片编号占位符 3"/>
+          <p:cNvSpPr>
+            <a:spLocks noGrp="1"/>
+          </p:cNvSpPr>
+          <p:nvPr>
+            <p:ph type="sldNum" sz="quarter" idx="10"/>
+          </p:nvPr>
+        </p:nvSpPr>
+        <p:spPr/>
+        <p:txBody>
+          <a:bodyPr/>
+          <a:lstStyle/>
+          <a:p>
+            <a:fld id="{ABA8D8E6-C8C7-4110-94EE-507477E36C0B}" type="slidenum">
+              <a:rPr lang="zh-CN" altLang="en-US" smtClean="0"/>
+              <a:t>24</a:t>
+            </a:fld>
+            <a:endParaRPr lang="zh-CN" altLang="en-US"/>
+          </a:p>
+        </p:txBody>
+      </p:sp>
+    </p:spTree>
+    <p:extLst>
+      <p:ext uri="{BB962C8B-B14F-4D97-AF65-F5344CB8AC3E}">
+        <p14:creationId xmlns:p14="http://schemas.microsoft.com/office/powerpoint/2010/main" val="3298343438"/>
+      </p:ext>
+    </p:extLst>
+  </p:cSld>
+  <p:clrMapOvr>
+    <a:masterClrMapping/>
+  </p:clrMapOvr>
+</p:notes>
+</file>
+
+<file path=ppt/notesSlides/notesSlide18.xml><?xml version="1.0" encoding="utf-8"?>
+<p:notes xmlns:a="http://schemas.openxmlformats.org/drawingml/2006/main" xmlns:r="http://schemas.openxmlformats.org/officeDocument/2006/relationships" xmlns:p="http://schemas.openxmlformats.org/presentationml/2006/main">
+  <p:cSld>
+    <p:spTree>
+      <p:nvGrpSpPr>
+        <p:cNvPr id="1" name=""/>
+        <p:cNvGrpSpPr/>
+        <p:nvPr/>
+      </p:nvGrpSpPr>
+      <p:grpSpPr>
+        <a:xfrm>
+          <a:off x="0" y="0"/>
+          <a:ext cx="0" cy="0"/>
+          <a:chOff x="0" y="0"/>
+          <a:chExt cx="0" cy="0"/>
+        </a:xfrm>
+      </p:grpSpPr>
+      <p:sp>
+        <p:nvSpPr>
+          <p:cNvPr id="2" name="幻灯片图像占位符 1"/>
+          <p:cNvSpPr>
+            <a:spLocks noGrp="1" noRot="1" noChangeAspect="1"/>
+          </p:cNvSpPr>
+          <p:nvPr>
+            <p:ph type="sldImg"/>
+          </p:nvPr>
+        </p:nvSpPr>
+        <p:spPr/>
+      </p:sp>
+      <p:sp>
+        <p:nvSpPr>
+          <p:cNvPr id="3" name="备注占位符 2"/>
+          <p:cNvSpPr>
+            <a:spLocks noGrp="1"/>
+          </p:cNvSpPr>
+          <p:nvPr>
+            <p:ph type="body" idx="1"/>
+          </p:nvPr>
+        </p:nvSpPr>
+        <p:spPr/>
+        <p:txBody>
+          <a:bodyPr/>
+          <a:lstStyle/>
+          <a:p>
+            <a:endParaRPr lang="zh-CN" altLang="en-US"/>
+          </a:p>
+        </p:txBody>
+      </p:sp>
+      <p:sp>
+        <p:nvSpPr>
+          <p:cNvPr id="4" name="灯片编号占位符 3"/>
+          <p:cNvSpPr>
+            <a:spLocks noGrp="1"/>
+          </p:cNvSpPr>
+          <p:nvPr>
+            <p:ph type="sldNum" sz="quarter" idx="10"/>
+          </p:nvPr>
+        </p:nvSpPr>
+        <p:spPr/>
+        <p:txBody>
+          <a:bodyPr/>
+          <a:lstStyle/>
+          <a:p>
+            <a:fld id="{ABA8D8E6-C8C7-4110-94EE-507477E36C0B}" type="slidenum">
+              <a:rPr lang="zh-CN" altLang="en-US" smtClean="0"/>
+              <a:t>25</a:t>
             </a:fld>
             <a:endParaRPr lang="zh-CN" altLang="en-US"/>
           </a:p>
@@ -1240,7 +1417,7 @@
     </p:spTree>
     <p:extLst>
       <p:ext uri="{BB962C8B-B14F-4D97-AF65-F5344CB8AC3E}">
-        <p14:creationId xmlns:p14="http://schemas.microsoft.com/office/powerpoint/2010/main" val="2508090805"/>
+        <p14:creationId xmlns:p14="http://schemas.microsoft.com/office/powerpoint/2010/main" val="946782405"/>
       </p:ext>
     </p:extLst>
   </p:cSld>
@@ -1324,7 +1501,7 @@
     </p:spTree>
     <p:extLst>
       <p:ext uri="{BB962C8B-B14F-4D97-AF65-F5344CB8AC3E}">
-        <p14:creationId xmlns:p14="http://schemas.microsoft.com/office/powerpoint/2010/main" val="1004029519"/>
+        <p14:creationId xmlns:p14="http://schemas.microsoft.com/office/powerpoint/2010/main" val="2508090805"/>
       </p:ext>
     </p:extLst>
   </p:cSld>
@@ -1408,7 +1585,7 @@
     </p:spTree>
     <p:extLst>
       <p:ext uri="{BB962C8B-B14F-4D97-AF65-F5344CB8AC3E}">
-        <p14:creationId xmlns:p14="http://schemas.microsoft.com/office/powerpoint/2010/main" val="298747278"/>
+        <p14:creationId xmlns:p14="http://schemas.microsoft.com/office/powerpoint/2010/main" val="1004029519"/>
       </p:ext>
     </p:extLst>
   </p:cSld>
@@ -1492,7 +1669,7 @@
     </p:spTree>
     <p:extLst>
       <p:ext uri="{BB962C8B-B14F-4D97-AF65-F5344CB8AC3E}">
-        <p14:creationId xmlns:p14="http://schemas.microsoft.com/office/powerpoint/2010/main" val="236152263"/>
+        <p14:creationId xmlns:p14="http://schemas.microsoft.com/office/powerpoint/2010/main" val="298747278"/>
       </p:ext>
     </p:extLst>
   </p:cSld>
@@ -1576,7 +1753,7 @@
     </p:spTree>
     <p:extLst>
       <p:ext uri="{BB962C8B-B14F-4D97-AF65-F5344CB8AC3E}">
-        <p14:creationId xmlns:p14="http://schemas.microsoft.com/office/powerpoint/2010/main" val="2885533580"/>
+        <p14:creationId xmlns:p14="http://schemas.microsoft.com/office/powerpoint/2010/main" val="236152263"/>
       </p:ext>
     </p:extLst>
   </p:cSld>
@@ -1660,7 +1837,7 @@
     </p:spTree>
     <p:extLst>
       <p:ext uri="{BB962C8B-B14F-4D97-AF65-F5344CB8AC3E}">
-        <p14:creationId xmlns:p14="http://schemas.microsoft.com/office/powerpoint/2010/main" val="2126589572"/>
+        <p14:creationId xmlns:p14="http://schemas.microsoft.com/office/powerpoint/2010/main" val="2885533580"/>
       </p:ext>
     </p:extLst>
   </p:cSld>
@@ -1744,7 +1921,7 @@
     </p:spTree>
     <p:extLst>
       <p:ext uri="{BB962C8B-B14F-4D97-AF65-F5344CB8AC3E}">
-        <p14:creationId xmlns:p14="http://schemas.microsoft.com/office/powerpoint/2010/main" val="825078084"/>
+        <p14:creationId xmlns:p14="http://schemas.microsoft.com/office/powerpoint/2010/main" val="2126589572"/>
       </p:ext>
     </p:extLst>
   </p:cSld>
@@ -1828,7 +2005,7 @@
     </p:spTree>
     <p:extLst>
       <p:ext uri="{BB962C8B-B14F-4D97-AF65-F5344CB8AC3E}">
-        <p14:creationId xmlns:p14="http://schemas.microsoft.com/office/powerpoint/2010/main" val="2493036103"/>
+        <p14:creationId xmlns:p14="http://schemas.microsoft.com/office/powerpoint/2010/main" val="825078084"/>
       </p:ext>
     </p:extLst>
   </p:cSld>
@@ -1979,7 +2156,7 @@
           <a:p>
             <a:fld id="{530820CF-B880-4189-942D-D702A7CBA730}" type="datetimeFigureOut">
               <a:rPr lang="zh-CN" altLang="en-US" smtClean="0"/>
-              <a:t>2017/6/14</a:t>
+              <a:t>2017/6/15</a:t>
             </a:fld>
             <a:endParaRPr lang="zh-CN" altLang="en-US"/>
           </a:p>
@@ -2154,7 +2331,7 @@
           <a:p>
             <a:fld id="{530820CF-B880-4189-942D-D702A7CBA730}" type="datetimeFigureOut">
               <a:rPr lang="zh-CN" altLang="en-US" smtClean="0"/>
-              <a:t>2017/6/14</a:t>
+              <a:t>2017/6/15</a:t>
             </a:fld>
             <a:endParaRPr lang="zh-CN" altLang="en-US"/>
           </a:p>
@@ -2894,7 +3071,7 @@
           <a:p>
             <a:fld id="{530820CF-B880-4189-942D-D702A7CBA730}" type="datetimeFigureOut">
               <a:rPr lang="zh-CN" altLang="en-US" smtClean="0"/>
-              <a:t>2017/6/14</a:t>
+              <a:t>2017/6/15</a:t>
             </a:fld>
             <a:endParaRPr lang="zh-CN" altLang="en-US"/>
           </a:p>
@@ -3177,7 +3354,7 @@
           <a:p>
             <a:fld id="{530820CF-B880-4189-942D-D702A7CBA730}" type="datetimeFigureOut">
               <a:rPr lang="zh-CN" altLang="en-US" smtClean="0"/>
-              <a:t>2017/6/14</a:t>
+              <a:t>2017/6/15</a:t>
             </a:fld>
             <a:endParaRPr lang="zh-CN" altLang="en-US"/>
           </a:p>
@@ -3594,7 +3771,7 @@
           <a:p>
             <a:fld id="{530820CF-B880-4189-942D-D702A7CBA730}" type="datetimeFigureOut">
               <a:rPr lang="zh-CN" altLang="en-US" smtClean="0"/>
-              <a:t>2017/6/14</a:t>
+              <a:t>2017/6/15</a:t>
             </a:fld>
             <a:endParaRPr lang="zh-CN" altLang="en-US"/>
           </a:p>
@@ -3707,7 +3884,7 @@
           <a:p>
             <a:fld id="{530820CF-B880-4189-942D-D702A7CBA730}" type="datetimeFigureOut">
               <a:rPr lang="zh-CN" altLang="en-US" smtClean="0"/>
-              <a:t>2017/6/14</a:t>
+              <a:t>2017/6/15</a:t>
             </a:fld>
             <a:endParaRPr lang="zh-CN" altLang="en-US"/>
           </a:p>
@@ -3797,7 +3974,7 @@
           <a:p>
             <a:fld id="{530820CF-B880-4189-942D-D702A7CBA730}" type="datetimeFigureOut">
               <a:rPr lang="zh-CN" altLang="en-US" smtClean="0"/>
-              <a:t>2017/6/14</a:t>
+              <a:t>2017/6/15</a:t>
             </a:fld>
             <a:endParaRPr lang="zh-CN" altLang="en-US"/>
           </a:p>
@@ -4069,7 +4246,7 @@
           <a:p>
             <a:fld id="{530820CF-B880-4189-942D-D702A7CBA730}" type="datetimeFigureOut">
               <a:rPr lang="zh-CN" altLang="en-US" smtClean="0"/>
-              <a:t>2017/6/14</a:t>
+              <a:t>2017/6/15</a:t>
             </a:fld>
             <a:endParaRPr lang="zh-CN" altLang="en-US"/>
           </a:p>
@@ -4317,7 +4494,7 @@
           <a:p>
             <a:fld id="{530820CF-B880-4189-942D-D702A7CBA730}" type="datetimeFigureOut">
               <a:rPr lang="zh-CN" altLang="en-US" smtClean="0"/>
-              <a:t>2017/6/14</a:t>
+              <a:t>2017/6/15</a:t>
             </a:fld>
             <a:endParaRPr lang="zh-CN" altLang="en-US"/>
           </a:p>
@@ -4550,7 +4727,7 @@
           <a:p>
             <a:fld id="{530820CF-B880-4189-942D-D702A7CBA730}" type="datetimeFigureOut">
               <a:rPr lang="zh-CN" altLang="en-US" smtClean="0"/>
-              <a:t>2017/6/14</a:t>
+              <a:t>2017/6/15</a:t>
             </a:fld>
             <a:endParaRPr lang="zh-CN" altLang="en-US"/>
           </a:p>
@@ -5857,14 +6034,14 @@
   <p:clrMapOvr>
     <a:masterClrMapping/>
   </p:clrMapOvr>
-  <mc:AlternateContent xmlns:mc="http://schemas.openxmlformats.org/markup-compatibility/2006" xmlns:p14="http://schemas.microsoft.com/office/powerpoint/2010/main">
-    <mc:Choice Requires="p14">
-      <p:transition spd="slow" p14:dur="2000" advTm="0">
+  <mc:AlternateContent xmlns:mc="http://schemas.openxmlformats.org/markup-compatibility/2006">
+    <mc:Choice xmlns:p14="http://schemas.microsoft.com/office/powerpoint/2010/main" Requires="p14">
+      <p:transition spd="slow" p14:dur="2000" advTm="20000">
         <p14:warp/>
       </p:transition>
     </mc:Choice>
-    <mc:Fallback xmlns="">
-      <p:transition spd="slow" advTm="0">
+    <mc:Fallback>
+      <p:transition spd="slow" advTm="20000">
         <p:fade/>
       </p:transition>
     </mc:Fallback>
@@ -7199,6 +7376,1010 @@
 </file>
 
 <file path=ppt/slides/slide10.xml><?xml version="1.0" encoding="utf-8"?>
+<p:sld xmlns:a="http://schemas.openxmlformats.org/drawingml/2006/main" xmlns:r="http://schemas.openxmlformats.org/officeDocument/2006/relationships" xmlns:p="http://schemas.openxmlformats.org/presentationml/2006/main">
+  <p:cSld>
+    <p:spTree>
+      <p:nvGrpSpPr>
+        <p:cNvPr id="1" name=""/>
+        <p:cNvGrpSpPr/>
+        <p:nvPr/>
+      </p:nvGrpSpPr>
+      <p:grpSpPr>
+        <a:xfrm>
+          <a:off x="0" y="0"/>
+          <a:ext cx="0" cy="0"/>
+          <a:chOff x="0" y="0"/>
+          <a:chExt cx="0" cy="0"/>
+        </a:xfrm>
+      </p:grpSpPr>
+      <p:sp>
+        <p:nvSpPr>
+          <p:cNvPr id="6" name="标题 5"/>
+          <p:cNvSpPr>
+            <a:spLocks noGrp="1"/>
+          </p:cNvSpPr>
+          <p:nvPr>
+            <p:ph type="title"/>
+          </p:nvPr>
+        </p:nvSpPr>
+        <p:spPr/>
+        <p:txBody>
+          <a:bodyPr>
+            <a:noAutofit/>
+          </a:bodyPr>
+          <a:lstStyle/>
+          <a:p>
+            <a:r>
+              <a:rPr lang="en-US" altLang="zh-CN" sz="1800" b="1" dirty="0"/>
+              <a:t>Use i18n with Spring framework</a:t>
+            </a:r>
+          </a:p>
+        </p:txBody>
+      </p:sp>
+      <p:sp>
+        <p:nvSpPr>
+          <p:cNvPr id="3" name="矩形 2"/>
+          <p:cNvSpPr/>
+          <p:nvPr/>
+        </p:nvSpPr>
+        <p:spPr>
+          <a:xfrm>
+            <a:off x="1525015" y="1402492"/>
+            <a:ext cx="2776526" cy="3257490"/>
+          </a:xfrm>
+          <a:prstGeom prst="rect">
+            <a:avLst/>
+          </a:prstGeom>
+          <a:solidFill>
+            <a:schemeClr val="accent1">
+              <a:alpha val="24000"/>
+            </a:schemeClr>
+          </a:solidFill>
+          <a:ln w="12700" cmpd="sng">
+            <a:solidFill>
+              <a:schemeClr val="accent1"/>
+            </a:solidFill>
+            <a:miter lim="800000"/>
+            <a:headEnd/>
+            <a:tailEnd/>
+          </a:ln>
+        </p:spPr>
+        <p:txBody>
+          <a:bodyPr anchor="ctr"/>
+          <a:lstStyle/>
+          <a:p>
+            <a:endParaRPr lang="zh-CN" altLang="en-US">
+              <a:solidFill>
+                <a:schemeClr val="tx1"/>
+              </a:solidFill>
+            </a:endParaRPr>
+          </a:p>
+        </p:txBody>
+      </p:sp>
+      <p:sp>
+        <p:nvSpPr>
+          <p:cNvPr id="4" name="AutoShape 12"/>
+          <p:cNvSpPr>
+            <a:spLocks noChangeArrowheads="1"/>
+          </p:cNvSpPr>
+          <p:nvPr/>
+        </p:nvSpPr>
+        <p:spPr bwMode="auto">
+          <a:xfrm>
+            <a:off x="1525015" y="1106199"/>
+            <a:ext cx="2776526" cy="592586"/>
+          </a:xfrm>
+          <a:prstGeom prst="homePlate">
+            <a:avLst>
+              <a:gd name="adj" fmla="val 63872"/>
+            </a:avLst>
+          </a:prstGeom>
+          <a:solidFill>
+            <a:schemeClr val="accent1"/>
+          </a:solidFill>
+          <a:ln w="9525">
+            <a:noFill/>
+            <a:miter lim="800000"/>
+            <a:headEnd/>
+            <a:tailEnd/>
+          </a:ln>
+        </p:spPr>
+        <p:txBody>
+          <a:bodyPr wrap="none" lIns="68567" tIns="34284" rIns="68567" bIns="34284" anchor="ctr"/>
+          <a:lstStyle/>
+          <a:p>
+            <a:pPr algn="ctr"/>
+            <a:r>
+              <a:rPr lang="en-US" altLang="zh-CN" b="1" dirty="0" smtClean="0">
+                <a:solidFill>
+                  <a:prstClr val="white"/>
+                </a:solidFill>
+                <a:latin typeface="微软雅黑" pitchFamily="34" charset="-122"/>
+                <a:ea typeface="微软雅黑" pitchFamily="34" charset="-122"/>
+              </a:rPr>
+              <a:t>Theme</a:t>
+            </a:r>
+            <a:endParaRPr lang="zh-CN" altLang="en-US" b="1" dirty="0">
+              <a:solidFill>
+                <a:prstClr val="white"/>
+              </a:solidFill>
+              <a:latin typeface="微软雅黑" pitchFamily="34" charset="-122"/>
+              <a:ea typeface="微软雅黑" pitchFamily="34" charset="-122"/>
+            </a:endParaRPr>
+          </a:p>
+        </p:txBody>
+      </p:sp>
+      <p:sp>
+        <p:nvSpPr>
+          <p:cNvPr id="5" name="TextBox 4"/>
+          <p:cNvSpPr txBox="1"/>
+          <p:nvPr/>
+        </p:nvSpPr>
+        <p:spPr>
+          <a:xfrm>
+            <a:off x="1633041" y="1905676"/>
+            <a:ext cx="2668500" cy="789435"/>
+          </a:xfrm>
+          <a:prstGeom prst="rect">
+            <a:avLst/>
+          </a:prstGeom>
+          <a:noFill/>
+        </p:spPr>
+        <p:txBody>
+          <a:bodyPr wrap="square" lIns="68567" tIns="34284" rIns="68567" bIns="34284" rtlCol="0">
+            <a:spAutoFit/>
+          </a:bodyPr>
+          <a:lstStyle/>
+          <a:p>
+            <a:pPr>
+              <a:lnSpc>
+                <a:spcPct val="130000"/>
+              </a:lnSpc>
+            </a:pPr>
+            <a:r>
+              <a:rPr lang="en-US" altLang="zh-CN" sz="1200" dirty="0" smtClean="0">
+                <a:solidFill>
+                  <a:sysClr val="windowText" lastClr="000000"/>
+                </a:solidFill>
+                <a:latin typeface="微软雅黑" pitchFamily="34" charset="-122"/>
+                <a:ea typeface="微软雅黑" pitchFamily="34" charset="-122"/>
+              </a:rPr>
+              <a:t>With theme, we can change the application’s style, like CSS, JS etc. .</a:t>
+            </a:r>
+            <a:endParaRPr lang="zh-CN" altLang="en-US" sz="1200" dirty="0">
+              <a:solidFill>
+                <a:sysClr val="windowText" lastClr="000000"/>
+              </a:solidFill>
+              <a:latin typeface="微软雅黑" pitchFamily="34" charset="-122"/>
+              <a:ea typeface="微软雅黑" pitchFamily="34" charset="-122"/>
+            </a:endParaRPr>
+          </a:p>
+        </p:txBody>
+      </p:sp>
+      <p:sp>
+        <p:nvSpPr>
+          <p:cNvPr id="7" name="矩形 6"/>
+          <p:cNvSpPr/>
+          <p:nvPr/>
+        </p:nvSpPr>
+        <p:spPr>
+          <a:xfrm>
+            <a:off x="4819810" y="1402492"/>
+            <a:ext cx="2776526" cy="3257490"/>
+          </a:xfrm>
+          <a:prstGeom prst="rect">
+            <a:avLst/>
+          </a:prstGeom>
+          <a:solidFill>
+            <a:schemeClr val="accent1">
+              <a:alpha val="24000"/>
+            </a:schemeClr>
+          </a:solidFill>
+          <a:ln w="12700" cmpd="sng">
+            <a:solidFill>
+              <a:schemeClr val="accent1"/>
+            </a:solidFill>
+            <a:miter lim="800000"/>
+            <a:headEnd/>
+            <a:tailEnd/>
+          </a:ln>
+        </p:spPr>
+        <p:txBody>
+          <a:bodyPr anchor="ctr"/>
+          <a:lstStyle/>
+          <a:p>
+            <a:endParaRPr lang="zh-CN" altLang="en-US">
+              <a:solidFill>
+                <a:schemeClr val="tx1"/>
+              </a:solidFill>
+            </a:endParaRPr>
+          </a:p>
+        </p:txBody>
+      </p:sp>
+      <p:sp>
+        <p:nvSpPr>
+          <p:cNvPr id="8" name="AutoShape 12"/>
+          <p:cNvSpPr>
+            <a:spLocks noChangeArrowheads="1"/>
+          </p:cNvSpPr>
+          <p:nvPr/>
+        </p:nvSpPr>
+        <p:spPr bwMode="auto">
+          <a:xfrm flipH="1">
+            <a:off x="4819810" y="1106199"/>
+            <a:ext cx="2776526" cy="592586"/>
+          </a:xfrm>
+          <a:prstGeom prst="homePlate">
+            <a:avLst>
+              <a:gd name="adj" fmla="val 63872"/>
+            </a:avLst>
+          </a:prstGeom>
+          <a:solidFill>
+            <a:schemeClr val="accent1"/>
+          </a:solidFill>
+          <a:ln w="9525">
+            <a:noFill/>
+            <a:miter lim="800000"/>
+            <a:headEnd/>
+            <a:tailEnd/>
+          </a:ln>
+        </p:spPr>
+        <p:txBody>
+          <a:bodyPr wrap="none" lIns="68567" tIns="34284" rIns="68567" bIns="34284" anchor="ctr"/>
+          <a:lstStyle/>
+          <a:p>
+            <a:pPr algn="ctr"/>
+            <a:r>
+              <a:rPr lang="en-US" altLang="zh-CN" b="1" dirty="0" smtClean="0">
+                <a:solidFill>
+                  <a:prstClr val="white"/>
+                </a:solidFill>
+                <a:latin typeface="微软雅黑" pitchFamily="34" charset="-122"/>
+                <a:ea typeface="微软雅黑" pitchFamily="34" charset="-122"/>
+              </a:rPr>
+              <a:t>Localization</a:t>
+            </a:r>
+            <a:endParaRPr lang="zh-CN" altLang="en-US" b="1" dirty="0">
+              <a:solidFill>
+                <a:prstClr val="white"/>
+              </a:solidFill>
+              <a:latin typeface="微软雅黑" pitchFamily="34" charset="-122"/>
+              <a:ea typeface="微软雅黑" pitchFamily="34" charset="-122"/>
+            </a:endParaRPr>
+          </a:p>
+        </p:txBody>
+      </p:sp>
+      <p:sp>
+        <p:nvSpPr>
+          <p:cNvPr id="9" name="TextBox 8"/>
+          <p:cNvSpPr txBox="1"/>
+          <p:nvPr/>
+        </p:nvSpPr>
+        <p:spPr>
+          <a:xfrm>
+            <a:off x="4927836" y="1905676"/>
+            <a:ext cx="2668500" cy="789435"/>
+          </a:xfrm>
+          <a:prstGeom prst="rect">
+            <a:avLst/>
+          </a:prstGeom>
+          <a:noFill/>
+        </p:spPr>
+        <p:txBody>
+          <a:bodyPr wrap="square" lIns="68567" tIns="34284" rIns="68567" bIns="34284" rtlCol="0">
+            <a:spAutoFit/>
+          </a:bodyPr>
+          <a:lstStyle/>
+          <a:p>
+            <a:pPr>
+              <a:lnSpc>
+                <a:spcPct val="130000"/>
+              </a:lnSpc>
+            </a:pPr>
+            <a:r>
+              <a:rPr lang="en-US" altLang="zh-CN" sz="1200" dirty="0" smtClean="0">
+                <a:solidFill>
+                  <a:sysClr val="windowText" lastClr="000000"/>
+                </a:solidFill>
+                <a:latin typeface="微软雅黑" pitchFamily="34" charset="-122"/>
+                <a:ea typeface="微软雅黑" pitchFamily="34" charset="-122"/>
+              </a:rPr>
+              <a:t>With localization, we can change the message without any code change.</a:t>
+            </a:r>
+            <a:endParaRPr lang="zh-CN" altLang="en-US" sz="1200" dirty="0">
+              <a:solidFill>
+                <a:sysClr val="windowText" lastClr="000000"/>
+              </a:solidFill>
+              <a:latin typeface="微软雅黑" pitchFamily="34" charset="-122"/>
+              <a:ea typeface="微软雅黑" pitchFamily="34" charset="-122"/>
+            </a:endParaRPr>
+          </a:p>
+        </p:txBody>
+      </p:sp>
+      <p:sp>
+        <p:nvSpPr>
+          <p:cNvPr id="11" name="TextBox 10"/>
+          <p:cNvSpPr txBox="1"/>
+          <p:nvPr/>
+        </p:nvSpPr>
+        <p:spPr>
+          <a:xfrm>
+            <a:off x="-41955" y="-2540818"/>
+            <a:ext cx="877163" cy="369332"/>
+          </a:xfrm>
+          <a:prstGeom prst="rect">
+            <a:avLst/>
+          </a:prstGeom>
+          <a:noFill/>
+        </p:spPr>
+        <p:txBody>
+          <a:bodyPr wrap="none" rtlCol="0">
+            <a:spAutoFit/>
+          </a:bodyPr>
+          <a:lstStyle/>
+          <a:p>
+            <a:r>
+              <a:rPr lang="zh-CN" altLang="en-US" dirty="0" smtClean="0"/>
+              <a:t>延迟符</a:t>
+            </a:r>
+            <a:endParaRPr lang="zh-CN" altLang="en-US" dirty="0"/>
+          </a:p>
+        </p:txBody>
+      </p:sp>
+    </p:spTree>
+    <p:extLst>
+      <p:ext uri="{BB962C8B-B14F-4D97-AF65-F5344CB8AC3E}">
+        <p14:creationId xmlns:p14="http://schemas.microsoft.com/office/powerpoint/2010/main" val="2556669840"/>
+      </p:ext>
+    </p:extLst>
+  </p:cSld>
+  <p:clrMapOvr>
+    <a:masterClrMapping/>
+  </p:clrMapOvr>
+  <mc:AlternateContent xmlns:mc="http://schemas.openxmlformats.org/markup-compatibility/2006">
+    <mc:Choice xmlns:p14="http://schemas.microsoft.com/office/powerpoint/2010/main" Requires="p14">
+      <p:transition spd="med" p14:dur="700" advTm="20000">
+        <p:fade/>
+      </p:transition>
+    </mc:Choice>
+    <mc:Fallback>
+      <p:transition spd="med" advTm="20000">
+        <p:fade/>
+      </p:transition>
+    </mc:Fallback>
+  </mc:AlternateContent>
+  <p:timing>
+    <p:tnLst>
+      <p:par>
+        <p:cTn id="1" dur="indefinite" restart="never" nodeType="tmRoot">
+          <p:childTnLst>
+            <p:seq concurrent="1" nextAc="seek">
+              <p:cTn id="2" dur="indefinite" nodeType="mainSeq">
+                <p:childTnLst>
+                  <p:par>
+                    <p:cTn id="3" fill="hold">
+                      <p:stCondLst>
+                        <p:cond delay="indefinite"/>
+                        <p:cond evt="onBegin" delay="0">
+                          <p:tn val="2"/>
+                        </p:cond>
+                      </p:stCondLst>
+                      <p:childTnLst>
+                        <p:par>
+                          <p:cTn id="4" fill="hold">
+                            <p:stCondLst>
+                              <p:cond delay="0"/>
+                            </p:stCondLst>
+                            <p:childTnLst>
+                              <p:par>
+                                <p:cTn id="5" presetID="22" presetClass="entr" presetSubtype="8" fill="hold" grpId="0" nodeType="afterEffect">
+                                  <p:stCondLst>
+                                    <p:cond delay="0"/>
+                                  </p:stCondLst>
+                                  <p:childTnLst>
+                                    <p:set>
+                                      <p:cBhvr>
+                                        <p:cTn id="6" dur="1" fill="hold">
+                                          <p:stCondLst>
+                                            <p:cond delay="0"/>
+                                          </p:stCondLst>
+                                        </p:cTn>
+                                        <p:tgtEl>
+                                          <p:spTgt spid="6"/>
+                                        </p:tgtEl>
+                                        <p:attrNameLst>
+                                          <p:attrName>style.visibility</p:attrName>
+                                        </p:attrNameLst>
+                                      </p:cBhvr>
+                                      <p:to>
+                                        <p:strVal val="visible"/>
+                                      </p:to>
+                                    </p:set>
+                                    <p:animEffect transition="in" filter="wipe(left)">
+                                      <p:cBhvr>
+                                        <p:cTn id="7" dur="500"/>
+                                        <p:tgtEl>
+                                          <p:spTgt spid="6"/>
+                                        </p:tgtEl>
+                                      </p:cBhvr>
+                                    </p:animEffect>
+                                  </p:childTnLst>
+                                </p:cTn>
+                              </p:par>
+                            </p:childTnLst>
+                          </p:cTn>
+                        </p:par>
+                        <p:par>
+                          <p:cTn id="8" fill="hold">
+                            <p:stCondLst>
+                              <p:cond delay="500"/>
+                            </p:stCondLst>
+                            <p:childTnLst>
+                              <p:par>
+                                <p:cTn id="9" presetID="2" presetClass="entr" presetSubtype="8" fill="hold" grpId="0" nodeType="afterEffect">
+                                  <p:stCondLst>
+                                    <p:cond delay="0"/>
+                                  </p:stCondLst>
+                                  <p:childTnLst>
+                                    <p:set>
+                                      <p:cBhvr>
+                                        <p:cTn id="10" dur="1" fill="hold">
+                                          <p:stCondLst>
+                                            <p:cond delay="0"/>
+                                          </p:stCondLst>
+                                        </p:cTn>
+                                        <p:tgtEl>
+                                          <p:spTgt spid="4"/>
+                                        </p:tgtEl>
+                                        <p:attrNameLst>
+                                          <p:attrName>style.visibility</p:attrName>
+                                        </p:attrNameLst>
+                                      </p:cBhvr>
+                                      <p:to>
+                                        <p:strVal val="visible"/>
+                                      </p:to>
+                                    </p:set>
+                                    <p:anim calcmode="lin" valueType="num">
+                                      <p:cBhvr additive="base">
+                                        <p:cTn id="11" dur="500" fill="hold"/>
+                                        <p:tgtEl>
+                                          <p:spTgt spid="4"/>
+                                        </p:tgtEl>
+                                        <p:attrNameLst>
+                                          <p:attrName>ppt_x</p:attrName>
+                                        </p:attrNameLst>
+                                      </p:cBhvr>
+                                      <p:tavLst>
+                                        <p:tav tm="0">
+                                          <p:val>
+                                            <p:strVal val="0-#ppt_w/2"/>
+                                          </p:val>
+                                        </p:tav>
+                                        <p:tav tm="100000">
+                                          <p:val>
+                                            <p:strVal val="#ppt_x"/>
+                                          </p:val>
+                                        </p:tav>
+                                      </p:tavLst>
+                                    </p:anim>
+                                    <p:anim calcmode="lin" valueType="num">
+                                      <p:cBhvr additive="base">
+                                        <p:cTn id="12" dur="500" fill="hold"/>
+                                        <p:tgtEl>
+                                          <p:spTgt spid="4"/>
+                                        </p:tgtEl>
+                                        <p:attrNameLst>
+                                          <p:attrName>ppt_y</p:attrName>
+                                        </p:attrNameLst>
+                                      </p:cBhvr>
+                                      <p:tavLst>
+                                        <p:tav tm="0">
+                                          <p:val>
+                                            <p:strVal val="#ppt_y"/>
+                                          </p:val>
+                                        </p:tav>
+                                        <p:tav tm="100000">
+                                          <p:val>
+                                            <p:strVal val="#ppt_y"/>
+                                          </p:val>
+                                        </p:tav>
+                                      </p:tavLst>
+                                    </p:anim>
+                                  </p:childTnLst>
+                                </p:cTn>
+                              </p:par>
+                            </p:childTnLst>
+                          </p:cTn>
+                        </p:par>
+                        <p:par>
+                          <p:cTn id="13" fill="hold">
+                            <p:stCondLst>
+                              <p:cond delay="1000"/>
+                            </p:stCondLst>
+                            <p:childTnLst>
+                              <p:par>
+                                <p:cTn id="14" presetID="22" presetClass="entr" presetSubtype="1" fill="hold" grpId="0" nodeType="afterEffect">
+                                  <p:stCondLst>
+                                    <p:cond delay="0"/>
+                                  </p:stCondLst>
+                                  <p:childTnLst>
+                                    <p:set>
+                                      <p:cBhvr>
+                                        <p:cTn id="15" dur="1" fill="hold">
+                                          <p:stCondLst>
+                                            <p:cond delay="0"/>
+                                          </p:stCondLst>
+                                        </p:cTn>
+                                        <p:tgtEl>
+                                          <p:spTgt spid="3"/>
+                                        </p:tgtEl>
+                                        <p:attrNameLst>
+                                          <p:attrName>style.visibility</p:attrName>
+                                        </p:attrNameLst>
+                                      </p:cBhvr>
+                                      <p:to>
+                                        <p:strVal val="visible"/>
+                                      </p:to>
+                                    </p:set>
+                                    <p:animEffect transition="in" filter="wipe(up)">
+                                      <p:cBhvr>
+                                        <p:cTn id="16" dur="500"/>
+                                        <p:tgtEl>
+                                          <p:spTgt spid="3"/>
+                                        </p:tgtEl>
+                                      </p:cBhvr>
+                                    </p:animEffect>
+                                  </p:childTnLst>
+                                </p:cTn>
+                              </p:par>
+                            </p:childTnLst>
+                          </p:cTn>
+                        </p:par>
+                        <p:par>
+                          <p:cTn id="17" fill="hold">
+                            <p:stCondLst>
+                              <p:cond delay="1500"/>
+                            </p:stCondLst>
+                            <p:childTnLst>
+                              <p:par>
+                                <p:cTn id="18" presetID="22" presetClass="entr" presetSubtype="8" fill="hold" grpId="0" nodeType="afterEffect">
+                                  <p:stCondLst>
+                                    <p:cond delay="0"/>
+                                  </p:stCondLst>
+                                  <p:iterate type="lt">
+                                    <p:tmPct val="30000"/>
+                                  </p:iterate>
+                                  <p:childTnLst>
+                                    <p:set>
+                                      <p:cBhvr>
+                                        <p:cTn id="19" dur="1" fill="hold">
+                                          <p:stCondLst>
+                                            <p:cond delay="0"/>
+                                          </p:stCondLst>
+                                        </p:cTn>
+                                        <p:tgtEl>
+                                          <p:spTgt spid="5"/>
+                                        </p:tgtEl>
+                                        <p:attrNameLst>
+                                          <p:attrName>style.visibility</p:attrName>
+                                        </p:attrNameLst>
+                                      </p:cBhvr>
+                                      <p:to>
+                                        <p:strVal val="visible"/>
+                                      </p:to>
+                                    </p:set>
+                                    <p:animEffect transition="in" filter="wipe(left)">
+                                      <p:cBhvr>
+                                        <p:cTn id="20" dur="100"/>
+                                        <p:tgtEl>
+                                          <p:spTgt spid="5"/>
+                                        </p:tgtEl>
+                                      </p:cBhvr>
+                                    </p:animEffect>
+                                  </p:childTnLst>
+                                </p:cTn>
+                              </p:par>
+                              <p:par>
+                                <p:cTn id="21" presetID="36" presetClass="emph" presetSubtype="0" fill="hold" grpId="1" nodeType="withEffect">
+                                  <p:stCondLst>
+                                    <p:cond delay="0"/>
+                                  </p:stCondLst>
+                                  <p:iterate type="lt">
+                                    <p:tmPct val="30000"/>
+                                  </p:iterate>
+                                  <p:childTnLst>
+                                    <p:animScale>
+                                      <p:cBhvr>
+                                        <p:cTn id="22" dur="50" autoRev="1" fill="hold">
+                                          <p:stCondLst>
+                                            <p:cond delay="0"/>
+                                          </p:stCondLst>
+                                        </p:cTn>
+                                        <p:tgtEl>
+                                          <p:spTgt spid="5"/>
+                                        </p:tgtEl>
+                                      </p:cBhvr>
+                                      <p:to x="80000" y="100000"/>
+                                    </p:animScale>
+                                    <p:anim by="(#ppt_w*0.10)" calcmode="lin" valueType="num">
+                                      <p:cBhvr>
+                                        <p:cTn id="23" dur="50" autoRev="1" fill="hold">
+                                          <p:stCondLst>
+                                            <p:cond delay="0"/>
+                                          </p:stCondLst>
+                                        </p:cTn>
+                                        <p:tgtEl>
+                                          <p:spTgt spid="5"/>
+                                        </p:tgtEl>
+                                        <p:attrNameLst>
+                                          <p:attrName>ppt_x</p:attrName>
+                                        </p:attrNameLst>
+                                      </p:cBhvr>
+                                    </p:anim>
+                                    <p:anim by="(-#ppt_w*0.10)" calcmode="lin" valueType="num">
+                                      <p:cBhvr>
+                                        <p:cTn id="24" dur="50" autoRev="1" fill="hold">
+                                          <p:stCondLst>
+                                            <p:cond delay="0"/>
+                                          </p:stCondLst>
+                                        </p:cTn>
+                                        <p:tgtEl>
+                                          <p:spTgt spid="5"/>
+                                        </p:tgtEl>
+                                        <p:attrNameLst>
+                                          <p:attrName>ppt_y</p:attrName>
+                                        </p:attrNameLst>
+                                      </p:cBhvr>
+                                    </p:anim>
+                                    <p:animRot by="-480000">
+                                      <p:cBhvr>
+                                        <p:cTn id="25" dur="50" autoRev="1" fill="hold">
+                                          <p:stCondLst>
+                                            <p:cond delay="0"/>
+                                          </p:stCondLst>
+                                        </p:cTn>
+                                        <p:tgtEl>
+                                          <p:spTgt spid="5"/>
+                                        </p:tgtEl>
+                                        <p:attrNameLst>
+                                          <p:attrName>r</p:attrName>
+                                        </p:attrNameLst>
+                                      </p:cBhvr>
+                                    </p:animRot>
+                                  </p:childTnLst>
+                                </p:cTn>
+                              </p:par>
+                            </p:childTnLst>
+                          </p:cTn>
+                        </p:par>
+                        <p:par>
+                          <p:cTn id="26" fill="hold">
+                            <p:stCondLst>
+                              <p:cond delay="3310"/>
+                            </p:stCondLst>
+                            <p:childTnLst>
+                              <p:par>
+                                <p:cTn id="27" presetID="2" presetClass="entr" presetSubtype="2" fill="hold" grpId="0" nodeType="afterEffect">
+                                  <p:stCondLst>
+                                    <p:cond delay="0"/>
+                                  </p:stCondLst>
+                                  <p:childTnLst>
+                                    <p:set>
+                                      <p:cBhvr>
+                                        <p:cTn id="28" dur="1" fill="hold">
+                                          <p:stCondLst>
+                                            <p:cond delay="0"/>
+                                          </p:stCondLst>
+                                        </p:cTn>
+                                        <p:tgtEl>
+                                          <p:spTgt spid="8"/>
+                                        </p:tgtEl>
+                                        <p:attrNameLst>
+                                          <p:attrName>style.visibility</p:attrName>
+                                        </p:attrNameLst>
+                                      </p:cBhvr>
+                                      <p:to>
+                                        <p:strVal val="visible"/>
+                                      </p:to>
+                                    </p:set>
+                                    <p:anim calcmode="lin" valueType="num">
+                                      <p:cBhvr additive="base">
+                                        <p:cTn id="29" dur="500" fill="hold"/>
+                                        <p:tgtEl>
+                                          <p:spTgt spid="8"/>
+                                        </p:tgtEl>
+                                        <p:attrNameLst>
+                                          <p:attrName>ppt_x</p:attrName>
+                                        </p:attrNameLst>
+                                      </p:cBhvr>
+                                      <p:tavLst>
+                                        <p:tav tm="0">
+                                          <p:val>
+                                            <p:strVal val="1+#ppt_w/2"/>
+                                          </p:val>
+                                        </p:tav>
+                                        <p:tav tm="100000">
+                                          <p:val>
+                                            <p:strVal val="#ppt_x"/>
+                                          </p:val>
+                                        </p:tav>
+                                      </p:tavLst>
+                                    </p:anim>
+                                    <p:anim calcmode="lin" valueType="num">
+                                      <p:cBhvr additive="base">
+                                        <p:cTn id="30" dur="500" fill="hold"/>
+                                        <p:tgtEl>
+                                          <p:spTgt spid="8"/>
+                                        </p:tgtEl>
+                                        <p:attrNameLst>
+                                          <p:attrName>ppt_y</p:attrName>
+                                        </p:attrNameLst>
+                                      </p:cBhvr>
+                                      <p:tavLst>
+                                        <p:tav tm="0">
+                                          <p:val>
+                                            <p:strVal val="#ppt_y"/>
+                                          </p:val>
+                                        </p:tav>
+                                        <p:tav tm="100000">
+                                          <p:val>
+                                            <p:strVal val="#ppt_y"/>
+                                          </p:val>
+                                        </p:tav>
+                                      </p:tavLst>
+                                    </p:anim>
+                                  </p:childTnLst>
+                                </p:cTn>
+                              </p:par>
+                            </p:childTnLst>
+                          </p:cTn>
+                        </p:par>
+                        <p:par>
+                          <p:cTn id="31" fill="hold">
+                            <p:stCondLst>
+                              <p:cond delay="3810"/>
+                            </p:stCondLst>
+                            <p:childTnLst>
+                              <p:par>
+                                <p:cTn id="32" presetID="22" presetClass="entr" presetSubtype="1" fill="hold" grpId="0" nodeType="afterEffect">
+                                  <p:stCondLst>
+                                    <p:cond delay="0"/>
+                                  </p:stCondLst>
+                                  <p:childTnLst>
+                                    <p:set>
+                                      <p:cBhvr>
+                                        <p:cTn id="33" dur="1" fill="hold">
+                                          <p:stCondLst>
+                                            <p:cond delay="0"/>
+                                          </p:stCondLst>
+                                        </p:cTn>
+                                        <p:tgtEl>
+                                          <p:spTgt spid="7"/>
+                                        </p:tgtEl>
+                                        <p:attrNameLst>
+                                          <p:attrName>style.visibility</p:attrName>
+                                        </p:attrNameLst>
+                                      </p:cBhvr>
+                                      <p:to>
+                                        <p:strVal val="visible"/>
+                                      </p:to>
+                                    </p:set>
+                                    <p:animEffect transition="in" filter="wipe(up)">
+                                      <p:cBhvr>
+                                        <p:cTn id="34" dur="500"/>
+                                        <p:tgtEl>
+                                          <p:spTgt spid="7"/>
+                                        </p:tgtEl>
+                                      </p:cBhvr>
+                                    </p:animEffect>
+                                  </p:childTnLst>
+                                </p:cTn>
+                              </p:par>
+                            </p:childTnLst>
+                          </p:cTn>
+                        </p:par>
+                        <p:par>
+                          <p:cTn id="35" fill="hold">
+                            <p:stCondLst>
+                              <p:cond delay="4310"/>
+                            </p:stCondLst>
+                            <p:childTnLst>
+                              <p:par>
+                                <p:cTn id="36" presetID="22" presetClass="entr" presetSubtype="8" fill="hold" grpId="0" nodeType="afterEffect">
+                                  <p:stCondLst>
+                                    <p:cond delay="0"/>
+                                  </p:stCondLst>
+                                  <p:iterate type="lt">
+                                    <p:tmPct val="30000"/>
+                                  </p:iterate>
+                                  <p:childTnLst>
+                                    <p:set>
+                                      <p:cBhvr>
+                                        <p:cTn id="37" dur="1" fill="hold">
+                                          <p:stCondLst>
+                                            <p:cond delay="0"/>
+                                          </p:stCondLst>
+                                        </p:cTn>
+                                        <p:tgtEl>
+                                          <p:spTgt spid="9"/>
+                                        </p:tgtEl>
+                                        <p:attrNameLst>
+                                          <p:attrName>style.visibility</p:attrName>
+                                        </p:attrNameLst>
+                                      </p:cBhvr>
+                                      <p:to>
+                                        <p:strVal val="visible"/>
+                                      </p:to>
+                                    </p:set>
+                                    <p:animEffect transition="in" filter="wipe(left)">
+                                      <p:cBhvr>
+                                        <p:cTn id="38" dur="100"/>
+                                        <p:tgtEl>
+                                          <p:spTgt spid="9"/>
+                                        </p:tgtEl>
+                                      </p:cBhvr>
+                                    </p:animEffect>
+                                  </p:childTnLst>
+                                </p:cTn>
+                              </p:par>
+                              <p:par>
+                                <p:cTn id="39" presetID="36" presetClass="emph" presetSubtype="0" fill="hold" grpId="1" nodeType="withEffect">
+                                  <p:stCondLst>
+                                    <p:cond delay="0"/>
+                                  </p:stCondLst>
+                                  <p:iterate type="lt">
+                                    <p:tmPct val="30000"/>
+                                  </p:iterate>
+                                  <p:childTnLst>
+                                    <p:animScale>
+                                      <p:cBhvr>
+                                        <p:cTn id="40" dur="50" autoRev="1" fill="hold">
+                                          <p:stCondLst>
+                                            <p:cond delay="0"/>
+                                          </p:stCondLst>
+                                        </p:cTn>
+                                        <p:tgtEl>
+                                          <p:spTgt spid="9"/>
+                                        </p:tgtEl>
+                                      </p:cBhvr>
+                                      <p:to x="80000" y="100000"/>
+                                    </p:animScale>
+                                    <p:anim by="(#ppt_w*0.10)" calcmode="lin" valueType="num">
+                                      <p:cBhvr>
+                                        <p:cTn id="41" dur="50" autoRev="1" fill="hold">
+                                          <p:stCondLst>
+                                            <p:cond delay="0"/>
+                                          </p:stCondLst>
+                                        </p:cTn>
+                                        <p:tgtEl>
+                                          <p:spTgt spid="9"/>
+                                        </p:tgtEl>
+                                        <p:attrNameLst>
+                                          <p:attrName>ppt_x</p:attrName>
+                                        </p:attrNameLst>
+                                      </p:cBhvr>
+                                    </p:anim>
+                                    <p:anim by="(-#ppt_w*0.10)" calcmode="lin" valueType="num">
+                                      <p:cBhvr>
+                                        <p:cTn id="42" dur="50" autoRev="1" fill="hold">
+                                          <p:stCondLst>
+                                            <p:cond delay="0"/>
+                                          </p:stCondLst>
+                                        </p:cTn>
+                                        <p:tgtEl>
+                                          <p:spTgt spid="9"/>
+                                        </p:tgtEl>
+                                        <p:attrNameLst>
+                                          <p:attrName>ppt_y</p:attrName>
+                                        </p:attrNameLst>
+                                      </p:cBhvr>
+                                    </p:anim>
+                                    <p:animRot by="-480000">
+                                      <p:cBhvr>
+                                        <p:cTn id="43" dur="50" autoRev="1" fill="hold">
+                                          <p:stCondLst>
+                                            <p:cond delay="0"/>
+                                          </p:stCondLst>
+                                        </p:cTn>
+                                        <p:tgtEl>
+                                          <p:spTgt spid="9"/>
+                                        </p:tgtEl>
+                                        <p:attrNameLst>
+                                          <p:attrName>r</p:attrName>
+                                        </p:attrNameLst>
+                                      </p:cBhvr>
+                                    </p:animRot>
+                                  </p:childTnLst>
+                                </p:cTn>
+                              </p:par>
+                            </p:childTnLst>
+                          </p:cTn>
+                        </p:par>
+                        <p:par>
+                          <p:cTn id="44" fill="hold">
+                            <p:stCondLst>
+                              <p:cond delay="6150"/>
+                            </p:stCondLst>
+                            <p:childTnLst>
+                              <p:par>
+                                <p:cTn id="45" presetID="10" presetClass="entr" presetSubtype="0" fill="hold" grpId="0" nodeType="afterEffect">
+                                  <p:stCondLst>
+                                    <p:cond delay="0"/>
+                                  </p:stCondLst>
+                                  <p:childTnLst>
+                                    <p:set>
+                                      <p:cBhvr>
+                                        <p:cTn id="46" dur="1" fill="hold">
+                                          <p:stCondLst>
+                                            <p:cond delay="0"/>
+                                          </p:stCondLst>
+                                        </p:cTn>
+                                        <p:tgtEl>
+                                          <p:spTgt spid="11"/>
+                                        </p:tgtEl>
+                                        <p:attrNameLst>
+                                          <p:attrName>style.visibility</p:attrName>
+                                        </p:attrNameLst>
+                                      </p:cBhvr>
+                                      <p:to>
+                                        <p:strVal val="visible"/>
+                                      </p:to>
+                                    </p:set>
+                                    <p:animEffect transition="in" filter="fade">
+                                      <p:cBhvr>
+                                        <p:cTn id="47" dur="500"/>
+                                        <p:tgtEl>
+                                          <p:spTgt spid="11"/>
+                                        </p:tgtEl>
+                                      </p:cBhvr>
+                                    </p:animEffect>
+                                  </p:childTnLst>
+                                </p:cTn>
+                              </p:par>
+                            </p:childTnLst>
+                          </p:cTn>
+                        </p:par>
+                      </p:childTnLst>
+                    </p:cTn>
+                  </p:par>
+                </p:childTnLst>
+              </p:cTn>
+              <p:prevCondLst>
+                <p:cond evt="onPrev" delay="0">
+                  <p:tgtEl>
+                    <p:sldTgt/>
+                  </p:tgtEl>
+                </p:cond>
+              </p:prevCondLst>
+              <p:nextCondLst>
+                <p:cond evt="onNext" delay="0">
+                  <p:tgtEl>
+                    <p:sldTgt/>
+                  </p:tgtEl>
+                </p:cond>
+              </p:nextCondLst>
+            </p:seq>
+          </p:childTnLst>
+        </p:cTn>
+      </p:par>
+    </p:tnLst>
+    <p:bldLst>
+      <p:bldP spid="6" grpId="0"/>
+      <p:bldP spid="3" grpId="0" animBg="1"/>
+      <p:bldP spid="4" grpId="0" animBg="1"/>
+      <p:bldP spid="5" grpId="0"/>
+      <p:bldP spid="5" grpId="1"/>
+      <p:bldP spid="7" grpId="0" animBg="1"/>
+      <p:bldP spid="8" grpId="0" animBg="1"/>
+      <p:bldP spid="9" grpId="0"/>
+      <p:bldP spid="9" grpId="1"/>
+      <p:bldP spid="11" grpId="0"/>
+    </p:bldLst>
+  </p:timing>
+</p:sld>
+</file>
+
+<file path=ppt/slides/slide11.xml><?xml version="1.0" encoding="utf-8"?>
 <p:sld xmlns:a="http://schemas.openxmlformats.org/drawingml/2006/main" xmlns:r="http://schemas.openxmlformats.org/officeDocument/2006/relationships" xmlns:p="http://schemas.openxmlformats.org/presentationml/2006/main">
   <p:cSld>
     <p:spTree>
@@ -7455,14 +8636,14 @@
   <p:clrMapOvr>
     <a:masterClrMapping/>
   </p:clrMapOvr>
-  <mc:AlternateContent xmlns:mc="http://schemas.openxmlformats.org/markup-compatibility/2006" xmlns:p14="http://schemas.microsoft.com/office/powerpoint/2010/main">
-    <mc:Choice Requires="p14">
-      <p:transition spd="med" p14:dur="700" advTm="0">
+  <mc:AlternateContent xmlns:mc="http://schemas.openxmlformats.org/markup-compatibility/2006">
+    <mc:Choice xmlns:p14="http://schemas.microsoft.com/office/powerpoint/2010/main" Requires="p14">
+      <p:transition spd="med" p14:dur="700" advTm="20000">
         <p:fade/>
       </p:transition>
     </mc:Choice>
-    <mc:Fallback xmlns="">
-      <p:transition spd="med" advTm="0">
+    <mc:Fallback>
+      <p:transition spd="med" advTm="20000">
         <p:fade/>
       </p:transition>
     </mc:Fallback>
@@ -7784,7 +8965,7 @@
 </p:sld>
 </file>
 
-<file path=ppt/slides/slide11.xml><?xml version="1.0" encoding="utf-8"?>
+<file path=ppt/slides/slide12.xml><?xml version="1.0" encoding="utf-8"?>
 <p:sld xmlns:a="http://schemas.openxmlformats.org/drawingml/2006/main" xmlns:r="http://schemas.openxmlformats.org/officeDocument/2006/relationships" xmlns:p="http://schemas.openxmlformats.org/presentationml/2006/main">
   <p:cSld>
     <p:spTree>
@@ -7871,25 +9052,8 @@
                 <a:latin typeface="微软雅黑" pitchFamily="34" charset="-122"/>
                 <a:ea typeface="微软雅黑" pitchFamily="34" charset="-122"/>
               </a:rPr>
-              <a:t>Add </a:t>
+              <a:t>Add ResourceBundleThemeSource, a class of Spring framework</a:t>
             </a:r>
-            <a:r>
-              <a:rPr lang="en-US" altLang="zh-CN" sz="2000" dirty="0" smtClean="0">
-                <a:solidFill>
-                  <a:sysClr val="windowText" lastClr="000000"/>
-                </a:solidFill>
-                <a:latin typeface="微软雅黑" pitchFamily="34" charset="-122"/>
-                <a:ea typeface="微软雅黑" pitchFamily="34" charset="-122"/>
-              </a:rPr>
-              <a:t>ResourceBundleThemeSource, a class of Spring framework</a:t>
-            </a:r>
-            <a:endParaRPr lang="en-US" altLang="zh-CN" sz="2000" dirty="0" smtClean="0">
-              <a:solidFill>
-                <a:sysClr val="windowText" lastClr="000000"/>
-              </a:solidFill>
-              <a:latin typeface="微软雅黑" pitchFamily="34" charset="-122"/>
-              <a:ea typeface="微软雅黑" pitchFamily="34" charset="-122"/>
-            </a:endParaRPr>
           </a:p>
         </p:txBody>
       </p:sp>
@@ -7959,45 +9123,8 @@
                 <a:latin typeface="微软雅黑" pitchFamily="34" charset="-122"/>
                 <a:ea typeface="微软雅黑" pitchFamily="34" charset="-122"/>
               </a:rPr>
-              <a:t>Add resolver of </a:t>
+              <a:t>Add resolver of different type, such as session, cookie, fixed</a:t>
             </a:r>
-            <a:r>
-              <a:rPr lang="en-US" altLang="zh-CN" sz="2000" dirty="0" smtClean="0">
-                <a:solidFill>
-                  <a:sysClr val="windowText" lastClr="000000"/>
-                </a:solidFill>
-                <a:latin typeface="微软雅黑" pitchFamily="34" charset="-122"/>
-                <a:ea typeface="微软雅黑" pitchFamily="34" charset="-122"/>
-              </a:rPr>
-              <a:t>different type, </a:t>
-            </a:r>
-            <a:r>
-              <a:rPr lang="en-US" altLang="zh-CN" sz="2000" dirty="0" smtClean="0">
-                <a:solidFill>
-                  <a:sysClr val="windowText" lastClr="000000"/>
-                </a:solidFill>
-                <a:latin typeface="微软雅黑" pitchFamily="34" charset="-122"/>
-                <a:ea typeface="微软雅黑" pitchFamily="34" charset="-122"/>
-              </a:rPr>
-              <a:t>such as session, cookie, </a:t>
-            </a:r>
-            <a:r>
-              <a:rPr lang="en-US" altLang="zh-CN" sz="2000" dirty="0" smtClean="0">
-                <a:solidFill>
-                  <a:sysClr val="windowText" lastClr="000000"/>
-                </a:solidFill>
-                <a:latin typeface="微软雅黑" pitchFamily="34" charset="-122"/>
-                <a:ea typeface="微软雅黑" pitchFamily="34" charset="-122"/>
-              </a:rPr>
-              <a:t>fixed</a:t>
-            </a:r>
-            <a:endParaRPr lang="en-US" altLang="zh-CN" sz="2000" dirty="0" smtClean="0">
-              <a:solidFill>
-                <a:sysClr val="windowText" lastClr="000000"/>
-              </a:solidFill>
-              <a:latin typeface="微软雅黑" pitchFamily="34" charset="-122"/>
-              <a:ea typeface="微软雅黑" pitchFamily="34" charset="-122"/>
-            </a:endParaRPr>
           </a:p>
         </p:txBody>
       </p:sp>
@@ -8093,14 +9220,14 @@
   <p:clrMapOvr>
     <a:masterClrMapping/>
   </p:clrMapOvr>
-  <mc:AlternateContent xmlns:mc="http://schemas.openxmlformats.org/markup-compatibility/2006" xmlns:p14="http://schemas.microsoft.com/office/powerpoint/2010/main">
-    <mc:Choice Requires="p14">
-      <p:transition spd="med" p14:dur="700" advTm="0">
+  <mc:AlternateContent xmlns:mc="http://schemas.openxmlformats.org/markup-compatibility/2006">
+    <mc:Choice xmlns:p14="http://schemas.microsoft.com/office/powerpoint/2010/main" Requires="p14">
+      <p:transition spd="med" p14:dur="700" advTm="20000">
         <p:fade/>
       </p:transition>
     </mc:Choice>
-    <mc:Fallback xmlns="">
-      <p:transition spd="med" advTm="0">
+    <mc:Fallback>
+      <p:transition spd="med" advTm="20000">
         <p:fade/>
       </p:transition>
     </mc:Fallback>
@@ -8422,7 +9549,7 @@
 </p:sld>
 </file>
 
-<file path=ppt/slides/slide12.xml><?xml version="1.0" encoding="utf-8"?>
+<file path=ppt/slides/slide13.xml><?xml version="1.0" encoding="utf-8"?>
 <p:sld xmlns:a="http://schemas.openxmlformats.org/drawingml/2006/main" xmlns:r="http://schemas.openxmlformats.org/officeDocument/2006/relationships" xmlns:p="http://schemas.openxmlformats.org/presentationml/2006/main">
   <p:cSld>
     <p:spTree>
@@ -8534,17 +9661,7 @@
                 <a:latin typeface="微软雅黑" pitchFamily="34" charset="-122"/>
                 <a:ea typeface="微软雅黑" pitchFamily="34" charset="-122"/>
               </a:rPr>
-              <a:t>Add </a:t>
-            </a:r>
-            <a:r>
-              <a:rPr lang="en-US" altLang="zh-CN" sz="2000" dirty="0" smtClean="0">
-                <a:solidFill>
-                  <a:sysClr val="windowText" lastClr="000000"/>
-                </a:solidFill>
-                <a:latin typeface="微软雅黑" pitchFamily="34" charset="-122"/>
-                <a:ea typeface="微软雅黑" pitchFamily="34" charset="-122"/>
-              </a:rPr>
-              <a:t>ResourceBundleMessageSource, </a:t>
+              <a:t>Add ResourceBundleMessageSource, </a:t>
             </a:r>
             <a:r>
               <a:rPr lang="en-US" altLang="zh-CN" sz="2000" dirty="0">
@@ -8746,14 +9863,14 @@
   <p:clrMapOvr>
     <a:masterClrMapping/>
   </p:clrMapOvr>
-  <mc:AlternateContent xmlns:mc="http://schemas.openxmlformats.org/markup-compatibility/2006" xmlns:p14="http://schemas.microsoft.com/office/powerpoint/2010/main">
-    <mc:Choice Requires="p14">
-      <p:transition spd="med" p14:dur="700" advTm="0">
+  <mc:AlternateContent xmlns:mc="http://schemas.openxmlformats.org/markup-compatibility/2006">
+    <mc:Choice xmlns:p14="http://schemas.microsoft.com/office/powerpoint/2010/main" Requires="p14">
+      <p:transition spd="med" p14:dur="700" advTm="20000">
         <p:fade/>
       </p:transition>
     </mc:Choice>
-    <mc:Fallback xmlns="">
-      <p:transition spd="med" advTm="0">
+    <mc:Fallback>
+      <p:transition spd="med" advTm="20000">
         <p:fade/>
       </p:transition>
     </mc:Fallback>
@@ -8883,7 +10000,7 @@
                                           </p:stCondLst>
                                         </p:cTn>
                                         <p:tgtEl>
-                                          <p:spTgt spid="9"/>
+                                          <p:spTgt spid="13"/>
                                         </p:tgtEl>
                                         <p:attrNameLst>
                                           <p:attrName>style.visibility</p:attrName>
@@ -8897,7 +10014,7 @@
                                       <p:cBhvr>
                                         <p:cTn id="15" dur="500"/>
                                         <p:tgtEl>
-                                          <p:spTgt spid="9"/>
+                                          <p:spTgt spid="13"/>
                                         </p:tgtEl>
                                       </p:cBhvr>
                                     </p:animEffect>
@@ -8927,7 +10044,7 @@
                                           </p:stCondLst>
                                         </p:cTn>
                                         <p:tgtEl>
-                                          <p:spTgt spid="11"/>
+                                          <p:spTgt spid="9"/>
                                         </p:tgtEl>
                                         <p:attrNameLst>
                                           <p:attrName>style.visibility</p:attrName>
@@ -8941,7 +10058,7 @@
                                       <p:cBhvr>
                                         <p:cTn id="19" dur="500"/>
                                         <p:tgtEl>
-                                          <p:spTgt spid="11"/>
+                                          <p:spTgt spid="9"/>
                                         </p:tgtEl>
                                       </p:cBhvr>
                                     </p:animEffect>
@@ -8971,7 +10088,7 @@
                                           </p:stCondLst>
                                         </p:cTn>
                                         <p:tgtEl>
-                                          <p:spTgt spid="12"/>
+                                          <p:spTgt spid="11"/>
                                         </p:tgtEl>
                                         <p:attrNameLst>
                                           <p:attrName>style.visibility</p:attrName>
@@ -8985,7 +10102,7 @@
                                       <p:cBhvr>
                                         <p:cTn id="23" dur="500"/>
                                         <p:tgtEl>
-                                          <p:spTgt spid="12"/>
+                                          <p:spTgt spid="11"/>
                                         </p:tgtEl>
                                       </p:cBhvr>
                                     </p:animEffect>
@@ -9015,7 +10132,7 @@
                                           </p:stCondLst>
                                         </p:cTn>
                                         <p:tgtEl>
-                                          <p:spTgt spid="13"/>
+                                          <p:spTgt spid="12"/>
                                         </p:tgtEl>
                                         <p:attrNameLst>
                                           <p:attrName>style.visibility</p:attrName>
@@ -9029,7 +10146,7 @@
                                       <p:cBhvr>
                                         <p:cTn id="27" dur="500"/>
                                         <p:tgtEl>
-                                          <p:spTgt spid="13"/>
+                                          <p:spTgt spid="12"/>
                                         </p:tgtEl>
                                       </p:cBhvr>
                                     </p:animEffect>
@@ -9075,7 +10192,7 @@
 </p:sld>
 </file>
 
-<file path=ppt/slides/slide13.xml><?xml version="1.0" encoding="utf-8"?>
+<file path=ppt/slides/slide14.xml><?xml version="1.0" encoding="utf-8"?>
 <p:sld xmlns:a="http://schemas.openxmlformats.org/drawingml/2006/main" xmlns:r="http://schemas.openxmlformats.org/officeDocument/2006/relationships" xmlns:p="http://schemas.openxmlformats.org/presentationml/2006/main">
   <p:cSld>
     <p:spTree>
@@ -9158,14 +10275,14 @@
       </p:sp>
       <p:sp>
         <p:nvSpPr>
-          <p:cNvPr id="9" name="矩形 8"/>
+          <p:cNvPr id="10" name="矩形 9"/>
           <p:cNvSpPr/>
           <p:nvPr/>
         </p:nvSpPr>
         <p:spPr>
           <a:xfrm flipH="1">
-            <a:off x="323528" y="1325692"/>
-            <a:ext cx="8661345" cy="453457"/>
+            <a:off x="323528" y="872235"/>
+            <a:ext cx="4710905" cy="492443"/>
           </a:xfrm>
           <a:prstGeom prst="rect">
             <a:avLst/>
@@ -9192,39 +10309,9 @@
                 <a:latin typeface="微软雅黑" pitchFamily="34" charset="-122"/>
                 <a:ea typeface="微软雅黑" pitchFamily="34" charset="-122"/>
               </a:rPr>
-              <a:t>Add </a:t>
+              <a:t>Here is a demo of i18n and theme</a:t>
             </a:r>
-            <a:r>
-              <a:rPr lang="en-US" altLang="zh-CN" sz="2000" dirty="0" smtClean="0">
-                <a:solidFill>
-                  <a:sysClr val="windowText" lastClr="000000"/>
-                </a:solidFill>
-                <a:latin typeface="微软雅黑" pitchFamily="34" charset="-122"/>
-                <a:ea typeface="微软雅黑" pitchFamily="34" charset="-122"/>
-              </a:rPr>
-              <a:t>ResourceBundleMessageSource, </a:t>
-            </a:r>
-            <a:r>
-              <a:rPr lang="en-US" altLang="zh-CN" sz="2000" dirty="0">
-                <a:solidFill>
-                  <a:sysClr val="windowText" lastClr="000000"/>
-                </a:solidFill>
-                <a:latin typeface="微软雅黑" pitchFamily="34" charset="-122"/>
-                <a:ea typeface="微软雅黑" pitchFamily="34" charset="-122"/>
-              </a:rPr>
-              <a:t>a class of Spring </a:t>
-            </a:r>
-            <a:r>
-              <a:rPr lang="en-US" altLang="zh-CN" sz="2000" dirty="0" smtClean="0">
-                <a:solidFill>
-                  <a:sysClr val="windowText" lastClr="000000"/>
-                </a:solidFill>
-                <a:latin typeface="微软雅黑" pitchFamily="34" charset="-122"/>
-                <a:ea typeface="微软雅黑" pitchFamily="34" charset="-122"/>
-              </a:rPr>
-              <a:t>framework</a:t>
-            </a:r>
-            <a:endParaRPr lang="en-US" altLang="zh-CN" sz="2000" dirty="0">
+            <a:endParaRPr lang="en-US" altLang="zh-CN" sz="2000" dirty="0" smtClean="0">
               <a:solidFill>
                 <a:sysClr val="windowText" lastClr="000000"/>
               </a:solidFill>
@@ -9236,14 +10323,14 @@
       </p:sp>
       <p:sp>
         <p:nvSpPr>
-          <p:cNvPr id="11" name="矩形 10"/>
+          <p:cNvPr id="14" name="矩形 13"/>
           <p:cNvSpPr/>
           <p:nvPr/>
         </p:nvSpPr>
         <p:spPr>
           <a:xfrm flipH="1">
-            <a:off x="323528" y="1780117"/>
-            <a:ext cx="8099205" cy="453457"/>
+            <a:off x="313589" y="1364678"/>
+            <a:ext cx="8235652" cy="453457"/>
           </a:xfrm>
           <a:prstGeom prst="rect">
             <a:avLst/>
@@ -9270,58 +10357,7 @@
                 <a:latin typeface="微软雅黑" pitchFamily="34" charset="-122"/>
                 <a:ea typeface="微软雅黑" pitchFamily="34" charset="-122"/>
               </a:rPr>
-              <a:t>Add resolver of different type, such as session, cookie, default</a:t>
-            </a:r>
-          </a:p>
-        </p:txBody>
-      </p:sp>
-      <p:sp>
-        <p:nvSpPr>
-          <p:cNvPr id="12" name="矩形 11"/>
-          <p:cNvSpPr/>
-          <p:nvPr/>
-        </p:nvSpPr>
-        <p:spPr>
-          <a:xfrm flipH="1">
-            <a:off x="323528" y="2233574"/>
-            <a:ext cx="6026650" cy="492443"/>
-          </a:xfrm>
-          <a:prstGeom prst="rect">
-            <a:avLst/>
-          </a:prstGeom>
-        </p:spPr>
-        <p:txBody>
-          <a:bodyPr wrap="none">
-            <a:spAutoFit/>
-          </a:bodyPr>
-          <a:lstStyle/>
-          <a:p>
-            <a:pPr marL="342900" indent="-342900">
-              <a:lnSpc>
-                <a:spcPct val="130000"/>
-              </a:lnSpc>
-              <a:buFont typeface="Arial" panose="020B0604020202020204" pitchFamily="34" charset="0"/>
-              <a:buChar char="•"/>
-            </a:pPr>
-            <a:r>
-              <a:rPr lang="en-US" altLang="zh-CN" sz="2000" dirty="0" smtClean="0">
-                <a:solidFill>
-                  <a:sysClr val="windowText" lastClr="000000"/>
-                </a:solidFill>
-                <a:latin typeface="微软雅黑" pitchFamily="34" charset="-122"/>
-                <a:ea typeface="微软雅黑" pitchFamily="34" charset="-122"/>
-              </a:rPr>
-              <a:t>Add the controller to change the </a:t>
-            </a:r>
-            <a:r>
-              <a:rPr lang="en-US" altLang="zh-CN" sz="2000" dirty="0">
-                <a:solidFill>
-                  <a:sysClr val="windowText" lastClr="000000"/>
-                </a:solidFill>
-                <a:latin typeface="微软雅黑" pitchFamily="34" charset="-122"/>
-                <a:ea typeface="微软雅黑" pitchFamily="34" charset="-122"/>
-              </a:rPr>
-              <a:t>localization</a:t>
+              <a:t>You can follow the step to start your own international project </a:t>
             </a:r>
             <a:endParaRPr lang="en-US" altLang="zh-CN" sz="2000" dirty="0" smtClean="0">
               <a:solidFill>
@@ -9330,67 +10366,6 @@
               <a:latin typeface="微软雅黑" pitchFamily="34" charset="-122"/>
               <a:ea typeface="微软雅黑" pitchFamily="34" charset="-122"/>
             </a:endParaRPr>
-          </a:p>
-        </p:txBody>
-      </p:sp>
-      <p:sp>
-        <p:nvSpPr>
-          <p:cNvPr id="13" name="矩形 12"/>
-          <p:cNvSpPr/>
-          <p:nvPr/>
-        </p:nvSpPr>
-        <p:spPr>
-          <a:xfrm flipH="1">
-            <a:off x="323528" y="872235"/>
-            <a:ext cx="6612195" cy="453457"/>
-          </a:xfrm>
-          <a:prstGeom prst="rect">
-            <a:avLst/>
-          </a:prstGeom>
-        </p:spPr>
-        <p:txBody>
-          <a:bodyPr wrap="none">
-            <a:spAutoFit/>
-          </a:bodyPr>
-          <a:lstStyle/>
-          <a:p>
-            <a:pPr marL="342900" indent="-342900">
-              <a:lnSpc>
-                <a:spcPct val="130000"/>
-              </a:lnSpc>
-              <a:buFont typeface="Arial" panose="020B0604020202020204" pitchFamily="34" charset="0"/>
-              <a:buChar char="•"/>
-            </a:pPr>
-            <a:r>
-              <a:rPr lang="en-US" altLang="zh-CN" sz="2000" dirty="0" smtClean="0">
-                <a:solidFill>
-                  <a:sysClr val="windowText" lastClr="000000"/>
-                </a:solidFill>
-                <a:latin typeface="微软雅黑" pitchFamily="34" charset="-122"/>
-                <a:ea typeface="微软雅黑" pitchFamily="34" charset="-122"/>
-              </a:rPr>
-              <a:t>How we </a:t>
-            </a:r>
-            <a:r>
-              <a:rPr lang="en-US" altLang="zh-CN" sz="2000" dirty="0">
-                <a:solidFill>
-                  <a:sysClr val="windowText" lastClr="000000"/>
-                </a:solidFill>
-                <a:latin typeface="微软雅黑" pitchFamily="34" charset="-122"/>
-                <a:ea typeface="微软雅黑" pitchFamily="34" charset="-122"/>
-              </a:rPr>
-              <a:t>set </a:t>
-            </a:r>
-            <a:r>
-              <a:rPr lang="en-US" altLang="zh-CN" sz="2000" dirty="0" smtClean="0">
-                <a:solidFill>
-                  <a:sysClr val="windowText" lastClr="000000"/>
-                </a:solidFill>
-                <a:latin typeface="微软雅黑" pitchFamily="34" charset="-122"/>
-                <a:ea typeface="微软雅黑" pitchFamily="34" charset="-122"/>
-              </a:rPr>
-              <a:t>localization under Spring framework?</a:t>
-            </a:r>
           </a:p>
         </p:txBody>
       </p:sp>
@@ -9404,14 +10379,14 @@
   <p:clrMapOvr>
     <a:masterClrMapping/>
   </p:clrMapOvr>
-  <mc:AlternateContent xmlns:mc="http://schemas.openxmlformats.org/markup-compatibility/2006" xmlns:p14="http://schemas.microsoft.com/office/powerpoint/2010/main">
-    <mc:Choice Requires="p14">
-      <p:transition spd="med" p14:dur="700" advTm="0">
+  <mc:AlternateContent xmlns:mc="http://schemas.openxmlformats.org/markup-compatibility/2006">
+    <mc:Choice xmlns:p14="http://schemas.microsoft.com/office/powerpoint/2010/main" Requires="p14">
+      <p:transition spd="med" p14:dur="700" advTm="20000">
         <p:fade/>
       </p:transition>
     </mc:Choice>
-    <mc:Fallback xmlns="">
-      <p:transition spd="med" advTm="0">
+    <mc:Fallback>
+      <p:transition spd="med" advTm="20000">
         <p:fade/>
       </p:transition>
     </mc:Fallback>
@@ -9541,7 +10516,7 @@
                                           </p:stCondLst>
                                         </p:cTn>
                                         <p:tgtEl>
-                                          <p:spTgt spid="9"/>
+                                          <p:spTgt spid="10"/>
                                         </p:tgtEl>
                                         <p:attrNameLst>
                                           <p:attrName>style.visibility</p:attrName>
@@ -9555,7 +10530,7 @@
                                       <p:cBhvr>
                                         <p:cTn id="15" dur="500"/>
                                         <p:tgtEl>
-                                          <p:spTgt spid="9"/>
+                                          <p:spTgt spid="10"/>
                                         </p:tgtEl>
                                       </p:cBhvr>
                                     </p:animEffect>
@@ -9585,7 +10560,7 @@
                                           </p:stCondLst>
                                         </p:cTn>
                                         <p:tgtEl>
-                                          <p:spTgt spid="11"/>
+                                          <p:spTgt spid="14"/>
                                         </p:tgtEl>
                                         <p:attrNameLst>
                                           <p:attrName>style.visibility</p:attrName>
@@ -9599,95 +10574,7 @@
                                       <p:cBhvr>
                                         <p:cTn id="19" dur="500"/>
                                         <p:tgtEl>
-                                          <p:spTgt spid="11"/>
-                                        </p:tgtEl>
-                                      </p:cBhvr>
-                                    </p:animEffect>
-                                  </p:childTnLst>
-                                </p:cTn>
-                              </p:par>
-                            </p:childTnLst>
-                          </p:cTn>
-                        </p:par>
-                        <p:par>
-                          <p:cTn id="20" fill="hold">
-                            <p:stCondLst>
-                              <p:cond delay="2000"/>
-                            </p:stCondLst>
-                            <p:childTnLst>
-                              <p:par>
-                                <p:cTn id="21" presetID="22" presetClass="entr" presetSubtype="8" fill="hold" grpId="0" nodeType="afterEffect">
-                                  <p:stCondLst>
-                                    <p:cond delay="0"/>
-                                  </p:stCondLst>
-                                  <p:childTnLst>
-                                    <p:set>
-                                      <p:cBhvr>
-                                        <p:cTn id="22" dur="1" fill="hold">
-                                          <p:stCondLst>
-                                            <p:cond delay="0"/>
-                                          </p:stCondLst>
-                                        </p:cTn>
-                                        <p:tgtEl>
-                                          <p:spTgt spid="12"/>
-                                        </p:tgtEl>
-                                        <p:attrNameLst>
-                                          <p:attrName>style.visibility</p:attrName>
-                                        </p:attrNameLst>
-                                      </p:cBhvr>
-                                      <p:to>
-                                        <p:strVal val="visible"/>
-                                      </p:to>
-                                    </p:set>
-                                    <p:animEffect transition="in" filter="wipe(left)">
-                                      <p:cBhvr>
-                                        <p:cTn id="23" dur="500"/>
-                                        <p:tgtEl>
-                                          <p:spTgt spid="12"/>
-                                        </p:tgtEl>
-                                      </p:cBhvr>
-                                    </p:animEffect>
-                                  </p:childTnLst>
-                                </p:cTn>
-                              </p:par>
-                            </p:childTnLst>
-                          </p:cTn>
-                        </p:par>
-                        <p:par>
-                          <p:cTn id="24" fill="hold">
-                            <p:stCondLst>
-                              <p:cond delay="2500"/>
-                            </p:stCondLst>
-                            <p:childTnLst>
-                              <p:par>
-                                <p:cTn id="25" presetID="22" presetClass="entr" presetSubtype="8" fill="hold" grpId="0" nodeType="afterEffect">
-                                  <p:stCondLst>
-                                    <p:cond delay="0"/>
-                                  </p:stCondLst>
-                                  <p:childTnLst>
-                                    <p:set>
-                                      <p:cBhvr>
-                                        <p:cTn id="26" dur="1" fill="hold">
-                                          <p:stCondLst>
-                                            <p:cond delay="0"/>
-                                          </p:stCondLst>
-                                        </p:cTn>
-                                        <p:tgtEl>
-                                          <p:spTgt spid="13"/>
-                                        </p:tgtEl>
-                                        <p:attrNameLst>
-                                          <p:attrName>style.visibility</p:attrName>
-                                        </p:attrNameLst>
-                                      </p:cBhvr>
-                                      <p:to>
-                                        <p:strVal val="visible"/>
-                                      </p:to>
-                                    </p:set>
-                                    <p:animEffect transition="in" filter="wipe(left)">
-                                      <p:cBhvr>
-                                        <p:cTn id="27" dur="500"/>
-                                        <p:tgtEl>
-                                          <p:spTgt spid="13"/>
+                                          <p:spTgt spid="14"/>
                                         </p:tgtEl>
                                       </p:cBhvr>
                                     </p:animEffect>
@@ -9724,16 +10611,5917 @@
     <p:bldLst>
       <p:bldP spid="6" grpId="0"/>
       <p:bldP spid="20" grpId="0"/>
-      <p:bldP spid="9" grpId="0"/>
-      <p:bldP spid="11" grpId="0"/>
-      <p:bldP spid="12" grpId="0"/>
-      <p:bldP spid="13" grpId="0"/>
+      <p:bldP spid="10" grpId="0"/>
+      <p:bldP spid="14" grpId="0"/>
     </p:bldLst>
   </p:timing>
 </p:sld>
 </file>
 
-<file path=ppt/slides/slide14.xml><?xml version="1.0" encoding="utf-8"?>
+<file path=ppt/slides/slide15.xml><?xml version="1.0" encoding="utf-8"?>
+<p:sld xmlns:a="http://schemas.openxmlformats.org/drawingml/2006/main" xmlns:r="http://schemas.openxmlformats.org/officeDocument/2006/relationships" xmlns:p="http://schemas.openxmlformats.org/presentationml/2006/main">
+  <p:cSld>
+    <p:spTree>
+      <p:nvGrpSpPr>
+        <p:cNvPr id="1" name=""/>
+        <p:cNvGrpSpPr/>
+        <p:nvPr/>
+      </p:nvGrpSpPr>
+      <p:grpSpPr>
+        <a:xfrm>
+          <a:off x="0" y="0"/>
+          <a:ext cx="0" cy="0"/>
+          <a:chOff x="0" y="0"/>
+          <a:chExt cx="0" cy="0"/>
+        </a:xfrm>
+      </p:grpSpPr>
+      <p:sp>
+        <p:nvSpPr>
+          <p:cNvPr id="2" name="标题 1"/>
+          <p:cNvSpPr>
+            <a:spLocks noGrp="1"/>
+          </p:cNvSpPr>
+          <p:nvPr>
+            <p:ph type="title"/>
+          </p:nvPr>
+        </p:nvSpPr>
+        <p:spPr/>
+        <p:txBody>
+          <a:bodyPr>
+            <a:normAutofit fontScale="90000"/>
+          </a:bodyPr>
+          <a:lstStyle/>
+          <a:p>
+            <a:r>
+              <a:rPr lang="en-US" dirty="0"/>
+              <a:t>Setup </a:t>
+            </a:r>
+            <a:r>
+              <a:rPr lang="en-US" dirty="0" smtClean="0"/>
+              <a:t>project by Maven</a:t>
+            </a:r>
+            <a:endParaRPr lang="en-US" dirty="0"/>
+          </a:p>
+        </p:txBody>
+      </p:sp>
+      <p:sp>
+        <p:nvSpPr>
+          <p:cNvPr id="4" name="文本占位符 3"/>
+          <p:cNvSpPr>
+            <a:spLocks noGrp="1"/>
+          </p:cNvSpPr>
+          <p:nvPr>
+            <p:ph type="body" sz="half" idx="4294967295"/>
+          </p:nvPr>
+        </p:nvSpPr>
+        <p:spPr>
+          <a:xfrm>
+            <a:off x="539552" y="915566"/>
+            <a:ext cx="3008313" cy="3517900"/>
+          </a:xfrm>
+        </p:spPr>
+        <p:txBody>
+          <a:bodyPr>
+            <a:normAutofit fontScale="77500" lnSpcReduction="20000"/>
+          </a:bodyPr>
+          <a:lstStyle/>
+          <a:p>
+            <a:pPr marL="0" indent="0">
+              <a:buNone/>
+            </a:pPr>
+            <a:r>
+              <a:rPr lang="en-US" dirty="0" smtClean="0"/>
+              <a:t>Here we use Spring 4.0.5 version</a:t>
+            </a:r>
+          </a:p>
+          <a:p>
+            <a:pPr marL="0" indent="0">
+              <a:buNone/>
+            </a:pPr>
+            <a:r>
+              <a:rPr lang="en-US" dirty="0" smtClean="0"/>
+              <a:t>We setup our web project by Maven, and it is very easy to configure our web project.</a:t>
+            </a:r>
+          </a:p>
+          <a:p>
+            <a:pPr marL="0" indent="0">
+              <a:buNone/>
+            </a:pPr>
+            <a:r>
+              <a:rPr lang="en-US" dirty="0" smtClean="0"/>
+              <a:t>Here is the dependencies we will use.</a:t>
+            </a:r>
+          </a:p>
+          <a:p>
+            <a:endParaRPr lang="en-US" dirty="0"/>
+          </a:p>
+        </p:txBody>
+      </p:sp>
+      <p:pic>
+        <p:nvPicPr>
+          <p:cNvPr id="5" name="内容占位符 4"/>
+          <p:cNvPicPr>
+            <a:picLocks noGrp="1" noChangeAspect="1"/>
+          </p:cNvPicPr>
+          <p:nvPr>
+            <p:ph idx="4294967295"/>
+          </p:nvPr>
+        </p:nvPicPr>
+        <p:blipFill>
+          <a:blip r:embed="rId2"/>
+          <a:stretch>
+            <a:fillRect/>
+          </a:stretch>
+        </p:blipFill>
+        <p:spPr>
+          <a:xfrm>
+            <a:off x="4139952" y="915566"/>
+            <a:ext cx="4648200" cy="3438525"/>
+          </a:xfrm>
+          <a:prstGeom prst="rect">
+            <a:avLst/>
+          </a:prstGeom>
+        </p:spPr>
+      </p:pic>
+    </p:spTree>
+    <p:extLst>
+      <p:ext uri="{BB962C8B-B14F-4D97-AF65-F5344CB8AC3E}">
+        <p14:creationId xmlns:p14="http://schemas.microsoft.com/office/powerpoint/2010/main" val="1933881863"/>
+      </p:ext>
+    </p:extLst>
+  </p:cSld>
+  <p:clrMapOvr>
+    <a:masterClrMapping/>
+  </p:clrMapOvr>
+  <mc:AlternateContent xmlns:mc="http://schemas.openxmlformats.org/markup-compatibility/2006">
+    <mc:Choice xmlns:p14="http://schemas.microsoft.com/office/powerpoint/2010/main" Requires="p14">
+      <p:transition p14:dur="100" advTm="20000">
+        <p:cut/>
+      </p:transition>
+    </mc:Choice>
+    <mc:Fallback>
+      <p:transition advTm="20000">
+        <p:cut/>
+      </p:transition>
+    </mc:Fallback>
+  </mc:AlternateContent>
+  <p:timing>
+    <p:tnLst>
+      <p:par>
+        <p:cTn id="1" dur="indefinite" restart="never" nodeType="tmRoot">
+          <p:childTnLst>
+            <p:seq concurrent="1" nextAc="seek">
+              <p:cTn id="2" dur="indefinite" nodeType="mainSeq">
+                <p:childTnLst>
+                  <p:par>
+                    <p:cTn id="3" fill="hold">
+                      <p:stCondLst>
+                        <p:cond delay="indefinite"/>
+                        <p:cond evt="onBegin" delay="0">
+                          <p:tn val="2"/>
+                        </p:cond>
+                      </p:stCondLst>
+                      <p:childTnLst>
+                        <p:par>
+                          <p:cTn id="4" fill="hold">
+                            <p:stCondLst>
+                              <p:cond delay="0"/>
+                            </p:stCondLst>
+                            <p:childTnLst>
+                              <p:par>
+                                <p:cTn id="5" presetID="22" presetClass="entr" presetSubtype="8" fill="hold" grpId="0" nodeType="afterEffect">
+                                  <p:stCondLst>
+                                    <p:cond delay="0"/>
+                                  </p:stCondLst>
+                                  <p:childTnLst>
+                                    <p:set>
+                                      <p:cBhvr>
+                                        <p:cTn id="6" dur="1" fill="hold">
+                                          <p:stCondLst>
+                                            <p:cond delay="0"/>
+                                          </p:stCondLst>
+                                        </p:cTn>
+                                        <p:tgtEl>
+                                          <p:spTgt spid="2"/>
+                                        </p:tgtEl>
+                                        <p:attrNameLst>
+                                          <p:attrName>style.visibility</p:attrName>
+                                        </p:attrNameLst>
+                                      </p:cBhvr>
+                                      <p:to>
+                                        <p:strVal val="visible"/>
+                                      </p:to>
+                                    </p:set>
+                                    <p:animEffect transition="in" filter="wipe(left)">
+                                      <p:cBhvr>
+                                        <p:cTn id="7" dur="500"/>
+                                        <p:tgtEl>
+                                          <p:spTgt spid="2"/>
+                                        </p:tgtEl>
+                                      </p:cBhvr>
+                                    </p:animEffect>
+                                  </p:childTnLst>
+                                </p:cTn>
+                              </p:par>
+                            </p:childTnLst>
+                          </p:cTn>
+                        </p:par>
+                        <p:par>
+                          <p:cTn id="8" fill="hold">
+                            <p:stCondLst>
+                              <p:cond delay="500"/>
+                            </p:stCondLst>
+                            <p:childTnLst>
+                              <p:par>
+                                <p:cTn id="9" presetID="22" presetClass="entr" presetSubtype="8" fill="hold" grpId="0" nodeType="afterEffect">
+                                  <p:stCondLst>
+                                    <p:cond delay="0"/>
+                                  </p:stCondLst>
+                                  <p:childTnLst>
+                                    <p:set>
+                                      <p:cBhvr>
+                                        <p:cTn id="10" dur="1" fill="hold">
+                                          <p:stCondLst>
+                                            <p:cond delay="0"/>
+                                          </p:stCondLst>
+                                        </p:cTn>
+                                        <p:tgtEl>
+                                          <p:spTgt spid="4">
+                                            <p:txEl>
+                                              <p:pRg st="0" end="0"/>
+                                            </p:txEl>
+                                          </p:spTgt>
+                                        </p:tgtEl>
+                                        <p:attrNameLst>
+                                          <p:attrName>style.visibility</p:attrName>
+                                        </p:attrNameLst>
+                                      </p:cBhvr>
+                                      <p:to>
+                                        <p:strVal val="visible"/>
+                                      </p:to>
+                                    </p:set>
+                                    <p:animEffect transition="in" filter="wipe(left)">
+                                      <p:cBhvr>
+                                        <p:cTn id="11" dur="500"/>
+                                        <p:tgtEl>
+                                          <p:spTgt spid="4">
+                                            <p:txEl>
+                                              <p:pRg st="0" end="0"/>
+                                            </p:txEl>
+                                          </p:spTgt>
+                                        </p:tgtEl>
+                                      </p:cBhvr>
+                                    </p:animEffect>
+                                  </p:childTnLst>
+                                </p:cTn>
+                              </p:par>
+                            </p:childTnLst>
+                          </p:cTn>
+                        </p:par>
+                        <p:par>
+                          <p:cTn id="12" fill="hold">
+                            <p:stCondLst>
+                              <p:cond delay="1000"/>
+                            </p:stCondLst>
+                            <p:childTnLst>
+                              <p:par>
+                                <p:cTn id="13" presetID="22" presetClass="entr" presetSubtype="8" fill="hold" grpId="0" nodeType="afterEffect">
+                                  <p:stCondLst>
+                                    <p:cond delay="0"/>
+                                  </p:stCondLst>
+                                  <p:childTnLst>
+                                    <p:set>
+                                      <p:cBhvr>
+                                        <p:cTn id="14" dur="1" fill="hold">
+                                          <p:stCondLst>
+                                            <p:cond delay="0"/>
+                                          </p:stCondLst>
+                                        </p:cTn>
+                                        <p:tgtEl>
+                                          <p:spTgt spid="4">
+                                            <p:txEl>
+                                              <p:pRg st="1" end="1"/>
+                                            </p:txEl>
+                                          </p:spTgt>
+                                        </p:tgtEl>
+                                        <p:attrNameLst>
+                                          <p:attrName>style.visibility</p:attrName>
+                                        </p:attrNameLst>
+                                      </p:cBhvr>
+                                      <p:to>
+                                        <p:strVal val="visible"/>
+                                      </p:to>
+                                    </p:set>
+                                    <p:animEffect transition="in" filter="wipe(left)">
+                                      <p:cBhvr>
+                                        <p:cTn id="15" dur="500"/>
+                                        <p:tgtEl>
+                                          <p:spTgt spid="4">
+                                            <p:txEl>
+                                              <p:pRg st="1" end="1"/>
+                                            </p:txEl>
+                                          </p:spTgt>
+                                        </p:tgtEl>
+                                      </p:cBhvr>
+                                    </p:animEffect>
+                                  </p:childTnLst>
+                                </p:cTn>
+                              </p:par>
+                            </p:childTnLst>
+                          </p:cTn>
+                        </p:par>
+                        <p:par>
+                          <p:cTn id="16" fill="hold">
+                            <p:stCondLst>
+                              <p:cond delay="1500"/>
+                            </p:stCondLst>
+                            <p:childTnLst>
+                              <p:par>
+                                <p:cTn id="17" presetID="22" presetClass="entr" presetSubtype="8" fill="hold" grpId="0" nodeType="afterEffect">
+                                  <p:stCondLst>
+                                    <p:cond delay="0"/>
+                                  </p:stCondLst>
+                                  <p:childTnLst>
+                                    <p:set>
+                                      <p:cBhvr>
+                                        <p:cTn id="18" dur="1" fill="hold">
+                                          <p:stCondLst>
+                                            <p:cond delay="0"/>
+                                          </p:stCondLst>
+                                        </p:cTn>
+                                        <p:tgtEl>
+                                          <p:spTgt spid="4">
+                                            <p:txEl>
+                                              <p:pRg st="2" end="2"/>
+                                            </p:txEl>
+                                          </p:spTgt>
+                                        </p:tgtEl>
+                                        <p:attrNameLst>
+                                          <p:attrName>style.visibility</p:attrName>
+                                        </p:attrNameLst>
+                                      </p:cBhvr>
+                                      <p:to>
+                                        <p:strVal val="visible"/>
+                                      </p:to>
+                                    </p:set>
+                                    <p:animEffect transition="in" filter="wipe(left)">
+                                      <p:cBhvr>
+                                        <p:cTn id="19" dur="500"/>
+                                        <p:tgtEl>
+                                          <p:spTgt spid="4">
+                                            <p:txEl>
+                                              <p:pRg st="2" end="2"/>
+                                            </p:txEl>
+                                          </p:spTgt>
+                                        </p:tgtEl>
+                                      </p:cBhvr>
+                                    </p:animEffect>
+                                  </p:childTnLst>
+                                </p:cTn>
+                              </p:par>
+                            </p:childTnLst>
+                          </p:cTn>
+                        </p:par>
+                        <p:par>
+                          <p:cTn id="20" fill="hold">
+                            <p:stCondLst>
+                              <p:cond delay="2000"/>
+                            </p:stCondLst>
+                            <p:childTnLst>
+                              <p:par>
+                                <p:cTn id="21" presetID="22" presetClass="entr" presetSubtype="8" fill="hold" nodeType="afterEffect">
+                                  <p:stCondLst>
+                                    <p:cond delay="0"/>
+                                  </p:stCondLst>
+                                  <p:childTnLst>
+                                    <p:set>
+                                      <p:cBhvr>
+                                        <p:cTn id="22" dur="1" fill="hold">
+                                          <p:stCondLst>
+                                            <p:cond delay="0"/>
+                                          </p:stCondLst>
+                                        </p:cTn>
+                                        <p:tgtEl>
+                                          <p:spTgt spid="5"/>
+                                        </p:tgtEl>
+                                        <p:attrNameLst>
+                                          <p:attrName>style.visibility</p:attrName>
+                                        </p:attrNameLst>
+                                      </p:cBhvr>
+                                      <p:to>
+                                        <p:strVal val="visible"/>
+                                      </p:to>
+                                    </p:set>
+                                    <p:animEffect transition="in" filter="wipe(left)">
+                                      <p:cBhvr>
+                                        <p:cTn id="23" dur="500"/>
+                                        <p:tgtEl>
+                                          <p:spTgt spid="5"/>
+                                        </p:tgtEl>
+                                      </p:cBhvr>
+                                    </p:animEffect>
+                                  </p:childTnLst>
+                                </p:cTn>
+                              </p:par>
+                            </p:childTnLst>
+                          </p:cTn>
+                        </p:par>
+                      </p:childTnLst>
+                    </p:cTn>
+                  </p:par>
+                </p:childTnLst>
+              </p:cTn>
+              <p:prevCondLst>
+                <p:cond evt="onPrev" delay="0">
+                  <p:tgtEl>
+                    <p:sldTgt/>
+                  </p:tgtEl>
+                </p:cond>
+              </p:prevCondLst>
+              <p:nextCondLst>
+                <p:cond evt="onNext" delay="0">
+                  <p:tgtEl>
+                    <p:sldTgt/>
+                  </p:tgtEl>
+                </p:cond>
+              </p:nextCondLst>
+            </p:seq>
+          </p:childTnLst>
+        </p:cTn>
+      </p:par>
+    </p:tnLst>
+    <p:bldLst>
+      <p:bldP spid="2" grpId="0"/>
+      <p:bldP spid="4" grpId="0" build="p"/>
+    </p:bldLst>
+  </p:timing>
+</p:sld>
+</file>
+
+<file path=ppt/slides/slide16.xml><?xml version="1.0" encoding="utf-8"?>
+<p:sld xmlns:a="http://schemas.openxmlformats.org/drawingml/2006/main" xmlns:r="http://schemas.openxmlformats.org/officeDocument/2006/relationships" xmlns:p="http://schemas.openxmlformats.org/presentationml/2006/main">
+  <p:cSld>
+    <p:spTree>
+      <p:nvGrpSpPr>
+        <p:cNvPr id="1" name=""/>
+        <p:cNvGrpSpPr/>
+        <p:nvPr/>
+      </p:nvGrpSpPr>
+      <p:grpSpPr>
+        <a:xfrm>
+          <a:off x="0" y="0"/>
+          <a:ext cx="0" cy="0"/>
+          <a:chOff x="0" y="0"/>
+          <a:chExt cx="0" cy="0"/>
+        </a:xfrm>
+      </p:grpSpPr>
+      <p:sp>
+        <p:nvSpPr>
+          <p:cNvPr id="2" name="标题 1"/>
+          <p:cNvSpPr>
+            <a:spLocks noGrp="1"/>
+          </p:cNvSpPr>
+          <p:nvPr>
+            <p:ph type="title"/>
+          </p:nvPr>
+        </p:nvSpPr>
+        <p:spPr/>
+        <p:txBody>
+          <a:bodyPr>
+            <a:normAutofit fontScale="90000"/>
+          </a:bodyPr>
+          <a:lstStyle/>
+          <a:p>
+            <a:r>
+              <a:rPr lang="en-US" dirty="0" smtClean="0"/>
+              <a:t>Our project structure</a:t>
+            </a:r>
+            <a:endParaRPr lang="en-US" dirty="0"/>
+          </a:p>
+        </p:txBody>
+      </p:sp>
+      <p:pic>
+        <p:nvPicPr>
+          <p:cNvPr id="8" name="内容占位符 7"/>
+          <p:cNvPicPr>
+            <a:picLocks noGrp="1" noChangeAspect="1"/>
+          </p:cNvPicPr>
+          <p:nvPr>
+            <p:ph idx="4294967295"/>
+          </p:nvPr>
+        </p:nvPicPr>
+        <p:blipFill>
+          <a:blip r:embed="rId2"/>
+          <a:stretch>
+            <a:fillRect/>
+          </a:stretch>
+        </p:blipFill>
+        <p:spPr>
+          <a:xfrm>
+            <a:off x="2915816" y="736567"/>
+            <a:ext cx="3297237" cy="4389438"/>
+          </a:xfrm>
+          <a:prstGeom prst="rect">
+            <a:avLst/>
+          </a:prstGeom>
+        </p:spPr>
+      </p:pic>
+    </p:spTree>
+    <p:extLst>
+      <p:ext uri="{BB962C8B-B14F-4D97-AF65-F5344CB8AC3E}">
+        <p14:creationId xmlns:p14="http://schemas.microsoft.com/office/powerpoint/2010/main" val="3898186920"/>
+      </p:ext>
+    </p:extLst>
+  </p:cSld>
+  <p:clrMapOvr>
+    <a:masterClrMapping/>
+  </p:clrMapOvr>
+  <mc:AlternateContent xmlns:mc="http://schemas.openxmlformats.org/markup-compatibility/2006">
+    <mc:Choice xmlns:p14="http://schemas.microsoft.com/office/powerpoint/2010/main" Requires="p14">
+      <p:transition spd="slow" p14:dur="800" advTm="20000">
+        <p:circle/>
+      </p:transition>
+    </mc:Choice>
+    <mc:Fallback>
+      <p:transition spd="slow" advTm="20000">
+        <p:circle/>
+      </p:transition>
+    </mc:Fallback>
+  </mc:AlternateContent>
+  <p:timing>
+    <p:tnLst>
+      <p:par>
+        <p:cTn id="1" dur="indefinite" restart="never" nodeType="tmRoot">
+          <p:childTnLst>
+            <p:seq concurrent="1" nextAc="seek">
+              <p:cTn id="2" dur="indefinite" nodeType="mainSeq">
+                <p:childTnLst>
+                  <p:par>
+                    <p:cTn id="3" fill="hold">
+                      <p:stCondLst>
+                        <p:cond delay="indefinite"/>
+                        <p:cond evt="onBegin" delay="0">
+                          <p:tn val="2"/>
+                        </p:cond>
+                      </p:stCondLst>
+                      <p:childTnLst>
+                        <p:par>
+                          <p:cTn id="4" fill="hold">
+                            <p:stCondLst>
+                              <p:cond delay="0"/>
+                            </p:stCondLst>
+                            <p:childTnLst>
+                              <p:par>
+                                <p:cTn id="5" presetID="22" presetClass="entr" presetSubtype="8" fill="hold" grpId="0" nodeType="afterEffect">
+                                  <p:stCondLst>
+                                    <p:cond delay="0"/>
+                                  </p:stCondLst>
+                                  <p:childTnLst>
+                                    <p:set>
+                                      <p:cBhvr>
+                                        <p:cTn id="6" dur="1" fill="hold">
+                                          <p:stCondLst>
+                                            <p:cond delay="0"/>
+                                          </p:stCondLst>
+                                        </p:cTn>
+                                        <p:tgtEl>
+                                          <p:spTgt spid="2"/>
+                                        </p:tgtEl>
+                                        <p:attrNameLst>
+                                          <p:attrName>style.visibility</p:attrName>
+                                        </p:attrNameLst>
+                                      </p:cBhvr>
+                                      <p:to>
+                                        <p:strVal val="visible"/>
+                                      </p:to>
+                                    </p:set>
+                                    <p:animEffect transition="in" filter="wipe(left)">
+                                      <p:cBhvr>
+                                        <p:cTn id="7" dur="500"/>
+                                        <p:tgtEl>
+                                          <p:spTgt spid="2"/>
+                                        </p:tgtEl>
+                                      </p:cBhvr>
+                                    </p:animEffect>
+                                  </p:childTnLst>
+                                </p:cTn>
+                              </p:par>
+                            </p:childTnLst>
+                          </p:cTn>
+                        </p:par>
+                        <p:par>
+                          <p:cTn id="8" fill="hold">
+                            <p:stCondLst>
+                              <p:cond delay="500"/>
+                            </p:stCondLst>
+                            <p:childTnLst>
+                              <p:par>
+                                <p:cTn id="9" presetID="16" presetClass="entr" presetSubtype="21" fill="hold" nodeType="afterEffect">
+                                  <p:stCondLst>
+                                    <p:cond delay="0"/>
+                                  </p:stCondLst>
+                                  <p:childTnLst>
+                                    <p:set>
+                                      <p:cBhvr>
+                                        <p:cTn id="10" dur="1" fill="hold">
+                                          <p:stCondLst>
+                                            <p:cond delay="0"/>
+                                          </p:stCondLst>
+                                        </p:cTn>
+                                        <p:tgtEl>
+                                          <p:spTgt spid="8"/>
+                                        </p:tgtEl>
+                                        <p:attrNameLst>
+                                          <p:attrName>style.visibility</p:attrName>
+                                        </p:attrNameLst>
+                                      </p:cBhvr>
+                                      <p:to>
+                                        <p:strVal val="visible"/>
+                                      </p:to>
+                                    </p:set>
+                                    <p:animEffect transition="in" filter="barn(inVertical)">
+                                      <p:cBhvr>
+                                        <p:cTn id="11" dur="500"/>
+                                        <p:tgtEl>
+                                          <p:spTgt spid="8"/>
+                                        </p:tgtEl>
+                                      </p:cBhvr>
+                                    </p:animEffect>
+                                  </p:childTnLst>
+                                </p:cTn>
+                              </p:par>
+                            </p:childTnLst>
+                          </p:cTn>
+                        </p:par>
+                      </p:childTnLst>
+                    </p:cTn>
+                  </p:par>
+                </p:childTnLst>
+              </p:cTn>
+              <p:prevCondLst>
+                <p:cond evt="onPrev" delay="0">
+                  <p:tgtEl>
+                    <p:sldTgt/>
+                  </p:tgtEl>
+                </p:cond>
+              </p:prevCondLst>
+              <p:nextCondLst>
+                <p:cond evt="onNext" delay="0">
+                  <p:tgtEl>
+                    <p:sldTgt/>
+                  </p:tgtEl>
+                </p:cond>
+              </p:nextCondLst>
+            </p:seq>
+          </p:childTnLst>
+        </p:cTn>
+      </p:par>
+    </p:tnLst>
+    <p:bldLst>
+      <p:bldP spid="2" grpId="0"/>
+    </p:bldLst>
+  </p:timing>
+</p:sld>
+</file>
+
+<file path=ppt/slides/slide17.xml><?xml version="1.0" encoding="utf-8"?>
+<p:sld xmlns:a="http://schemas.openxmlformats.org/drawingml/2006/main" xmlns:r="http://schemas.openxmlformats.org/officeDocument/2006/relationships" xmlns:p="http://schemas.openxmlformats.org/presentationml/2006/main">
+  <p:cSld>
+    <p:spTree>
+      <p:nvGrpSpPr>
+        <p:cNvPr id="1" name=""/>
+        <p:cNvGrpSpPr/>
+        <p:nvPr/>
+      </p:nvGrpSpPr>
+      <p:grpSpPr>
+        <a:xfrm>
+          <a:off x="0" y="0"/>
+          <a:ext cx="0" cy="0"/>
+          <a:chOff x="0" y="0"/>
+          <a:chExt cx="0" cy="0"/>
+        </a:xfrm>
+      </p:grpSpPr>
+      <p:sp>
+        <p:nvSpPr>
+          <p:cNvPr id="2" name="标题 1"/>
+          <p:cNvSpPr>
+            <a:spLocks noGrp="1"/>
+          </p:cNvSpPr>
+          <p:nvPr>
+            <p:ph type="title"/>
+          </p:nvPr>
+        </p:nvSpPr>
+        <p:spPr/>
+        <p:txBody>
+          <a:bodyPr>
+            <a:normAutofit fontScale="90000"/>
+          </a:bodyPr>
+          <a:lstStyle/>
+          <a:p>
+            <a:r>
+              <a:rPr lang="en-US" dirty="0" smtClean="0"/>
+              <a:t>Configure the SpringMVC</a:t>
+            </a:r>
+            <a:endParaRPr lang="en-US" dirty="0"/>
+          </a:p>
+        </p:txBody>
+      </p:sp>
+      <p:sp>
+        <p:nvSpPr>
+          <p:cNvPr id="4" name="文本占位符 3"/>
+          <p:cNvSpPr>
+            <a:spLocks noGrp="1"/>
+          </p:cNvSpPr>
+          <p:nvPr>
+            <p:ph type="body" sz="half" idx="4294967295"/>
+          </p:nvPr>
+        </p:nvSpPr>
+        <p:spPr>
+          <a:xfrm>
+            <a:off x="467544" y="963811"/>
+            <a:ext cx="3008313" cy="3517900"/>
+          </a:xfrm>
+        </p:spPr>
+        <p:txBody>
+          <a:bodyPr>
+            <a:normAutofit fontScale="92500"/>
+          </a:bodyPr>
+          <a:lstStyle/>
+          <a:p>
+            <a:pPr marL="0" indent="0">
+              <a:buNone/>
+            </a:pPr>
+            <a:r>
+              <a:rPr lang="en-US" dirty="0" smtClean="0"/>
+              <a:t>The keyword “classpath:” make our web container find the configuration file under the web project classpath.</a:t>
+            </a:r>
+          </a:p>
+          <a:p>
+            <a:endParaRPr lang="en-US" dirty="0"/>
+          </a:p>
+        </p:txBody>
+      </p:sp>
+      <p:pic>
+        <p:nvPicPr>
+          <p:cNvPr id="6" name="内容占位符 5"/>
+          <p:cNvPicPr>
+            <a:picLocks noGrp="1" noChangeAspect="1"/>
+          </p:cNvPicPr>
+          <p:nvPr>
+            <p:ph idx="4294967295"/>
+          </p:nvPr>
+        </p:nvPicPr>
+        <p:blipFill>
+          <a:blip r:embed="rId2"/>
+          <a:stretch>
+            <a:fillRect/>
+          </a:stretch>
+        </p:blipFill>
+        <p:spPr>
+          <a:xfrm>
+            <a:off x="3635896" y="1491630"/>
+            <a:ext cx="5111750" cy="2141537"/>
+          </a:xfrm>
+          <a:prstGeom prst="rect">
+            <a:avLst/>
+          </a:prstGeom>
+        </p:spPr>
+      </p:pic>
+      <p:pic>
+        <p:nvPicPr>
+          <p:cNvPr id="8" name="图片 7"/>
+          <p:cNvPicPr>
+            <a:picLocks noChangeAspect="1"/>
+          </p:cNvPicPr>
+          <p:nvPr/>
+        </p:nvPicPr>
+        <p:blipFill>
+          <a:blip r:embed="rId3"/>
+          <a:stretch>
+            <a:fillRect/>
+          </a:stretch>
+        </p:blipFill>
+        <p:spPr>
+          <a:xfrm>
+            <a:off x="3626362" y="1491630"/>
+            <a:ext cx="5121284" cy="2486025"/>
+          </a:xfrm>
+          <a:prstGeom prst="rect">
+            <a:avLst/>
+          </a:prstGeom>
+        </p:spPr>
+      </p:pic>
+    </p:spTree>
+    <p:extLst>
+      <p:ext uri="{BB962C8B-B14F-4D97-AF65-F5344CB8AC3E}">
+        <p14:creationId xmlns:p14="http://schemas.microsoft.com/office/powerpoint/2010/main" val="1035720876"/>
+      </p:ext>
+    </p:extLst>
+  </p:cSld>
+  <p:clrMapOvr>
+    <a:masterClrMapping/>
+  </p:clrMapOvr>
+  <p:transition spd="med" advTm="20000">
+    <p:pull/>
+  </p:transition>
+  <p:timing>
+    <p:tnLst>
+      <p:par>
+        <p:cTn id="1" dur="indefinite" restart="never" nodeType="tmRoot">
+          <p:childTnLst>
+            <p:seq concurrent="1" nextAc="seek">
+              <p:cTn id="2" dur="indefinite" nodeType="mainSeq">
+                <p:childTnLst>
+                  <p:par>
+                    <p:cTn id="3" fill="hold">
+                      <p:stCondLst>
+                        <p:cond delay="indefinite"/>
+                        <p:cond evt="onBegin" delay="0">
+                          <p:tn val="2"/>
+                        </p:cond>
+                      </p:stCondLst>
+                      <p:childTnLst>
+                        <p:par>
+                          <p:cTn id="4" fill="hold">
+                            <p:stCondLst>
+                              <p:cond delay="0"/>
+                            </p:stCondLst>
+                            <p:childTnLst>
+                              <p:par>
+                                <p:cTn id="5" presetID="22" presetClass="entr" presetSubtype="8" fill="hold" grpId="0" nodeType="afterEffect">
+                                  <p:stCondLst>
+                                    <p:cond delay="0"/>
+                                  </p:stCondLst>
+                                  <p:childTnLst>
+                                    <p:set>
+                                      <p:cBhvr>
+                                        <p:cTn id="6" dur="1" fill="hold">
+                                          <p:stCondLst>
+                                            <p:cond delay="0"/>
+                                          </p:stCondLst>
+                                        </p:cTn>
+                                        <p:tgtEl>
+                                          <p:spTgt spid="2"/>
+                                        </p:tgtEl>
+                                        <p:attrNameLst>
+                                          <p:attrName>style.visibility</p:attrName>
+                                        </p:attrNameLst>
+                                      </p:cBhvr>
+                                      <p:to>
+                                        <p:strVal val="visible"/>
+                                      </p:to>
+                                    </p:set>
+                                    <p:animEffect transition="in" filter="wipe(left)">
+                                      <p:cBhvr>
+                                        <p:cTn id="7" dur="500"/>
+                                        <p:tgtEl>
+                                          <p:spTgt spid="2"/>
+                                        </p:tgtEl>
+                                      </p:cBhvr>
+                                    </p:animEffect>
+                                  </p:childTnLst>
+                                </p:cTn>
+                              </p:par>
+                            </p:childTnLst>
+                          </p:cTn>
+                        </p:par>
+                        <p:par>
+                          <p:cTn id="8" fill="hold">
+                            <p:stCondLst>
+                              <p:cond delay="500"/>
+                            </p:stCondLst>
+                            <p:childTnLst>
+                              <p:par>
+                                <p:cTn id="9" presetID="22" presetClass="entr" presetSubtype="8" fill="hold" grpId="0" nodeType="afterEffect">
+                                  <p:stCondLst>
+                                    <p:cond delay="0"/>
+                                  </p:stCondLst>
+                                  <p:childTnLst>
+                                    <p:set>
+                                      <p:cBhvr>
+                                        <p:cTn id="10" dur="1" fill="hold">
+                                          <p:stCondLst>
+                                            <p:cond delay="0"/>
+                                          </p:stCondLst>
+                                        </p:cTn>
+                                        <p:tgtEl>
+                                          <p:spTgt spid="4">
+                                            <p:txEl>
+                                              <p:pRg st="0" end="0"/>
+                                            </p:txEl>
+                                          </p:spTgt>
+                                        </p:tgtEl>
+                                        <p:attrNameLst>
+                                          <p:attrName>style.visibility</p:attrName>
+                                        </p:attrNameLst>
+                                      </p:cBhvr>
+                                      <p:to>
+                                        <p:strVal val="visible"/>
+                                      </p:to>
+                                    </p:set>
+                                    <p:animEffect transition="in" filter="wipe(left)">
+                                      <p:cBhvr>
+                                        <p:cTn id="11" dur="500"/>
+                                        <p:tgtEl>
+                                          <p:spTgt spid="4">
+                                            <p:txEl>
+                                              <p:pRg st="0" end="0"/>
+                                            </p:txEl>
+                                          </p:spTgt>
+                                        </p:tgtEl>
+                                      </p:cBhvr>
+                                    </p:animEffect>
+                                  </p:childTnLst>
+                                </p:cTn>
+                              </p:par>
+                            </p:childTnLst>
+                          </p:cTn>
+                        </p:par>
+                      </p:childTnLst>
+                    </p:cTn>
+                  </p:par>
+                  <p:par>
+                    <p:cTn id="12" fill="hold">
+                      <p:stCondLst>
+                        <p:cond delay="indefinite"/>
+                      </p:stCondLst>
+                      <p:childTnLst>
+                        <p:par>
+                          <p:cTn id="13" fill="hold">
+                            <p:stCondLst>
+                              <p:cond delay="0"/>
+                            </p:stCondLst>
+                            <p:childTnLst>
+                              <p:par>
+                                <p:cTn id="14" presetID="22" presetClass="entr" presetSubtype="4" fill="hold" nodeType="clickEffect">
+                                  <p:stCondLst>
+                                    <p:cond delay="0"/>
+                                  </p:stCondLst>
+                                  <p:childTnLst>
+                                    <p:set>
+                                      <p:cBhvr>
+                                        <p:cTn id="15" dur="1" fill="hold">
+                                          <p:stCondLst>
+                                            <p:cond delay="0"/>
+                                          </p:stCondLst>
+                                        </p:cTn>
+                                        <p:tgtEl>
+                                          <p:spTgt spid="6"/>
+                                        </p:tgtEl>
+                                        <p:attrNameLst>
+                                          <p:attrName>style.visibility</p:attrName>
+                                        </p:attrNameLst>
+                                      </p:cBhvr>
+                                      <p:to>
+                                        <p:strVal val="visible"/>
+                                      </p:to>
+                                    </p:set>
+                                    <p:animEffect transition="in" filter="wipe(down)">
+                                      <p:cBhvr>
+                                        <p:cTn id="16" dur="500"/>
+                                        <p:tgtEl>
+                                          <p:spTgt spid="6"/>
+                                        </p:tgtEl>
+                                      </p:cBhvr>
+                                    </p:animEffect>
+                                  </p:childTnLst>
+                                </p:cTn>
+                              </p:par>
+                            </p:childTnLst>
+                          </p:cTn>
+                        </p:par>
+                      </p:childTnLst>
+                    </p:cTn>
+                  </p:par>
+                  <p:par>
+                    <p:cTn id="17" fill="hold">
+                      <p:stCondLst>
+                        <p:cond delay="indefinite"/>
+                      </p:stCondLst>
+                      <p:childTnLst>
+                        <p:par>
+                          <p:cTn id="18" fill="hold">
+                            <p:stCondLst>
+                              <p:cond delay="0"/>
+                            </p:stCondLst>
+                            <p:childTnLst>
+                              <p:par>
+                                <p:cTn id="19" presetID="2" presetClass="exit" presetSubtype="4" fill="hold" nodeType="clickEffect">
+                                  <p:stCondLst>
+                                    <p:cond delay="0"/>
+                                  </p:stCondLst>
+                                  <p:childTnLst>
+                                    <p:anim calcmode="lin" valueType="num">
+                                      <p:cBhvr additive="base">
+                                        <p:cTn id="20" dur="500"/>
+                                        <p:tgtEl>
+                                          <p:spTgt spid="6"/>
+                                        </p:tgtEl>
+                                        <p:attrNameLst>
+                                          <p:attrName>ppt_x</p:attrName>
+                                        </p:attrNameLst>
+                                      </p:cBhvr>
+                                      <p:tavLst>
+                                        <p:tav tm="0">
+                                          <p:val>
+                                            <p:strVal val="ppt_x"/>
+                                          </p:val>
+                                        </p:tav>
+                                        <p:tav tm="100000">
+                                          <p:val>
+                                            <p:strVal val="ppt_x"/>
+                                          </p:val>
+                                        </p:tav>
+                                      </p:tavLst>
+                                    </p:anim>
+                                    <p:anim calcmode="lin" valueType="num">
+                                      <p:cBhvr additive="base">
+                                        <p:cTn id="21" dur="500"/>
+                                        <p:tgtEl>
+                                          <p:spTgt spid="6"/>
+                                        </p:tgtEl>
+                                        <p:attrNameLst>
+                                          <p:attrName>ppt_y</p:attrName>
+                                        </p:attrNameLst>
+                                      </p:cBhvr>
+                                      <p:tavLst>
+                                        <p:tav tm="0">
+                                          <p:val>
+                                            <p:strVal val="ppt_y"/>
+                                          </p:val>
+                                        </p:tav>
+                                        <p:tav tm="100000">
+                                          <p:val>
+                                            <p:strVal val="1+ppt_h/2"/>
+                                          </p:val>
+                                        </p:tav>
+                                      </p:tavLst>
+                                    </p:anim>
+                                    <p:set>
+                                      <p:cBhvr>
+                                        <p:cTn id="22" dur="1" fill="hold">
+                                          <p:stCondLst>
+                                            <p:cond delay="499"/>
+                                          </p:stCondLst>
+                                        </p:cTn>
+                                        <p:tgtEl>
+                                          <p:spTgt spid="6"/>
+                                        </p:tgtEl>
+                                        <p:attrNameLst>
+                                          <p:attrName>style.visibility</p:attrName>
+                                        </p:attrNameLst>
+                                      </p:cBhvr>
+                                      <p:to>
+                                        <p:strVal val="hidden"/>
+                                      </p:to>
+                                    </p:set>
+                                  </p:childTnLst>
+                                </p:cTn>
+                              </p:par>
+                            </p:childTnLst>
+                          </p:cTn>
+                        </p:par>
+                      </p:childTnLst>
+                    </p:cTn>
+                  </p:par>
+                  <p:par>
+                    <p:cTn id="23" fill="hold">
+                      <p:stCondLst>
+                        <p:cond delay="indefinite"/>
+                      </p:stCondLst>
+                      <p:childTnLst>
+                        <p:par>
+                          <p:cTn id="24" fill="hold">
+                            <p:stCondLst>
+                              <p:cond delay="0"/>
+                            </p:stCondLst>
+                            <p:childTnLst>
+                              <p:par>
+                                <p:cTn id="25" presetID="22" presetClass="entr" presetSubtype="8" fill="hold" nodeType="clickEffect">
+                                  <p:stCondLst>
+                                    <p:cond delay="0"/>
+                                  </p:stCondLst>
+                                  <p:childTnLst>
+                                    <p:set>
+                                      <p:cBhvr>
+                                        <p:cTn id="26" dur="1" fill="hold">
+                                          <p:stCondLst>
+                                            <p:cond delay="0"/>
+                                          </p:stCondLst>
+                                        </p:cTn>
+                                        <p:tgtEl>
+                                          <p:spTgt spid="8"/>
+                                        </p:tgtEl>
+                                        <p:attrNameLst>
+                                          <p:attrName>style.visibility</p:attrName>
+                                        </p:attrNameLst>
+                                      </p:cBhvr>
+                                      <p:to>
+                                        <p:strVal val="visible"/>
+                                      </p:to>
+                                    </p:set>
+                                    <p:animEffect transition="in" filter="wipe(left)">
+                                      <p:cBhvr>
+                                        <p:cTn id="27" dur="750"/>
+                                        <p:tgtEl>
+                                          <p:spTgt spid="8"/>
+                                        </p:tgtEl>
+                                      </p:cBhvr>
+                                    </p:animEffect>
+                                  </p:childTnLst>
+                                </p:cTn>
+                              </p:par>
+                            </p:childTnLst>
+                          </p:cTn>
+                        </p:par>
+                      </p:childTnLst>
+                    </p:cTn>
+                  </p:par>
+                </p:childTnLst>
+              </p:cTn>
+              <p:prevCondLst>
+                <p:cond evt="onPrev" delay="0">
+                  <p:tgtEl>
+                    <p:sldTgt/>
+                  </p:tgtEl>
+                </p:cond>
+              </p:prevCondLst>
+              <p:nextCondLst>
+                <p:cond evt="onNext" delay="0">
+                  <p:tgtEl>
+                    <p:sldTgt/>
+                  </p:tgtEl>
+                </p:cond>
+              </p:nextCondLst>
+            </p:seq>
+          </p:childTnLst>
+        </p:cTn>
+      </p:par>
+    </p:tnLst>
+    <p:bldLst>
+      <p:bldP spid="2" grpId="0"/>
+      <p:bldP spid="4" grpId="0" build="p"/>
+    </p:bldLst>
+  </p:timing>
+</p:sld>
+</file>
+
+<file path=ppt/slides/slide18.xml><?xml version="1.0" encoding="utf-8"?>
+<p:sld xmlns:a="http://schemas.openxmlformats.org/drawingml/2006/main" xmlns:r="http://schemas.openxmlformats.org/officeDocument/2006/relationships" xmlns:p="http://schemas.openxmlformats.org/presentationml/2006/main">
+  <p:cSld>
+    <p:spTree>
+      <p:nvGrpSpPr>
+        <p:cNvPr id="1" name=""/>
+        <p:cNvGrpSpPr/>
+        <p:nvPr/>
+      </p:nvGrpSpPr>
+      <p:grpSpPr>
+        <a:xfrm>
+          <a:off x="0" y="0"/>
+          <a:ext cx="0" cy="0"/>
+          <a:chOff x="0" y="0"/>
+          <a:chExt cx="0" cy="0"/>
+        </a:xfrm>
+      </p:grpSpPr>
+      <p:sp>
+        <p:nvSpPr>
+          <p:cNvPr id="2" name="标题 1"/>
+          <p:cNvSpPr>
+            <a:spLocks noGrp="1"/>
+          </p:cNvSpPr>
+          <p:nvPr>
+            <p:ph type="title"/>
+          </p:nvPr>
+        </p:nvSpPr>
+        <p:spPr/>
+        <p:txBody>
+          <a:bodyPr>
+            <a:normAutofit fontScale="90000"/>
+          </a:bodyPr>
+          <a:lstStyle/>
+          <a:p>
+            <a:r>
+              <a:rPr lang="en-US" dirty="0"/>
+              <a:t>Configure i18n parameter</a:t>
+            </a:r>
+          </a:p>
+        </p:txBody>
+      </p:sp>
+      <p:sp>
+        <p:nvSpPr>
+          <p:cNvPr id="4" name="文本占位符 3"/>
+          <p:cNvSpPr>
+            <a:spLocks noGrp="1"/>
+          </p:cNvSpPr>
+          <p:nvPr>
+            <p:ph type="body" sz="half" idx="4294967295"/>
+          </p:nvPr>
+        </p:nvSpPr>
+        <p:spPr>
+          <a:xfrm>
+            <a:off x="467544" y="1059582"/>
+            <a:ext cx="3008313" cy="3517900"/>
+          </a:xfrm>
+        </p:spPr>
+        <p:txBody>
+          <a:bodyPr>
+            <a:normAutofit fontScale="92500" lnSpcReduction="20000"/>
+          </a:bodyPr>
+          <a:lstStyle/>
+          <a:p>
+            <a:pPr marL="0" indent="0">
+              <a:buNone/>
+            </a:pPr>
+            <a:r>
+              <a:rPr lang="en-US" dirty="0" smtClean="0"/>
+              <a:t>I18n has there resolver, and the configuration is all the same, here we use CookieLocaleResolver, witch is most widely used by  web project.</a:t>
+            </a:r>
+          </a:p>
+          <a:p>
+            <a:endParaRPr lang="en-US" dirty="0"/>
+          </a:p>
+        </p:txBody>
+      </p:sp>
+      <p:pic>
+        <p:nvPicPr>
+          <p:cNvPr id="7" name="内容占位符 6"/>
+          <p:cNvPicPr>
+            <a:picLocks noGrp="1" noChangeAspect="1"/>
+          </p:cNvPicPr>
+          <p:nvPr>
+            <p:ph idx="4294967295"/>
+          </p:nvPr>
+        </p:nvPicPr>
+        <p:blipFill>
+          <a:blip r:embed="rId2"/>
+          <a:stretch>
+            <a:fillRect/>
+          </a:stretch>
+        </p:blipFill>
+        <p:spPr>
+          <a:xfrm>
+            <a:off x="3712571" y="987574"/>
+            <a:ext cx="5111750" cy="1712913"/>
+          </a:xfrm>
+          <a:prstGeom prst="rect">
+            <a:avLst/>
+          </a:prstGeom>
+        </p:spPr>
+      </p:pic>
+      <p:pic>
+        <p:nvPicPr>
+          <p:cNvPr id="3" name="图片 2"/>
+          <p:cNvPicPr>
+            <a:picLocks noChangeAspect="1"/>
+          </p:cNvPicPr>
+          <p:nvPr/>
+        </p:nvPicPr>
+        <p:blipFill>
+          <a:blip r:embed="rId3"/>
+          <a:stretch>
+            <a:fillRect/>
+          </a:stretch>
+        </p:blipFill>
+        <p:spPr>
+          <a:xfrm>
+            <a:off x="3707905" y="1302619"/>
+            <a:ext cx="4057650" cy="1638300"/>
+          </a:xfrm>
+          <a:prstGeom prst="rect">
+            <a:avLst/>
+          </a:prstGeom>
+        </p:spPr>
+      </p:pic>
+      <p:pic>
+        <p:nvPicPr>
+          <p:cNvPr id="5" name="图片 4"/>
+          <p:cNvPicPr>
+            <a:picLocks noChangeAspect="1"/>
+          </p:cNvPicPr>
+          <p:nvPr/>
+        </p:nvPicPr>
+        <p:blipFill>
+          <a:blip r:embed="rId4"/>
+          <a:stretch>
+            <a:fillRect/>
+          </a:stretch>
+        </p:blipFill>
+        <p:spPr>
+          <a:xfrm>
+            <a:off x="3707905" y="3181350"/>
+            <a:ext cx="5111750" cy="1504950"/>
+          </a:xfrm>
+          <a:prstGeom prst="rect">
+            <a:avLst/>
+          </a:prstGeom>
+        </p:spPr>
+      </p:pic>
+    </p:spTree>
+    <p:extLst>
+      <p:ext uri="{BB962C8B-B14F-4D97-AF65-F5344CB8AC3E}">
+        <p14:creationId xmlns:p14="http://schemas.microsoft.com/office/powerpoint/2010/main" val="129130607"/>
+      </p:ext>
+    </p:extLst>
+  </p:cSld>
+  <p:clrMapOvr>
+    <a:masterClrMapping/>
+  </p:clrMapOvr>
+  <mc:AlternateContent xmlns:mc="http://schemas.openxmlformats.org/markup-compatibility/2006">
+    <mc:Choice xmlns:p15="http://schemas.microsoft.com/office/powerpoint/2012/main" Requires="p15">
+      <p:transition xmlns:p14="http://schemas.microsoft.com/office/powerpoint/2010/main" spd="slow" p14:dur="1250" advTm="20000">
+        <p15:prstTrans prst="peelOff"/>
+      </p:transition>
+    </mc:Choice>
+    <mc:Fallback>
+      <p:transition spd="slow" advTm="20000">
+        <p:fade/>
+      </p:transition>
+    </mc:Fallback>
+  </mc:AlternateContent>
+  <p:timing>
+    <p:tnLst>
+      <p:par>
+        <p:cTn id="1" dur="indefinite" restart="never" nodeType="tmRoot">
+          <p:childTnLst>
+            <p:seq concurrent="1" nextAc="seek">
+              <p:cTn id="2" dur="indefinite" nodeType="mainSeq">
+                <p:childTnLst>
+                  <p:par>
+                    <p:cTn id="3" fill="hold">
+                      <p:stCondLst>
+                        <p:cond delay="indefinite"/>
+                        <p:cond evt="onBegin" delay="0">
+                          <p:tn val="2"/>
+                        </p:cond>
+                      </p:stCondLst>
+                      <p:childTnLst>
+                        <p:par>
+                          <p:cTn id="4" fill="hold">
+                            <p:stCondLst>
+                              <p:cond delay="0"/>
+                            </p:stCondLst>
+                            <p:childTnLst>
+                              <p:par>
+                                <p:cTn id="5" presetID="22" presetClass="entr" presetSubtype="8" fill="hold" grpId="0" nodeType="afterEffect">
+                                  <p:stCondLst>
+                                    <p:cond delay="0"/>
+                                  </p:stCondLst>
+                                  <p:childTnLst>
+                                    <p:set>
+                                      <p:cBhvr>
+                                        <p:cTn id="6" dur="1" fill="hold">
+                                          <p:stCondLst>
+                                            <p:cond delay="0"/>
+                                          </p:stCondLst>
+                                        </p:cTn>
+                                        <p:tgtEl>
+                                          <p:spTgt spid="2"/>
+                                        </p:tgtEl>
+                                        <p:attrNameLst>
+                                          <p:attrName>style.visibility</p:attrName>
+                                        </p:attrNameLst>
+                                      </p:cBhvr>
+                                      <p:to>
+                                        <p:strVal val="visible"/>
+                                      </p:to>
+                                    </p:set>
+                                    <p:animEffect transition="in" filter="wipe(left)">
+                                      <p:cBhvr>
+                                        <p:cTn id="7" dur="500"/>
+                                        <p:tgtEl>
+                                          <p:spTgt spid="2"/>
+                                        </p:tgtEl>
+                                      </p:cBhvr>
+                                    </p:animEffect>
+                                  </p:childTnLst>
+                                </p:cTn>
+                              </p:par>
+                            </p:childTnLst>
+                          </p:cTn>
+                        </p:par>
+                        <p:par>
+                          <p:cTn id="8" fill="hold">
+                            <p:stCondLst>
+                              <p:cond delay="500"/>
+                            </p:stCondLst>
+                            <p:childTnLst>
+                              <p:par>
+                                <p:cTn id="9" presetID="22" presetClass="entr" presetSubtype="8" fill="hold" grpId="0" nodeType="afterEffect">
+                                  <p:stCondLst>
+                                    <p:cond delay="0"/>
+                                  </p:stCondLst>
+                                  <p:childTnLst>
+                                    <p:set>
+                                      <p:cBhvr>
+                                        <p:cTn id="10" dur="1" fill="hold">
+                                          <p:stCondLst>
+                                            <p:cond delay="0"/>
+                                          </p:stCondLst>
+                                        </p:cTn>
+                                        <p:tgtEl>
+                                          <p:spTgt spid="4">
+                                            <p:txEl>
+                                              <p:pRg st="0" end="0"/>
+                                            </p:txEl>
+                                          </p:spTgt>
+                                        </p:tgtEl>
+                                        <p:attrNameLst>
+                                          <p:attrName>style.visibility</p:attrName>
+                                        </p:attrNameLst>
+                                      </p:cBhvr>
+                                      <p:to>
+                                        <p:strVal val="visible"/>
+                                      </p:to>
+                                    </p:set>
+                                    <p:animEffect transition="in" filter="wipe(left)">
+                                      <p:cBhvr>
+                                        <p:cTn id="11" dur="500"/>
+                                        <p:tgtEl>
+                                          <p:spTgt spid="4">
+                                            <p:txEl>
+                                              <p:pRg st="0" end="0"/>
+                                            </p:txEl>
+                                          </p:spTgt>
+                                        </p:tgtEl>
+                                      </p:cBhvr>
+                                    </p:animEffect>
+                                  </p:childTnLst>
+                                </p:cTn>
+                              </p:par>
+                              <p:par>
+                                <p:cTn id="12" presetID="22" presetClass="entr" presetSubtype="4" fill="hold" nodeType="withEffect">
+                                  <p:stCondLst>
+                                    <p:cond delay="0"/>
+                                  </p:stCondLst>
+                                  <p:childTnLst>
+                                    <p:set>
+                                      <p:cBhvr>
+                                        <p:cTn id="13" dur="1" fill="hold">
+                                          <p:stCondLst>
+                                            <p:cond delay="0"/>
+                                          </p:stCondLst>
+                                        </p:cTn>
+                                        <p:tgtEl>
+                                          <p:spTgt spid="7"/>
+                                        </p:tgtEl>
+                                        <p:attrNameLst>
+                                          <p:attrName>style.visibility</p:attrName>
+                                        </p:attrNameLst>
+                                      </p:cBhvr>
+                                      <p:to>
+                                        <p:strVal val="visible"/>
+                                      </p:to>
+                                    </p:set>
+                                    <p:animEffect transition="in" filter="wipe(down)">
+                                      <p:cBhvr>
+                                        <p:cTn id="14" dur="500"/>
+                                        <p:tgtEl>
+                                          <p:spTgt spid="7"/>
+                                        </p:tgtEl>
+                                      </p:cBhvr>
+                                    </p:animEffect>
+                                  </p:childTnLst>
+                                </p:cTn>
+                              </p:par>
+                            </p:childTnLst>
+                          </p:cTn>
+                        </p:par>
+                      </p:childTnLst>
+                    </p:cTn>
+                  </p:par>
+                  <p:par>
+                    <p:cTn id="15" fill="hold">
+                      <p:stCondLst>
+                        <p:cond delay="indefinite"/>
+                      </p:stCondLst>
+                      <p:childTnLst>
+                        <p:par>
+                          <p:cTn id="16" fill="hold">
+                            <p:stCondLst>
+                              <p:cond delay="0"/>
+                            </p:stCondLst>
+                            <p:childTnLst>
+                              <p:par>
+                                <p:cTn id="17" presetID="53" presetClass="exit" presetSubtype="32" fill="hold" nodeType="clickEffect">
+                                  <p:stCondLst>
+                                    <p:cond delay="0"/>
+                                  </p:stCondLst>
+                                  <p:childTnLst>
+                                    <p:anim calcmode="lin" valueType="num">
+                                      <p:cBhvr>
+                                        <p:cTn id="18" dur="500"/>
+                                        <p:tgtEl>
+                                          <p:spTgt spid="7"/>
+                                        </p:tgtEl>
+                                        <p:attrNameLst>
+                                          <p:attrName>ppt_w</p:attrName>
+                                        </p:attrNameLst>
+                                      </p:cBhvr>
+                                      <p:tavLst>
+                                        <p:tav tm="0">
+                                          <p:val>
+                                            <p:strVal val="ppt_w"/>
+                                          </p:val>
+                                        </p:tav>
+                                        <p:tav tm="100000">
+                                          <p:val>
+                                            <p:fltVal val="0"/>
+                                          </p:val>
+                                        </p:tav>
+                                      </p:tavLst>
+                                    </p:anim>
+                                    <p:anim calcmode="lin" valueType="num">
+                                      <p:cBhvr>
+                                        <p:cTn id="19" dur="500"/>
+                                        <p:tgtEl>
+                                          <p:spTgt spid="7"/>
+                                        </p:tgtEl>
+                                        <p:attrNameLst>
+                                          <p:attrName>ppt_h</p:attrName>
+                                        </p:attrNameLst>
+                                      </p:cBhvr>
+                                      <p:tavLst>
+                                        <p:tav tm="0">
+                                          <p:val>
+                                            <p:strVal val="ppt_h"/>
+                                          </p:val>
+                                        </p:tav>
+                                        <p:tav tm="100000">
+                                          <p:val>
+                                            <p:fltVal val="0"/>
+                                          </p:val>
+                                        </p:tav>
+                                      </p:tavLst>
+                                    </p:anim>
+                                    <p:animEffect transition="out" filter="fade">
+                                      <p:cBhvr>
+                                        <p:cTn id="20" dur="500"/>
+                                        <p:tgtEl>
+                                          <p:spTgt spid="7"/>
+                                        </p:tgtEl>
+                                      </p:cBhvr>
+                                    </p:animEffect>
+                                    <p:set>
+                                      <p:cBhvr>
+                                        <p:cTn id="21" dur="1" fill="hold">
+                                          <p:stCondLst>
+                                            <p:cond delay="499"/>
+                                          </p:stCondLst>
+                                        </p:cTn>
+                                        <p:tgtEl>
+                                          <p:spTgt spid="7"/>
+                                        </p:tgtEl>
+                                        <p:attrNameLst>
+                                          <p:attrName>style.visibility</p:attrName>
+                                        </p:attrNameLst>
+                                      </p:cBhvr>
+                                      <p:to>
+                                        <p:strVal val="hidden"/>
+                                      </p:to>
+                                    </p:set>
+                                  </p:childTnLst>
+                                </p:cTn>
+                              </p:par>
+                            </p:childTnLst>
+                          </p:cTn>
+                        </p:par>
+                        <p:par>
+                          <p:cTn id="22" fill="hold">
+                            <p:stCondLst>
+                              <p:cond delay="500"/>
+                            </p:stCondLst>
+                            <p:childTnLst>
+                              <p:par>
+                                <p:cTn id="23" presetID="22" presetClass="entr" presetSubtype="8" fill="hold" nodeType="afterEffect">
+                                  <p:stCondLst>
+                                    <p:cond delay="0"/>
+                                  </p:stCondLst>
+                                  <p:childTnLst>
+                                    <p:set>
+                                      <p:cBhvr>
+                                        <p:cTn id="24" dur="1" fill="hold">
+                                          <p:stCondLst>
+                                            <p:cond delay="0"/>
+                                          </p:stCondLst>
+                                        </p:cTn>
+                                        <p:tgtEl>
+                                          <p:spTgt spid="3"/>
+                                        </p:tgtEl>
+                                        <p:attrNameLst>
+                                          <p:attrName>style.visibility</p:attrName>
+                                        </p:attrNameLst>
+                                      </p:cBhvr>
+                                      <p:to>
+                                        <p:strVal val="visible"/>
+                                      </p:to>
+                                    </p:set>
+                                    <p:animEffect transition="in" filter="wipe(left)">
+                                      <p:cBhvr>
+                                        <p:cTn id="25" dur="500"/>
+                                        <p:tgtEl>
+                                          <p:spTgt spid="3"/>
+                                        </p:tgtEl>
+                                      </p:cBhvr>
+                                    </p:animEffect>
+                                  </p:childTnLst>
+                                </p:cTn>
+                              </p:par>
+                              <p:par>
+                                <p:cTn id="26" presetID="22" presetClass="entr" presetSubtype="8" fill="hold" nodeType="withEffect">
+                                  <p:stCondLst>
+                                    <p:cond delay="0"/>
+                                  </p:stCondLst>
+                                  <p:childTnLst>
+                                    <p:set>
+                                      <p:cBhvr>
+                                        <p:cTn id="27" dur="1" fill="hold">
+                                          <p:stCondLst>
+                                            <p:cond delay="0"/>
+                                          </p:stCondLst>
+                                        </p:cTn>
+                                        <p:tgtEl>
+                                          <p:spTgt spid="5"/>
+                                        </p:tgtEl>
+                                        <p:attrNameLst>
+                                          <p:attrName>style.visibility</p:attrName>
+                                        </p:attrNameLst>
+                                      </p:cBhvr>
+                                      <p:to>
+                                        <p:strVal val="visible"/>
+                                      </p:to>
+                                    </p:set>
+                                    <p:animEffect transition="in" filter="wipe(left)">
+                                      <p:cBhvr>
+                                        <p:cTn id="28" dur="500"/>
+                                        <p:tgtEl>
+                                          <p:spTgt spid="5"/>
+                                        </p:tgtEl>
+                                      </p:cBhvr>
+                                    </p:animEffect>
+                                  </p:childTnLst>
+                                </p:cTn>
+                              </p:par>
+                            </p:childTnLst>
+                          </p:cTn>
+                        </p:par>
+                      </p:childTnLst>
+                    </p:cTn>
+                  </p:par>
+                  <p:par>
+                    <p:cTn id="29" fill="hold">
+                      <p:stCondLst>
+                        <p:cond delay="indefinite"/>
+                      </p:stCondLst>
+                      <p:childTnLst>
+                        <p:par>
+                          <p:cTn id="30" fill="hold">
+                            <p:stCondLst>
+                              <p:cond delay="0"/>
+                            </p:stCondLst>
+                            <p:childTnLst>
+                              <p:par>
+                                <p:cTn id="31" presetID="6" presetClass="exit" presetSubtype="32" fill="hold" nodeType="clickEffect">
+                                  <p:stCondLst>
+                                    <p:cond delay="0"/>
+                                  </p:stCondLst>
+                                  <p:childTnLst>
+                                    <p:animEffect transition="out" filter="circle(out)">
+                                      <p:cBhvr>
+                                        <p:cTn id="32" dur="2000"/>
+                                        <p:tgtEl>
+                                          <p:spTgt spid="3"/>
+                                        </p:tgtEl>
+                                      </p:cBhvr>
+                                    </p:animEffect>
+                                    <p:set>
+                                      <p:cBhvr>
+                                        <p:cTn id="33" dur="1" fill="hold">
+                                          <p:stCondLst>
+                                            <p:cond delay="1999"/>
+                                          </p:stCondLst>
+                                        </p:cTn>
+                                        <p:tgtEl>
+                                          <p:spTgt spid="3"/>
+                                        </p:tgtEl>
+                                        <p:attrNameLst>
+                                          <p:attrName>style.visibility</p:attrName>
+                                        </p:attrNameLst>
+                                      </p:cBhvr>
+                                      <p:to>
+                                        <p:strVal val="hidden"/>
+                                      </p:to>
+                                    </p:set>
+                                  </p:childTnLst>
+                                </p:cTn>
+                              </p:par>
+                              <p:par>
+                                <p:cTn id="34" presetID="6" presetClass="exit" presetSubtype="32" fill="hold" nodeType="withEffect">
+                                  <p:stCondLst>
+                                    <p:cond delay="0"/>
+                                  </p:stCondLst>
+                                  <p:childTnLst>
+                                    <p:animEffect transition="out" filter="circle(out)">
+                                      <p:cBhvr>
+                                        <p:cTn id="35" dur="2000"/>
+                                        <p:tgtEl>
+                                          <p:spTgt spid="5"/>
+                                        </p:tgtEl>
+                                      </p:cBhvr>
+                                    </p:animEffect>
+                                    <p:set>
+                                      <p:cBhvr>
+                                        <p:cTn id="36" dur="1" fill="hold">
+                                          <p:stCondLst>
+                                            <p:cond delay="1999"/>
+                                          </p:stCondLst>
+                                        </p:cTn>
+                                        <p:tgtEl>
+                                          <p:spTgt spid="5"/>
+                                        </p:tgtEl>
+                                        <p:attrNameLst>
+                                          <p:attrName>style.visibility</p:attrName>
+                                        </p:attrNameLst>
+                                      </p:cBhvr>
+                                      <p:to>
+                                        <p:strVal val="hidden"/>
+                                      </p:to>
+                                    </p:set>
+                                  </p:childTnLst>
+                                </p:cTn>
+                              </p:par>
+                            </p:childTnLst>
+                          </p:cTn>
+                        </p:par>
+                      </p:childTnLst>
+                    </p:cTn>
+                  </p:par>
+                </p:childTnLst>
+              </p:cTn>
+              <p:prevCondLst>
+                <p:cond evt="onPrev" delay="0">
+                  <p:tgtEl>
+                    <p:sldTgt/>
+                  </p:tgtEl>
+                </p:cond>
+              </p:prevCondLst>
+              <p:nextCondLst>
+                <p:cond evt="onNext" delay="0">
+                  <p:tgtEl>
+                    <p:sldTgt/>
+                  </p:tgtEl>
+                </p:cond>
+              </p:nextCondLst>
+            </p:seq>
+          </p:childTnLst>
+        </p:cTn>
+      </p:par>
+    </p:tnLst>
+    <p:bldLst>
+      <p:bldP spid="2" grpId="0"/>
+      <p:bldP spid="4" grpId="0" build="p"/>
+    </p:bldLst>
+  </p:timing>
+</p:sld>
+</file>
+
+<file path=ppt/slides/slide19.xml><?xml version="1.0" encoding="utf-8"?>
+<p:sld xmlns:a="http://schemas.openxmlformats.org/drawingml/2006/main" xmlns:r="http://schemas.openxmlformats.org/officeDocument/2006/relationships" xmlns:p="http://schemas.openxmlformats.org/presentationml/2006/main">
+  <p:cSld>
+    <p:spTree>
+      <p:nvGrpSpPr>
+        <p:cNvPr id="1" name=""/>
+        <p:cNvGrpSpPr/>
+        <p:nvPr/>
+      </p:nvGrpSpPr>
+      <p:grpSpPr>
+        <a:xfrm>
+          <a:off x="0" y="0"/>
+          <a:ext cx="0" cy="0"/>
+          <a:chOff x="0" y="0"/>
+          <a:chExt cx="0" cy="0"/>
+        </a:xfrm>
+      </p:grpSpPr>
+      <p:sp>
+        <p:nvSpPr>
+          <p:cNvPr id="2" name="标题 1"/>
+          <p:cNvSpPr>
+            <a:spLocks noGrp="1"/>
+          </p:cNvSpPr>
+          <p:nvPr>
+            <p:ph type="title"/>
+          </p:nvPr>
+        </p:nvSpPr>
+        <p:spPr/>
+        <p:txBody>
+          <a:bodyPr>
+            <a:normAutofit fontScale="90000"/>
+          </a:bodyPr>
+          <a:lstStyle/>
+          <a:p>
+            <a:r>
+              <a:rPr lang="en-US" dirty="0"/>
+              <a:t>Configure i18n parameter</a:t>
+            </a:r>
+          </a:p>
+        </p:txBody>
+      </p:sp>
+      <p:sp>
+        <p:nvSpPr>
+          <p:cNvPr id="4" name="文本占位符 3"/>
+          <p:cNvSpPr>
+            <a:spLocks noGrp="1"/>
+          </p:cNvSpPr>
+          <p:nvPr>
+            <p:ph type="body" sz="half" idx="4294967295"/>
+          </p:nvPr>
+        </p:nvSpPr>
+        <p:spPr>
+          <a:xfrm>
+            <a:off x="395536" y="1059582"/>
+            <a:ext cx="3008313" cy="3517900"/>
+          </a:xfrm>
+        </p:spPr>
+        <p:txBody>
+          <a:bodyPr>
+            <a:normAutofit fontScale="70000" lnSpcReduction="20000"/>
+          </a:bodyPr>
+          <a:lstStyle/>
+          <a:p>
+            <a:pPr marL="0" indent="0">
+              <a:buNone/>
+            </a:pPr>
+            <a:r>
+              <a:rPr lang="en-US" dirty="0" smtClean="0"/>
+              <a:t>We need to import the spring markup</a:t>
+            </a:r>
+          </a:p>
+          <a:p>
+            <a:pPr marL="0" indent="0">
+              <a:buNone/>
+            </a:pPr>
+            <a:r>
+              <a:rPr lang="en-US" dirty="0" smtClean="0"/>
+              <a:t>And then we use “&lt;spring: message code = “your language code from property file ”&gt;&lt;/spring: message&gt;” to implement the i18n function</a:t>
+            </a:r>
+          </a:p>
+        </p:txBody>
+      </p:sp>
+      <p:pic>
+        <p:nvPicPr>
+          <p:cNvPr id="8" name="内容占位符 7"/>
+          <p:cNvPicPr>
+            <a:picLocks noGrp="1" noChangeAspect="1"/>
+          </p:cNvPicPr>
+          <p:nvPr>
+            <p:ph idx="4294967295"/>
+          </p:nvPr>
+        </p:nvPicPr>
+        <p:blipFill>
+          <a:blip r:embed="rId2"/>
+          <a:stretch>
+            <a:fillRect/>
+          </a:stretch>
+        </p:blipFill>
+        <p:spPr>
+          <a:xfrm>
+            <a:off x="3586713" y="1275606"/>
+            <a:ext cx="5111750" cy="457200"/>
+          </a:xfrm>
+          <a:prstGeom prst="rect">
+            <a:avLst/>
+          </a:prstGeom>
+        </p:spPr>
+      </p:pic>
+      <p:pic>
+        <p:nvPicPr>
+          <p:cNvPr id="9" name="图片 8"/>
+          <p:cNvPicPr>
+            <a:picLocks noChangeAspect="1"/>
+          </p:cNvPicPr>
+          <p:nvPr/>
+        </p:nvPicPr>
+        <p:blipFill>
+          <a:blip r:embed="rId3"/>
+          <a:stretch>
+            <a:fillRect/>
+          </a:stretch>
+        </p:blipFill>
+        <p:spPr>
+          <a:xfrm>
+            <a:off x="3602737" y="2067694"/>
+            <a:ext cx="5095726" cy="1700571"/>
+          </a:xfrm>
+          <a:prstGeom prst="rect">
+            <a:avLst/>
+          </a:prstGeom>
+        </p:spPr>
+      </p:pic>
+    </p:spTree>
+    <p:extLst>
+      <p:ext uri="{BB962C8B-B14F-4D97-AF65-F5344CB8AC3E}">
+        <p14:creationId xmlns:p14="http://schemas.microsoft.com/office/powerpoint/2010/main" val="1115691830"/>
+      </p:ext>
+    </p:extLst>
+  </p:cSld>
+  <p:clrMapOvr>
+    <a:masterClrMapping/>
+  </p:clrMapOvr>
+  <mc:AlternateContent xmlns:mc="http://schemas.openxmlformats.org/markup-compatibility/2006">
+    <mc:Choice xmlns:p15="http://schemas.microsoft.com/office/powerpoint/2012/main" Requires="p15">
+      <p:transition xmlns:p14="http://schemas.microsoft.com/office/powerpoint/2010/main" spd="slow" p14:dur="1250" advTm="20000">
+        <p15:prstTrans prst="peelOff"/>
+      </p:transition>
+    </mc:Choice>
+    <mc:Fallback>
+      <p:transition spd="slow" advTm="20000">
+        <p:fade/>
+      </p:transition>
+    </mc:Fallback>
+  </mc:AlternateContent>
+  <p:timing>
+    <p:tnLst>
+      <p:par>
+        <p:cTn id="1" dur="indefinite" restart="never" nodeType="tmRoot">
+          <p:childTnLst>
+            <p:seq concurrent="1" nextAc="seek">
+              <p:cTn id="2" dur="indefinite" nodeType="mainSeq">
+                <p:childTnLst>
+                  <p:par>
+                    <p:cTn id="3" fill="hold">
+                      <p:stCondLst>
+                        <p:cond delay="indefinite"/>
+                        <p:cond evt="onBegin" delay="0">
+                          <p:tn val="2"/>
+                        </p:cond>
+                      </p:stCondLst>
+                      <p:childTnLst>
+                        <p:par>
+                          <p:cTn id="4" fill="hold">
+                            <p:stCondLst>
+                              <p:cond delay="0"/>
+                            </p:stCondLst>
+                            <p:childTnLst>
+                              <p:par>
+                                <p:cTn id="5" presetID="22" presetClass="entr" presetSubtype="8" fill="hold" grpId="0" nodeType="afterEffect">
+                                  <p:stCondLst>
+                                    <p:cond delay="0"/>
+                                  </p:stCondLst>
+                                  <p:childTnLst>
+                                    <p:set>
+                                      <p:cBhvr>
+                                        <p:cTn id="6" dur="1" fill="hold">
+                                          <p:stCondLst>
+                                            <p:cond delay="0"/>
+                                          </p:stCondLst>
+                                        </p:cTn>
+                                        <p:tgtEl>
+                                          <p:spTgt spid="2"/>
+                                        </p:tgtEl>
+                                        <p:attrNameLst>
+                                          <p:attrName>style.visibility</p:attrName>
+                                        </p:attrNameLst>
+                                      </p:cBhvr>
+                                      <p:to>
+                                        <p:strVal val="visible"/>
+                                      </p:to>
+                                    </p:set>
+                                    <p:animEffect transition="in" filter="wipe(left)">
+                                      <p:cBhvr>
+                                        <p:cTn id="7" dur="500"/>
+                                        <p:tgtEl>
+                                          <p:spTgt spid="2"/>
+                                        </p:tgtEl>
+                                      </p:cBhvr>
+                                    </p:animEffect>
+                                  </p:childTnLst>
+                                </p:cTn>
+                              </p:par>
+                            </p:childTnLst>
+                          </p:cTn>
+                        </p:par>
+                        <p:par>
+                          <p:cTn id="8" fill="hold">
+                            <p:stCondLst>
+                              <p:cond delay="500"/>
+                            </p:stCondLst>
+                            <p:childTnLst>
+                              <p:par>
+                                <p:cTn id="9" presetID="22" presetClass="entr" presetSubtype="8" fill="hold" grpId="0" nodeType="afterEffect">
+                                  <p:stCondLst>
+                                    <p:cond delay="0"/>
+                                  </p:stCondLst>
+                                  <p:childTnLst>
+                                    <p:set>
+                                      <p:cBhvr>
+                                        <p:cTn id="10" dur="1" fill="hold">
+                                          <p:stCondLst>
+                                            <p:cond delay="0"/>
+                                          </p:stCondLst>
+                                        </p:cTn>
+                                        <p:tgtEl>
+                                          <p:spTgt spid="4">
+                                            <p:txEl>
+                                              <p:pRg st="0" end="0"/>
+                                            </p:txEl>
+                                          </p:spTgt>
+                                        </p:tgtEl>
+                                        <p:attrNameLst>
+                                          <p:attrName>style.visibility</p:attrName>
+                                        </p:attrNameLst>
+                                      </p:cBhvr>
+                                      <p:to>
+                                        <p:strVal val="visible"/>
+                                      </p:to>
+                                    </p:set>
+                                    <p:animEffect transition="in" filter="wipe(left)">
+                                      <p:cBhvr>
+                                        <p:cTn id="11" dur="500"/>
+                                        <p:tgtEl>
+                                          <p:spTgt spid="4">
+                                            <p:txEl>
+                                              <p:pRg st="0" end="0"/>
+                                            </p:txEl>
+                                          </p:spTgt>
+                                        </p:tgtEl>
+                                      </p:cBhvr>
+                                    </p:animEffect>
+                                  </p:childTnLst>
+                                </p:cTn>
+                              </p:par>
+                            </p:childTnLst>
+                          </p:cTn>
+                        </p:par>
+                        <p:par>
+                          <p:cTn id="12" fill="hold">
+                            <p:stCondLst>
+                              <p:cond delay="1000"/>
+                            </p:stCondLst>
+                            <p:childTnLst>
+                              <p:par>
+                                <p:cTn id="13" presetID="22" presetClass="entr" presetSubtype="8" fill="hold" grpId="0" nodeType="afterEffect">
+                                  <p:stCondLst>
+                                    <p:cond delay="0"/>
+                                  </p:stCondLst>
+                                  <p:childTnLst>
+                                    <p:set>
+                                      <p:cBhvr>
+                                        <p:cTn id="14" dur="1" fill="hold">
+                                          <p:stCondLst>
+                                            <p:cond delay="0"/>
+                                          </p:stCondLst>
+                                        </p:cTn>
+                                        <p:tgtEl>
+                                          <p:spTgt spid="4">
+                                            <p:txEl>
+                                              <p:pRg st="1" end="1"/>
+                                            </p:txEl>
+                                          </p:spTgt>
+                                        </p:tgtEl>
+                                        <p:attrNameLst>
+                                          <p:attrName>style.visibility</p:attrName>
+                                        </p:attrNameLst>
+                                      </p:cBhvr>
+                                      <p:to>
+                                        <p:strVal val="visible"/>
+                                      </p:to>
+                                    </p:set>
+                                    <p:animEffect transition="in" filter="wipe(left)">
+                                      <p:cBhvr>
+                                        <p:cTn id="15" dur="500"/>
+                                        <p:tgtEl>
+                                          <p:spTgt spid="4">
+                                            <p:txEl>
+                                              <p:pRg st="1" end="1"/>
+                                            </p:txEl>
+                                          </p:spTgt>
+                                        </p:tgtEl>
+                                      </p:cBhvr>
+                                    </p:animEffect>
+                                  </p:childTnLst>
+                                </p:cTn>
+                              </p:par>
+                            </p:childTnLst>
+                          </p:cTn>
+                        </p:par>
+                      </p:childTnLst>
+                    </p:cTn>
+                  </p:par>
+                  <p:par>
+                    <p:cTn id="16" fill="hold">
+                      <p:stCondLst>
+                        <p:cond delay="indefinite"/>
+                      </p:stCondLst>
+                      <p:childTnLst>
+                        <p:par>
+                          <p:cTn id="17" fill="hold">
+                            <p:stCondLst>
+                              <p:cond delay="0"/>
+                            </p:stCondLst>
+                            <p:childTnLst>
+                              <p:par>
+                                <p:cTn id="18" presetID="22" presetClass="entr" presetSubtype="8" fill="hold" nodeType="clickEffect">
+                                  <p:stCondLst>
+                                    <p:cond delay="0"/>
+                                  </p:stCondLst>
+                                  <p:childTnLst>
+                                    <p:set>
+                                      <p:cBhvr>
+                                        <p:cTn id="19" dur="1" fill="hold">
+                                          <p:stCondLst>
+                                            <p:cond delay="0"/>
+                                          </p:stCondLst>
+                                        </p:cTn>
+                                        <p:tgtEl>
+                                          <p:spTgt spid="8"/>
+                                        </p:tgtEl>
+                                        <p:attrNameLst>
+                                          <p:attrName>style.visibility</p:attrName>
+                                        </p:attrNameLst>
+                                      </p:cBhvr>
+                                      <p:to>
+                                        <p:strVal val="visible"/>
+                                      </p:to>
+                                    </p:set>
+                                    <p:animEffect transition="in" filter="wipe(left)">
+                                      <p:cBhvr>
+                                        <p:cTn id="20" dur="500"/>
+                                        <p:tgtEl>
+                                          <p:spTgt spid="8"/>
+                                        </p:tgtEl>
+                                      </p:cBhvr>
+                                    </p:animEffect>
+                                  </p:childTnLst>
+                                </p:cTn>
+                              </p:par>
+                              <p:par>
+                                <p:cTn id="21" presetID="22" presetClass="entr" presetSubtype="8" fill="hold" nodeType="withEffect">
+                                  <p:stCondLst>
+                                    <p:cond delay="0"/>
+                                  </p:stCondLst>
+                                  <p:childTnLst>
+                                    <p:set>
+                                      <p:cBhvr>
+                                        <p:cTn id="22" dur="1" fill="hold">
+                                          <p:stCondLst>
+                                            <p:cond delay="0"/>
+                                          </p:stCondLst>
+                                        </p:cTn>
+                                        <p:tgtEl>
+                                          <p:spTgt spid="9"/>
+                                        </p:tgtEl>
+                                        <p:attrNameLst>
+                                          <p:attrName>style.visibility</p:attrName>
+                                        </p:attrNameLst>
+                                      </p:cBhvr>
+                                      <p:to>
+                                        <p:strVal val="visible"/>
+                                      </p:to>
+                                    </p:set>
+                                    <p:animEffect transition="in" filter="wipe(left)">
+                                      <p:cBhvr>
+                                        <p:cTn id="23" dur="500"/>
+                                        <p:tgtEl>
+                                          <p:spTgt spid="9"/>
+                                        </p:tgtEl>
+                                      </p:cBhvr>
+                                    </p:animEffect>
+                                  </p:childTnLst>
+                                </p:cTn>
+                              </p:par>
+                            </p:childTnLst>
+                          </p:cTn>
+                        </p:par>
+                      </p:childTnLst>
+                    </p:cTn>
+                  </p:par>
+                </p:childTnLst>
+              </p:cTn>
+              <p:prevCondLst>
+                <p:cond evt="onPrev" delay="0">
+                  <p:tgtEl>
+                    <p:sldTgt/>
+                  </p:tgtEl>
+                </p:cond>
+              </p:prevCondLst>
+              <p:nextCondLst>
+                <p:cond evt="onNext" delay="0">
+                  <p:tgtEl>
+                    <p:sldTgt/>
+                  </p:tgtEl>
+                </p:cond>
+              </p:nextCondLst>
+            </p:seq>
+          </p:childTnLst>
+        </p:cTn>
+      </p:par>
+    </p:tnLst>
+    <p:bldLst>
+      <p:bldP spid="2" grpId="0"/>
+      <p:bldP spid="4" grpId="0" uiExpand="1" build="p"/>
+    </p:bldLst>
+  </p:timing>
+</p:sld>
+</file>
+
+<file path=ppt/slides/slide2.xml><?xml version="1.0" encoding="utf-8"?>
+<p:sld xmlns:a="http://schemas.openxmlformats.org/drawingml/2006/main" xmlns:r="http://schemas.openxmlformats.org/officeDocument/2006/relationships" xmlns:p="http://schemas.openxmlformats.org/presentationml/2006/main">
+  <p:cSld>
+    <p:spTree>
+      <p:nvGrpSpPr>
+        <p:cNvPr id="1" name=""/>
+        <p:cNvGrpSpPr/>
+        <p:nvPr/>
+      </p:nvGrpSpPr>
+      <p:grpSpPr>
+        <a:xfrm>
+          <a:off x="0" y="0"/>
+          <a:ext cx="0" cy="0"/>
+          <a:chOff x="0" y="0"/>
+          <a:chExt cx="0" cy="0"/>
+        </a:xfrm>
+      </p:grpSpPr>
+      <p:sp>
+        <p:nvSpPr>
+          <p:cNvPr id="9" name="矩形 160"/>
+          <p:cNvSpPr>
+            <a:spLocks noChangeArrowheads="1"/>
+          </p:cNvSpPr>
+          <p:nvPr/>
+        </p:nvSpPr>
+        <p:spPr bwMode="auto">
+          <a:xfrm>
+            <a:off x="677276" y="771550"/>
+            <a:ext cx="7992888" cy="3672408"/>
+          </a:xfrm>
+          <a:custGeom>
+            <a:avLst/>
+            <a:gdLst>
+              <a:gd name="connsiteX0" fmla="*/ 0 w 7260238"/>
+              <a:gd name="connsiteY0" fmla="*/ 0 h 3090960"/>
+              <a:gd name="connsiteX1" fmla="*/ 7260238 w 7260238"/>
+              <a:gd name="connsiteY1" fmla="*/ 0 h 3090960"/>
+              <a:gd name="connsiteX2" fmla="*/ 7260238 w 7260238"/>
+              <a:gd name="connsiteY2" fmla="*/ 3090960 h 3090960"/>
+              <a:gd name="connsiteX3" fmla="*/ 0 w 7260238"/>
+              <a:gd name="connsiteY3" fmla="*/ 3090960 h 3090960"/>
+              <a:gd name="connsiteX4" fmla="*/ 0 w 7260238"/>
+              <a:gd name="connsiteY4" fmla="*/ 0 h 3090960"/>
+              <a:gd name="connsiteX0" fmla="*/ 0 w 7260238"/>
+              <a:gd name="connsiteY0" fmla="*/ 0 h 3090960"/>
+              <a:gd name="connsiteX1" fmla="*/ 7260238 w 7260238"/>
+              <a:gd name="connsiteY1" fmla="*/ 0 h 3090960"/>
+              <a:gd name="connsiteX2" fmla="*/ 7260238 w 7260238"/>
+              <a:gd name="connsiteY2" fmla="*/ 3090960 h 3090960"/>
+              <a:gd name="connsiteX3" fmla="*/ 666205 w 7260238"/>
+              <a:gd name="connsiteY3" fmla="*/ 3090960 h 3090960"/>
+              <a:gd name="connsiteX4" fmla="*/ 0 w 7260238"/>
+              <a:gd name="connsiteY4" fmla="*/ 0 h 3090960"/>
+              <a:gd name="connsiteX0" fmla="*/ 0 w 7260238"/>
+              <a:gd name="connsiteY0" fmla="*/ 0 h 3141760"/>
+              <a:gd name="connsiteX1" fmla="*/ 7260238 w 7260238"/>
+              <a:gd name="connsiteY1" fmla="*/ 0 h 3141760"/>
+              <a:gd name="connsiteX2" fmla="*/ 7031638 w 7260238"/>
+              <a:gd name="connsiteY2" fmla="*/ 3141760 h 3141760"/>
+              <a:gd name="connsiteX3" fmla="*/ 666205 w 7260238"/>
+              <a:gd name="connsiteY3" fmla="*/ 3090960 h 3141760"/>
+              <a:gd name="connsiteX4" fmla="*/ 0 w 7260238"/>
+              <a:gd name="connsiteY4" fmla="*/ 0 h 3141760"/>
+              <a:gd name="connsiteX0" fmla="*/ 0 w 7454971"/>
+              <a:gd name="connsiteY0" fmla="*/ 0 h 3141760"/>
+              <a:gd name="connsiteX1" fmla="*/ 7454971 w 7454971"/>
+              <a:gd name="connsiteY1" fmla="*/ 0 h 3141760"/>
+              <a:gd name="connsiteX2" fmla="*/ 7031638 w 7454971"/>
+              <a:gd name="connsiteY2" fmla="*/ 3141760 h 3141760"/>
+              <a:gd name="connsiteX3" fmla="*/ 666205 w 7454971"/>
+              <a:gd name="connsiteY3" fmla="*/ 3090960 h 3141760"/>
+              <a:gd name="connsiteX4" fmla="*/ 0 w 7454971"/>
+              <a:gd name="connsiteY4" fmla="*/ 0 h 3141760"/>
+              <a:gd name="connsiteX0" fmla="*/ 0 w 7454971"/>
+              <a:gd name="connsiteY0" fmla="*/ 0 h 3353427"/>
+              <a:gd name="connsiteX1" fmla="*/ 7454971 w 7454971"/>
+              <a:gd name="connsiteY1" fmla="*/ 211667 h 3353427"/>
+              <a:gd name="connsiteX2" fmla="*/ 7031638 w 7454971"/>
+              <a:gd name="connsiteY2" fmla="*/ 3353427 h 3353427"/>
+              <a:gd name="connsiteX3" fmla="*/ 666205 w 7454971"/>
+              <a:gd name="connsiteY3" fmla="*/ 3302627 h 3353427"/>
+              <a:gd name="connsiteX4" fmla="*/ 0 w 7454971"/>
+              <a:gd name="connsiteY4" fmla="*/ 0 h 3353427"/>
+            </a:gdLst>
+            <a:ahLst/>
+            <a:cxnLst>
+              <a:cxn ang="0">
+                <a:pos x="connsiteX0" y="connsiteY0"/>
+              </a:cxn>
+              <a:cxn ang="0">
+                <a:pos x="connsiteX1" y="connsiteY1"/>
+              </a:cxn>
+              <a:cxn ang="0">
+                <a:pos x="connsiteX2" y="connsiteY2"/>
+              </a:cxn>
+              <a:cxn ang="0">
+                <a:pos x="connsiteX3" y="connsiteY3"/>
+              </a:cxn>
+              <a:cxn ang="0">
+                <a:pos x="connsiteX4" y="connsiteY4"/>
+              </a:cxn>
+            </a:cxnLst>
+            <a:rect l="l" t="t" r="r" b="b"/>
+            <a:pathLst>
+              <a:path w="7454971" h="3353427">
+                <a:moveTo>
+                  <a:pt x="0" y="0"/>
+                </a:moveTo>
+                <a:lnTo>
+                  <a:pt x="7454971" y="211667"/>
+                </a:lnTo>
+                <a:lnTo>
+                  <a:pt x="7031638" y="3353427"/>
+                </a:lnTo>
+                <a:lnTo>
+                  <a:pt x="666205" y="3302627"/>
+                </a:lnTo>
+                <a:lnTo>
+                  <a:pt x="0" y="0"/>
+                </a:lnTo>
+                <a:close/>
+              </a:path>
+            </a:pathLst>
+          </a:custGeom>
+          <a:solidFill>
+            <a:schemeClr val="tx1">
+              <a:lumMod val="95000"/>
+              <a:lumOff val="5000"/>
+              <a:alpha val="54000"/>
+            </a:schemeClr>
+          </a:solidFill>
+          <a:ln w="12700" cmpd="sng">
+            <a:solidFill>
+              <a:schemeClr val="bg1"/>
+            </a:solidFill>
+            <a:miter lim="800000"/>
+            <a:headEnd/>
+            <a:tailEnd/>
+          </a:ln>
+        </p:spPr>
+        <p:txBody>
+          <a:bodyPr anchor="ctr"/>
+          <a:lstStyle/>
+          <a:p>
+            <a:pPr algn="ctr">
+              <a:defRPr/>
+            </a:pPr>
+            <a:endParaRPr lang="zh-CN" altLang="en-US" b="0">
+              <a:solidFill>
+                <a:srgbClr val="FFC000"/>
+              </a:solidFill>
+              <a:latin typeface="+mn-ea"/>
+              <a:ea typeface="+mn-ea"/>
+            </a:endParaRPr>
+          </a:p>
+        </p:txBody>
+      </p:sp>
+      <p:pic>
+        <p:nvPicPr>
+          <p:cNvPr id="5" name="Picture 10"/>
+          <p:cNvPicPr>
+            <a:picLocks noChangeAspect="1" noChangeArrowheads="1"/>
+          </p:cNvPicPr>
+          <p:nvPr/>
+        </p:nvPicPr>
+        <p:blipFill>
+          <a:blip r:embed="rId3" cstate="screen">
+            <a:extLst>
+              <a:ext uri="{28A0092B-C50C-407E-A947-70E740481C1C}">
+                <a14:useLocalDpi xmlns:a14="http://schemas.microsoft.com/office/drawing/2010/main"/>
+              </a:ext>
+            </a:extLst>
+          </a:blip>
+          <a:stretch>
+            <a:fillRect/>
+          </a:stretch>
+        </p:blipFill>
+        <p:spPr bwMode="auto">
+          <a:xfrm>
+            <a:off x="39074" y="2456045"/>
+            <a:ext cx="2156662" cy="2507424"/>
+          </a:xfrm>
+          <a:prstGeom prst="rect">
+            <a:avLst/>
+          </a:prstGeom>
+          <a:noFill/>
+        </p:spPr>
+      </p:pic>
+      <p:sp>
+        <p:nvSpPr>
+          <p:cNvPr id="6" name="TextBox 5"/>
+          <p:cNvSpPr txBox="1"/>
+          <p:nvPr/>
+        </p:nvSpPr>
+        <p:spPr>
+          <a:xfrm>
+            <a:off x="1074558" y="1419622"/>
+            <a:ext cx="3283685" cy="639836"/>
+          </a:xfrm>
+          <a:prstGeom prst="rect">
+            <a:avLst/>
+          </a:prstGeom>
+          <a:noFill/>
+        </p:spPr>
+        <p:txBody>
+          <a:bodyPr wrap="none" lIns="69769" tIns="34884" rIns="69769" bIns="34884" rtlCol="0">
+            <a:spAutoFit/>
+          </a:bodyPr>
+          <a:lstStyle/>
+          <a:p>
+            <a:pPr algn="ctr"/>
+            <a:r>
+              <a:rPr lang="en-US" altLang="zh-CN" sz="3700" b="1" dirty="0">
+                <a:ln w="6350">
+                  <a:noFill/>
+                </a:ln>
+                <a:solidFill>
+                  <a:schemeClr val="bg1"/>
+                </a:solidFill>
+                <a:latin typeface="微软雅黑" panose="020B0503020204020204" pitchFamily="34" charset="-122"/>
+                <a:ea typeface="微软雅黑" panose="020B0503020204020204" pitchFamily="34" charset="-122"/>
+              </a:rPr>
+              <a:t>Introduction </a:t>
+            </a:r>
+            <a:endParaRPr lang="zh-CN" altLang="en-US" sz="3700" b="1" dirty="0">
+              <a:ln w="6350">
+                <a:noFill/>
+              </a:ln>
+              <a:solidFill>
+                <a:schemeClr val="bg1"/>
+              </a:solidFill>
+              <a:latin typeface="微软雅黑" panose="020B0503020204020204" pitchFamily="34" charset="-122"/>
+              <a:ea typeface="微软雅黑" panose="020B0503020204020204" pitchFamily="34" charset="-122"/>
+            </a:endParaRPr>
+          </a:p>
+        </p:txBody>
+      </p:sp>
+      <p:sp>
+        <p:nvSpPr>
+          <p:cNvPr id="10" name="矩形 9"/>
+          <p:cNvSpPr/>
+          <p:nvPr/>
+        </p:nvSpPr>
+        <p:spPr>
+          <a:xfrm>
+            <a:off x="2195736" y="2077913"/>
+            <a:ext cx="5562016" cy="400110"/>
+          </a:xfrm>
+          <a:prstGeom prst="rect">
+            <a:avLst/>
+          </a:prstGeom>
+        </p:spPr>
+        <p:txBody>
+          <a:bodyPr wrap="square">
+            <a:spAutoFit/>
+          </a:bodyPr>
+          <a:lstStyle/>
+          <a:p>
+            <a:pPr eaLnBrk="0" hangingPunct="0"/>
+            <a:r>
+              <a:rPr lang="en-US" altLang="zh-CN" sz="2000" b="1" dirty="0" smtClean="0">
+                <a:solidFill>
+                  <a:schemeClr val="accent1">
+                    <a:lumMod val="20000"/>
+                    <a:lumOff val="80000"/>
+                  </a:schemeClr>
+                </a:solidFill>
+                <a:latin typeface="微软雅黑" pitchFamily="34" charset="-122"/>
+                <a:ea typeface="微软雅黑" pitchFamily="34" charset="-122"/>
+              </a:rPr>
+              <a:t>Why we need theme, is i18n not enough?</a:t>
+            </a:r>
+            <a:endParaRPr lang="zh-CN" altLang="en-US" sz="2000" b="1" dirty="0">
+              <a:solidFill>
+                <a:schemeClr val="accent1">
+                  <a:lumMod val="20000"/>
+                  <a:lumOff val="80000"/>
+                </a:schemeClr>
+              </a:solidFill>
+              <a:latin typeface="微软雅黑" pitchFamily="34" charset="-122"/>
+              <a:ea typeface="微软雅黑" pitchFamily="34" charset="-122"/>
+            </a:endParaRPr>
+          </a:p>
+        </p:txBody>
+      </p:sp>
+      <p:sp>
+        <p:nvSpPr>
+          <p:cNvPr id="11" name="TextBox 10"/>
+          <p:cNvSpPr txBox="1"/>
+          <p:nvPr/>
+        </p:nvSpPr>
+        <p:spPr>
+          <a:xfrm>
+            <a:off x="2267744" y="2673141"/>
+            <a:ext cx="5616624" cy="978729"/>
+          </a:xfrm>
+          <a:prstGeom prst="rect">
+            <a:avLst/>
+          </a:prstGeom>
+          <a:noFill/>
+        </p:spPr>
+        <p:txBody>
+          <a:bodyPr wrap="square">
+            <a:spAutoFit/>
+          </a:bodyPr>
+          <a:lstStyle/>
+          <a:p>
+            <a:pPr>
+              <a:lnSpc>
+                <a:spcPct val="120000"/>
+              </a:lnSpc>
+            </a:pPr>
+            <a:r>
+              <a:rPr lang="en-US" altLang="zh-CN" sz="1200" dirty="0" smtClean="0">
+                <a:solidFill>
+                  <a:schemeClr val="bg1"/>
+                </a:solidFill>
+                <a:latin typeface="+mj-ea"/>
+                <a:ea typeface="+mj-ea"/>
+              </a:rPr>
+              <a:t>Yes, as we know, the i18n </a:t>
+            </a:r>
+            <a:r>
+              <a:rPr lang="en-US" altLang="zh-CN" sz="1200" dirty="0" smtClean="0">
+                <a:solidFill>
+                  <a:schemeClr val="bg1"/>
+                </a:solidFill>
+                <a:latin typeface="+mj-ea"/>
+                <a:ea typeface="+mj-ea"/>
+              </a:rPr>
+              <a:t>will change the language for the region, but it only change the language, the style will keep as before.</a:t>
+            </a:r>
+            <a:endParaRPr lang="en-US" altLang="zh-CN" sz="1200" dirty="0">
+              <a:solidFill>
+                <a:schemeClr val="bg1"/>
+              </a:solidFill>
+              <a:latin typeface="+mj-ea"/>
+              <a:ea typeface="+mj-ea"/>
+            </a:endParaRPr>
+          </a:p>
+          <a:p>
+            <a:pPr>
+              <a:lnSpc>
+                <a:spcPct val="120000"/>
+              </a:lnSpc>
+            </a:pPr>
+            <a:r>
+              <a:rPr lang="en-US" altLang="zh-CN" sz="1200" dirty="0" smtClean="0">
+                <a:solidFill>
+                  <a:schemeClr val="bg1"/>
+                </a:solidFill>
+                <a:latin typeface="+mj-ea"/>
+                <a:ea typeface="+mj-ea"/>
+              </a:rPr>
+              <a:t>Moreover, if we want to make our project suit for different regions’ style, such as China, English, or Arabic, we need theme to help us to do this.</a:t>
+            </a:r>
+          </a:p>
+        </p:txBody>
+      </p:sp>
+    </p:spTree>
+    <p:extLst>
+      <p:ext uri="{BB962C8B-B14F-4D97-AF65-F5344CB8AC3E}">
+        <p14:creationId xmlns:p14="http://schemas.microsoft.com/office/powerpoint/2010/main" val="1909745285"/>
+      </p:ext>
+    </p:extLst>
+  </p:cSld>
+  <p:clrMapOvr>
+    <a:masterClrMapping/>
+  </p:clrMapOvr>
+  <p:transition spd="slow" advTm="20000">
+    <p:push/>
+  </p:transition>
+  <p:timing>
+    <p:tnLst>
+      <p:par>
+        <p:cTn id="1" dur="indefinite" restart="never" nodeType="tmRoot">
+          <p:childTnLst>
+            <p:seq concurrent="1" nextAc="seek">
+              <p:cTn id="2" dur="indefinite" nodeType="mainSeq">
+                <p:childTnLst>
+                  <p:par>
+                    <p:cTn id="3" fill="hold">
+                      <p:stCondLst>
+                        <p:cond delay="indefinite"/>
+                        <p:cond evt="onBegin" delay="0">
+                          <p:tn val="2"/>
+                        </p:cond>
+                      </p:stCondLst>
+                      <p:childTnLst>
+                        <p:par>
+                          <p:cTn id="4" fill="hold">
+                            <p:stCondLst>
+                              <p:cond delay="0"/>
+                            </p:stCondLst>
+                            <p:childTnLst>
+                              <p:par>
+                                <p:cTn id="5" presetID="10" presetClass="entr" presetSubtype="0" fill="hold" grpId="0" nodeType="afterEffect">
+                                  <p:stCondLst>
+                                    <p:cond delay="0"/>
+                                  </p:stCondLst>
+                                  <p:childTnLst>
+                                    <p:set>
+                                      <p:cBhvr>
+                                        <p:cTn id="6" dur="1" fill="hold">
+                                          <p:stCondLst>
+                                            <p:cond delay="0"/>
+                                          </p:stCondLst>
+                                        </p:cTn>
+                                        <p:tgtEl>
+                                          <p:spTgt spid="9"/>
+                                        </p:tgtEl>
+                                        <p:attrNameLst>
+                                          <p:attrName>style.visibility</p:attrName>
+                                        </p:attrNameLst>
+                                      </p:cBhvr>
+                                      <p:to>
+                                        <p:strVal val="visible"/>
+                                      </p:to>
+                                    </p:set>
+                                    <p:animEffect transition="in" filter="fade">
+                                      <p:cBhvr>
+                                        <p:cTn id="7" dur="250"/>
+                                        <p:tgtEl>
+                                          <p:spTgt spid="9"/>
+                                        </p:tgtEl>
+                                      </p:cBhvr>
+                                    </p:animEffect>
+                                  </p:childTnLst>
+                                </p:cTn>
+                              </p:par>
+                              <p:par>
+                                <p:cTn id="8" presetID="2" presetClass="entr" presetSubtype="8" fill="hold" nodeType="withEffect">
+                                  <p:stCondLst>
+                                    <p:cond delay="250"/>
+                                  </p:stCondLst>
+                                  <p:childTnLst>
+                                    <p:set>
+                                      <p:cBhvr>
+                                        <p:cTn id="9" dur="1" fill="hold">
+                                          <p:stCondLst>
+                                            <p:cond delay="0"/>
+                                          </p:stCondLst>
+                                        </p:cTn>
+                                        <p:tgtEl>
+                                          <p:spTgt spid="5"/>
+                                        </p:tgtEl>
+                                        <p:attrNameLst>
+                                          <p:attrName>style.visibility</p:attrName>
+                                        </p:attrNameLst>
+                                      </p:cBhvr>
+                                      <p:to>
+                                        <p:strVal val="visible"/>
+                                      </p:to>
+                                    </p:set>
+                                    <p:anim calcmode="lin" valueType="num">
+                                      <p:cBhvr additive="base">
+                                        <p:cTn id="10" dur="500" fill="hold"/>
+                                        <p:tgtEl>
+                                          <p:spTgt spid="5"/>
+                                        </p:tgtEl>
+                                        <p:attrNameLst>
+                                          <p:attrName>ppt_x</p:attrName>
+                                        </p:attrNameLst>
+                                      </p:cBhvr>
+                                      <p:tavLst>
+                                        <p:tav tm="0">
+                                          <p:val>
+                                            <p:strVal val="0-#ppt_w/2"/>
+                                          </p:val>
+                                        </p:tav>
+                                        <p:tav tm="100000">
+                                          <p:val>
+                                            <p:strVal val="#ppt_x"/>
+                                          </p:val>
+                                        </p:tav>
+                                      </p:tavLst>
+                                    </p:anim>
+                                    <p:anim calcmode="lin" valueType="num">
+                                      <p:cBhvr additive="base">
+                                        <p:cTn id="11" dur="500" fill="hold"/>
+                                        <p:tgtEl>
+                                          <p:spTgt spid="5"/>
+                                        </p:tgtEl>
+                                        <p:attrNameLst>
+                                          <p:attrName>ppt_y</p:attrName>
+                                        </p:attrNameLst>
+                                      </p:cBhvr>
+                                      <p:tavLst>
+                                        <p:tav tm="0">
+                                          <p:val>
+                                            <p:strVal val="#ppt_y"/>
+                                          </p:val>
+                                        </p:tav>
+                                        <p:tav tm="100000">
+                                          <p:val>
+                                            <p:strVal val="#ppt_y"/>
+                                          </p:val>
+                                        </p:tav>
+                                      </p:tavLst>
+                                    </p:anim>
+                                  </p:childTnLst>
+                                </p:cTn>
+                              </p:par>
+                              <p:par>
+                                <p:cTn id="12" presetID="16" presetClass="entr" presetSubtype="37" fill="hold" grpId="0" nodeType="withEffect">
+                                  <p:stCondLst>
+                                    <p:cond delay="750"/>
+                                  </p:stCondLst>
+                                  <p:iterate type="lt">
+                                    <p:tmPct val="0"/>
+                                  </p:iterate>
+                                  <p:childTnLst>
+                                    <p:set>
+                                      <p:cBhvr>
+                                        <p:cTn id="13" dur="1" fill="hold">
+                                          <p:stCondLst>
+                                            <p:cond delay="0"/>
+                                          </p:stCondLst>
+                                        </p:cTn>
+                                        <p:tgtEl>
+                                          <p:spTgt spid="6"/>
+                                        </p:tgtEl>
+                                        <p:attrNameLst>
+                                          <p:attrName>style.visibility</p:attrName>
+                                        </p:attrNameLst>
+                                      </p:cBhvr>
+                                      <p:to>
+                                        <p:strVal val="visible"/>
+                                      </p:to>
+                                    </p:set>
+                                    <p:animEffect transition="in" filter="barn(outVertical)">
+                                      <p:cBhvr>
+                                        <p:cTn id="14" dur="250"/>
+                                        <p:tgtEl>
+                                          <p:spTgt spid="6"/>
+                                        </p:tgtEl>
+                                      </p:cBhvr>
+                                    </p:animEffect>
+                                  </p:childTnLst>
+                                </p:cTn>
+                              </p:par>
+                              <p:par>
+                                <p:cTn id="15" presetID="26" presetClass="emph" presetSubtype="0" fill="hold" grpId="1" nodeType="withEffect">
+                                  <p:stCondLst>
+                                    <p:cond delay="1000"/>
+                                  </p:stCondLst>
+                                  <p:iterate type="lt">
+                                    <p:tmPct val="0"/>
+                                  </p:iterate>
+                                  <p:childTnLst>
+                                    <p:animEffect transition="out" filter="fade">
+                                      <p:cBhvr>
+                                        <p:cTn id="16" dur="250" tmFilter="0, 0; .2, .5; .8, .5; 1, 0"/>
+                                        <p:tgtEl>
+                                          <p:spTgt spid="6"/>
+                                        </p:tgtEl>
+                                      </p:cBhvr>
+                                    </p:animEffect>
+                                    <p:animScale>
+                                      <p:cBhvr>
+                                        <p:cTn id="17" dur="125" autoRev="1" fill="hold"/>
+                                        <p:tgtEl>
+                                          <p:spTgt spid="6"/>
+                                        </p:tgtEl>
+                                      </p:cBhvr>
+                                      <p:by x="105000" y="105000"/>
+                                    </p:animScale>
+                                  </p:childTnLst>
+                                </p:cTn>
+                              </p:par>
+                              <p:par>
+                                <p:cTn id="18" presetID="41" presetClass="entr" presetSubtype="0" fill="hold" grpId="0" nodeType="withEffect">
+                                  <p:stCondLst>
+                                    <p:cond delay="1600"/>
+                                  </p:stCondLst>
+                                  <p:iterate type="lt">
+                                    <p:tmPct val="10000"/>
+                                  </p:iterate>
+                                  <p:childTnLst>
+                                    <p:set>
+                                      <p:cBhvr>
+                                        <p:cTn id="19" dur="1" fill="hold">
+                                          <p:stCondLst>
+                                            <p:cond delay="0"/>
+                                          </p:stCondLst>
+                                        </p:cTn>
+                                        <p:tgtEl>
+                                          <p:spTgt spid="10"/>
+                                        </p:tgtEl>
+                                        <p:attrNameLst>
+                                          <p:attrName>style.visibility</p:attrName>
+                                        </p:attrNameLst>
+                                      </p:cBhvr>
+                                      <p:to>
+                                        <p:strVal val="visible"/>
+                                      </p:to>
+                                    </p:set>
+                                    <p:anim calcmode="lin" valueType="num">
+                                      <p:cBhvr>
+                                        <p:cTn id="20" dur="500" fill="hold"/>
+                                        <p:tgtEl>
+                                          <p:spTgt spid="10"/>
+                                        </p:tgtEl>
+                                        <p:attrNameLst>
+                                          <p:attrName>ppt_x</p:attrName>
+                                        </p:attrNameLst>
+                                      </p:cBhvr>
+                                      <p:tavLst>
+                                        <p:tav tm="0">
+                                          <p:val>
+                                            <p:strVal val="#ppt_x"/>
+                                          </p:val>
+                                        </p:tav>
+                                        <p:tav tm="50000">
+                                          <p:val>
+                                            <p:strVal val="#ppt_x+.1"/>
+                                          </p:val>
+                                        </p:tav>
+                                        <p:tav tm="100000">
+                                          <p:val>
+                                            <p:strVal val="#ppt_x"/>
+                                          </p:val>
+                                        </p:tav>
+                                      </p:tavLst>
+                                    </p:anim>
+                                    <p:anim calcmode="lin" valueType="num">
+                                      <p:cBhvr>
+                                        <p:cTn id="21" dur="500" fill="hold"/>
+                                        <p:tgtEl>
+                                          <p:spTgt spid="10"/>
+                                        </p:tgtEl>
+                                        <p:attrNameLst>
+                                          <p:attrName>ppt_y</p:attrName>
+                                        </p:attrNameLst>
+                                      </p:cBhvr>
+                                      <p:tavLst>
+                                        <p:tav tm="0">
+                                          <p:val>
+                                            <p:strVal val="#ppt_y"/>
+                                          </p:val>
+                                        </p:tav>
+                                        <p:tav tm="100000">
+                                          <p:val>
+                                            <p:strVal val="#ppt_y"/>
+                                          </p:val>
+                                        </p:tav>
+                                      </p:tavLst>
+                                    </p:anim>
+                                    <p:anim calcmode="lin" valueType="num">
+                                      <p:cBhvr>
+                                        <p:cTn id="22" dur="500" fill="hold"/>
+                                        <p:tgtEl>
+                                          <p:spTgt spid="10"/>
+                                        </p:tgtEl>
+                                        <p:attrNameLst>
+                                          <p:attrName>ppt_h</p:attrName>
+                                        </p:attrNameLst>
+                                      </p:cBhvr>
+                                      <p:tavLst>
+                                        <p:tav tm="0">
+                                          <p:val>
+                                            <p:strVal val="#ppt_h/10"/>
+                                          </p:val>
+                                        </p:tav>
+                                        <p:tav tm="50000">
+                                          <p:val>
+                                            <p:strVal val="#ppt_h+.01"/>
+                                          </p:val>
+                                        </p:tav>
+                                        <p:tav tm="100000">
+                                          <p:val>
+                                            <p:strVal val="#ppt_h"/>
+                                          </p:val>
+                                        </p:tav>
+                                      </p:tavLst>
+                                    </p:anim>
+                                    <p:anim calcmode="lin" valueType="num">
+                                      <p:cBhvr>
+                                        <p:cTn id="23" dur="500" fill="hold"/>
+                                        <p:tgtEl>
+                                          <p:spTgt spid="10"/>
+                                        </p:tgtEl>
+                                        <p:attrNameLst>
+                                          <p:attrName>ppt_w</p:attrName>
+                                        </p:attrNameLst>
+                                      </p:cBhvr>
+                                      <p:tavLst>
+                                        <p:tav tm="0">
+                                          <p:val>
+                                            <p:strVal val="#ppt_w/10"/>
+                                          </p:val>
+                                        </p:tav>
+                                        <p:tav tm="50000">
+                                          <p:val>
+                                            <p:strVal val="#ppt_w+.01"/>
+                                          </p:val>
+                                        </p:tav>
+                                        <p:tav tm="100000">
+                                          <p:val>
+                                            <p:strVal val="#ppt_w"/>
+                                          </p:val>
+                                        </p:tav>
+                                      </p:tavLst>
+                                    </p:anim>
+                                    <p:animEffect transition="in" filter="fade">
+                                      <p:cBhvr>
+                                        <p:cTn id="24" dur="500" tmFilter="0,0; .5, 1; 1, 1"/>
+                                        <p:tgtEl>
+                                          <p:spTgt spid="10"/>
+                                        </p:tgtEl>
+                                      </p:cBhvr>
+                                    </p:animEffect>
+                                  </p:childTnLst>
+                                </p:cTn>
+                              </p:par>
+                              <p:par>
+                                <p:cTn id="25" presetID="16" presetClass="entr" presetSubtype="21" fill="hold" grpId="0" nodeType="withEffect">
+                                  <p:stCondLst>
+                                    <p:cond delay="3000"/>
+                                  </p:stCondLst>
+                                  <p:iterate type="lt">
+                                    <p:tmPct val="10000"/>
+                                  </p:iterate>
+                                  <p:childTnLst>
+                                    <p:set>
+                                      <p:cBhvr>
+                                        <p:cTn id="26" dur="1" fill="hold">
+                                          <p:stCondLst>
+                                            <p:cond delay="0"/>
+                                          </p:stCondLst>
+                                        </p:cTn>
+                                        <p:tgtEl>
+                                          <p:spTgt spid="11"/>
+                                        </p:tgtEl>
+                                        <p:attrNameLst>
+                                          <p:attrName>style.visibility</p:attrName>
+                                        </p:attrNameLst>
+                                      </p:cBhvr>
+                                      <p:to>
+                                        <p:strVal val="visible"/>
+                                      </p:to>
+                                    </p:set>
+                                    <p:animEffect transition="in" filter="barn(inVertical)">
+                                      <p:cBhvr>
+                                        <p:cTn id="27" dur="250"/>
+                                        <p:tgtEl>
+                                          <p:spTgt spid="11"/>
+                                        </p:tgtEl>
+                                      </p:cBhvr>
+                                    </p:animEffect>
+                                  </p:childTnLst>
+                                </p:cTn>
+                              </p:par>
+                            </p:childTnLst>
+                          </p:cTn>
+                        </p:par>
+                      </p:childTnLst>
+                    </p:cTn>
+                  </p:par>
+                </p:childTnLst>
+              </p:cTn>
+              <p:prevCondLst>
+                <p:cond evt="onPrev" delay="0">
+                  <p:tgtEl>
+                    <p:sldTgt/>
+                  </p:tgtEl>
+                </p:cond>
+              </p:prevCondLst>
+              <p:nextCondLst>
+                <p:cond evt="onNext" delay="0">
+                  <p:tgtEl>
+                    <p:sldTgt/>
+                  </p:tgtEl>
+                </p:cond>
+              </p:nextCondLst>
+            </p:seq>
+          </p:childTnLst>
+        </p:cTn>
+      </p:par>
+    </p:tnLst>
+    <p:bldLst>
+      <p:bldP spid="9" grpId="0" animBg="1"/>
+      <p:bldP spid="6" grpId="0"/>
+      <p:bldP spid="6" grpId="1"/>
+      <p:bldP spid="10" grpId="0"/>
+      <p:bldP spid="11" grpId="0"/>
+    </p:bldLst>
+  </p:timing>
+</p:sld>
+</file>
+
+<file path=ppt/slides/slide20.xml><?xml version="1.0" encoding="utf-8"?>
+<p:sld xmlns:a="http://schemas.openxmlformats.org/drawingml/2006/main" xmlns:r="http://schemas.openxmlformats.org/officeDocument/2006/relationships" xmlns:p="http://schemas.openxmlformats.org/presentationml/2006/main">
+  <p:cSld>
+    <p:spTree>
+      <p:nvGrpSpPr>
+        <p:cNvPr id="1" name=""/>
+        <p:cNvGrpSpPr/>
+        <p:nvPr/>
+      </p:nvGrpSpPr>
+      <p:grpSpPr>
+        <a:xfrm>
+          <a:off x="0" y="0"/>
+          <a:ext cx="0" cy="0"/>
+          <a:chOff x="0" y="0"/>
+          <a:chExt cx="0" cy="0"/>
+        </a:xfrm>
+      </p:grpSpPr>
+      <p:sp>
+        <p:nvSpPr>
+          <p:cNvPr id="2" name="标题 1"/>
+          <p:cNvSpPr>
+            <a:spLocks noGrp="1"/>
+          </p:cNvSpPr>
+          <p:nvPr>
+            <p:ph type="title"/>
+          </p:nvPr>
+        </p:nvSpPr>
+        <p:spPr/>
+        <p:txBody>
+          <a:bodyPr>
+            <a:normAutofit/>
+          </a:bodyPr>
+          <a:lstStyle/>
+          <a:p>
+            <a:r>
+              <a:rPr lang="en-US" sz="1800" dirty="0"/>
+              <a:t>Configure </a:t>
+            </a:r>
+            <a:r>
+              <a:rPr lang="en-US" sz="1800" dirty="0" smtClean="0"/>
+              <a:t>theme </a:t>
+            </a:r>
+            <a:r>
+              <a:rPr lang="en-US" sz="1800" dirty="0"/>
+              <a:t>parameter</a:t>
+            </a:r>
+          </a:p>
+        </p:txBody>
+      </p:sp>
+      <p:sp>
+        <p:nvSpPr>
+          <p:cNvPr id="4" name="文本占位符 3"/>
+          <p:cNvSpPr>
+            <a:spLocks noGrp="1"/>
+          </p:cNvSpPr>
+          <p:nvPr>
+            <p:ph type="body" sz="half" idx="4294967295"/>
+          </p:nvPr>
+        </p:nvSpPr>
+        <p:spPr>
+          <a:xfrm>
+            <a:off x="467544" y="915566"/>
+            <a:ext cx="3008313" cy="3517900"/>
+          </a:xfrm>
+        </p:spPr>
+        <p:txBody>
+          <a:bodyPr>
+            <a:normAutofit fontScale="55000" lnSpcReduction="20000"/>
+          </a:bodyPr>
+          <a:lstStyle/>
+          <a:p>
+            <a:pPr marL="0" indent="0">
+              <a:buNone/>
+            </a:pPr>
+            <a:r>
+              <a:rPr lang="en-US" dirty="0" smtClean="0"/>
+              <a:t>Here list whole type of the configuration of theme, such as fixed, session, and cookie.</a:t>
+            </a:r>
+          </a:p>
+          <a:p>
+            <a:pPr marL="0" indent="0">
+              <a:buNone/>
+            </a:pPr>
+            <a:r>
+              <a:rPr lang="en-US" dirty="0" smtClean="0"/>
+              <a:t>And here is also add a interceptor to change the theme by request.</a:t>
+            </a:r>
+          </a:p>
+          <a:p>
+            <a:pPr marL="0" indent="0">
+              <a:buNone/>
+            </a:pPr>
+            <a:r>
+              <a:rPr lang="en-US" dirty="0" smtClean="0"/>
+              <a:t>Before each configuration, there is a comment that will tell you what is the use of this configuration.</a:t>
+            </a:r>
+          </a:p>
+          <a:p>
+            <a:pPr marL="0" indent="0">
+              <a:buNone/>
+            </a:pPr>
+            <a:r>
+              <a:rPr lang="en-US" dirty="0" smtClean="0"/>
+              <a:t>The property file can contain the CSS, the JS, and the image you want to use, etc.</a:t>
+            </a:r>
+          </a:p>
+          <a:p>
+            <a:endParaRPr lang="en-US" dirty="0" smtClean="0"/>
+          </a:p>
+        </p:txBody>
+      </p:sp>
+      <p:pic>
+        <p:nvPicPr>
+          <p:cNvPr id="5" name="内容占位符 4"/>
+          <p:cNvPicPr>
+            <a:picLocks noGrp="1" noChangeAspect="1"/>
+          </p:cNvPicPr>
+          <p:nvPr>
+            <p:ph idx="4294967295"/>
+          </p:nvPr>
+        </p:nvPicPr>
+        <p:blipFill>
+          <a:blip r:embed="rId2"/>
+          <a:stretch>
+            <a:fillRect/>
+          </a:stretch>
+        </p:blipFill>
+        <p:spPr>
+          <a:xfrm>
+            <a:off x="3575049" y="993180"/>
+            <a:ext cx="5111750" cy="3684587"/>
+          </a:xfrm>
+          <a:prstGeom prst="rect">
+            <a:avLst/>
+          </a:prstGeom>
+        </p:spPr>
+      </p:pic>
+      <p:pic>
+        <p:nvPicPr>
+          <p:cNvPr id="6" name="图片 5"/>
+          <p:cNvPicPr>
+            <a:picLocks noChangeAspect="1"/>
+          </p:cNvPicPr>
+          <p:nvPr/>
+        </p:nvPicPr>
+        <p:blipFill>
+          <a:blip r:embed="rId3"/>
+          <a:stretch>
+            <a:fillRect/>
+          </a:stretch>
+        </p:blipFill>
+        <p:spPr>
+          <a:xfrm>
+            <a:off x="3575049" y="1419622"/>
+            <a:ext cx="4791075" cy="1019175"/>
+          </a:xfrm>
+          <a:prstGeom prst="rect">
+            <a:avLst/>
+          </a:prstGeom>
+        </p:spPr>
+      </p:pic>
+      <p:pic>
+        <p:nvPicPr>
+          <p:cNvPr id="7" name="图片 6"/>
+          <p:cNvPicPr>
+            <a:picLocks noChangeAspect="1"/>
+          </p:cNvPicPr>
+          <p:nvPr/>
+        </p:nvPicPr>
+        <p:blipFill>
+          <a:blip r:embed="rId4"/>
+          <a:stretch>
+            <a:fillRect/>
+          </a:stretch>
+        </p:blipFill>
+        <p:spPr>
+          <a:xfrm>
+            <a:off x="3594724" y="2587055"/>
+            <a:ext cx="4019550" cy="752475"/>
+          </a:xfrm>
+          <a:prstGeom prst="rect">
+            <a:avLst/>
+          </a:prstGeom>
+        </p:spPr>
+      </p:pic>
+    </p:spTree>
+    <p:extLst>
+      <p:ext uri="{BB962C8B-B14F-4D97-AF65-F5344CB8AC3E}">
+        <p14:creationId xmlns:p14="http://schemas.microsoft.com/office/powerpoint/2010/main" val="2637169492"/>
+      </p:ext>
+    </p:extLst>
+  </p:cSld>
+  <p:clrMapOvr>
+    <a:masterClrMapping/>
+  </p:clrMapOvr>
+  <mc:AlternateContent xmlns:mc="http://schemas.openxmlformats.org/markup-compatibility/2006">
+    <mc:Choice xmlns:p15="http://schemas.microsoft.com/office/powerpoint/2012/main" Requires="p15">
+      <p:transition xmlns:p14="http://schemas.microsoft.com/office/powerpoint/2010/main" spd="slow" p14:dur="2000" advTm="20000">
+        <p15:prstTrans prst="drape"/>
+      </p:transition>
+    </mc:Choice>
+    <mc:Fallback>
+      <p:transition spd="slow" advTm="20000">
+        <p:fade/>
+      </p:transition>
+    </mc:Fallback>
+  </mc:AlternateContent>
+  <p:timing>
+    <p:tnLst>
+      <p:par>
+        <p:cTn id="1" dur="indefinite" restart="never" nodeType="tmRoot">
+          <p:childTnLst>
+            <p:seq concurrent="1" nextAc="seek">
+              <p:cTn id="2" dur="indefinite" nodeType="mainSeq">
+                <p:childTnLst>
+                  <p:par>
+                    <p:cTn id="3" fill="hold">
+                      <p:stCondLst>
+                        <p:cond delay="indefinite"/>
+                        <p:cond evt="onBegin" delay="0">
+                          <p:tn val="2"/>
+                        </p:cond>
+                      </p:stCondLst>
+                      <p:childTnLst>
+                        <p:par>
+                          <p:cTn id="4" fill="hold">
+                            <p:stCondLst>
+                              <p:cond delay="0"/>
+                            </p:stCondLst>
+                            <p:childTnLst>
+                              <p:par>
+                                <p:cTn id="5" presetID="22" presetClass="entr" presetSubtype="8" fill="hold" grpId="0" nodeType="afterEffect">
+                                  <p:stCondLst>
+                                    <p:cond delay="0"/>
+                                  </p:stCondLst>
+                                  <p:childTnLst>
+                                    <p:set>
+                                      <p:cBhvr>
+                                        <p:cTn id="6" dur="1" fill="hold">
+                                          <p:stCondLst>
+                                            <p:cond delay="0"/>
+                                          </p:stCondLst>
+                                        </p:cTn>
+                                        <p:tgtEl>
+                                          <p:spTgt spid="2"/>
+                                        </p:tgtEl>
+                                        <p:attrNameLst>
+                                          <p:attrName>style.visibility</p:attrName>
+                                        </p:attrNameLst>
+                                      </p:cBhvr>
+                                      <p:to>
+                                        <p:strVal val="visible"/>
+                                      </p:to>
+                                    </p:set>
+                                    <p:animEffect transition="in" filter="wipe(left)">
+                                      <p:cBhvr>
+                                        <p:cTn id="7" dur="500"/>
+                                        <p:tgtEl>
+                                          <p:spTgt spid="2"/>
+                                        </p:tgtEl>
+                                      </p:cBhvr>
+                                    </p:animEffect>
+                                  </p:childTnLst>
+                                </p:cTn>
+                              </p:par>
+                            </p:childTnLst>
+                          </p:cTn>
+                        </p:par>
+                        <p:par>
+                          <p:cTn id="8" fill="hold">
+                            <p:stCondLst>
+                              <p:cond delay="500"/>
+                            </p:stCondLst>
+                            <p:childTnLst>
+                              <p:par>
+                                <p:cTn id="9" presetID="22" presetClass="entr" presetSubtype="8" fill="hold" grpId="0" nodeType="afterEffect">
+                                  <p:stCondLst>
+                                    <p:cond delay="0"/>
+                                  </p:stCondLst>
+                                  <p:childTnLst>
+                                    <p:set>
+                                      <p:cBhvr>
+                                        <p:cTn id="10" dur="1" fill="hold">
+                                          <p:stCondLst>
+                                            <p:cond delay="0"/>
+                                          </p:stCondLst>
+                                        </p:cTn>
+                                        <p:tgtEl>
+                                          <p:spTgt spid="4">
+                                            <p:txEl>
+                                              <p:pRg st="0" end="0"/>
+                                            </p:txEl>
+                                          </p:spTgt>
+                                        </p:tgtEl>
+                                        <p:attrNameLst>
+                                          <p:attrName>style.visibility</p:attrName>
+                                        </p:attrNameLst>
+                                      </p:cBhvr>
+                                      <p:to>
+                                        <p:strVal val="visible"/>
+                                      </p:to>
+                                    </p:set>
+                                    <p:animEffect transition="in" filter="wipe(left)">
+                                      <p:cBhvr>
+                                        <p:cTn id="11" dur="500"/>
+                                        <p:tgtEl>
+                                          <p:spTgt spid="4">
+                                            <p:txEl>
+                                              <p:pRg st="0" end="0"/>
+                                            </p:txEl>
+                                          </p:spTgt>
+                                        </p:tgtEl>
+                                      </p:cBhvr>
+                                    </p:animEffect>
+                                  </p:childTnLst>
+                                </p:cTn>
+                              </p:par>
+                            </p:childTnLst>
+                          </p:cTn>
+                        </p:par>
+                        <p:par>
+                          <p:cTn id="12" fill="hold">
+                            <p:stCondLst>
+                              <p:cond delay="1000"/>
+                            </p:stCondLst>
+                            <p:childTnLst>
+                              <p:par>
+                                <p:cTn id="13" presetID="22" presetClass="entr" presetSubtype="8" fill="hold" grpId="0" nodeType="afterEffect">
+                                  <p:stCondLst>
+                                    <p:cond delay="0"/>
+                                  </p:stCondLst>
+                                  <p:childTnLst>
+                                    <p:set>
+                                      <p:cBhvr>
+                                        <p:cTn id="14" dur="1" fill="hold">
+                                          <p:stCondLst>
+                                            <p:cond delay="0"/>
+                                          </p:stCondLst>
+                                        </p:cTn>
+                                        <p:tgtEl>
+                                          <p:spTgt spid="4">
+                                            <p:txEl>
+                                              <p:pRg st="1" end="1"/>
+                                            </p:txEl>
+                                          </p:spTgt>
+                                        </p:tgtEl>
+                                        <p:attrNameLst>
+                                          <p:attrName>style.visibility</p:attrName>
+                                        </p:attrNameLst>
+                                      </p:cBhvr>
+                                      <p:to>
+                                        <p:strVal val="visible"/>
+                                      </p:to>
+                                    </p:set>
+                                    <p:animEffect transition="in" filter="wipe(left)">
+                                      <p:cBhvr>
+                                        <p:cTn id="15" dur="500"/>
+                                        <p:tgtEl>
+                                          <p:spTgt spid="4">
+                                            <p:txEl>
+                                              <p:pRg st="1" end="1"/>
+                                            </p:txEl>
+                                          </p:spTgt>
+                                        </p:tgtEl>
+                                      </p:cBhvr>
+                                    </p:animEffect>
+                                  </p:childTnLst>
+                                </p:cTn>
+                              </p:par>
+                            </p:childTnLst>
+                          </p:cTn>
+                        </p:par>
+                        <p:par>
+                          <p:cTn id="16" fill="hold">
+                            <p:stCondLst>
+                              <p:cond delay="1500"/>
+                            </p:stCondLst>
+                            <p:childTnLst>
+                              <p:par>
+                                <p:cTn id="17" presetID="22" presetClass="entr" presetSubtype="8" fill="hold" grpId="0" nodeType="afterEffect">
+                                  <p:stCondLst>
+                                    <p:cond delay="0"/>
+                                  </p:stCondLst>
+                                  <p:childTnLst>
+                                    <p:set>
+                                      <p:cBhvr>
+                                        <p:cTn id="18" dur="1" fill="hold">
+                                          <p:stCondLst>
+                                            <p:cond delay="0"/>
+                                          </p:stCondLst>
+                                        </p:cTn>
+                                        <p:tgtEl>
+                                          <p:spTgt spid="4">
+                                            <p:txEl>
+                                              <p:pRg st="2" end="2"/>
+                                            </p:txEl>
+                                          </p:spTgt>
+                                        </p:tgtEl>
+                                        <p:attrNameLst>
+                                          <p:attrName>style.visibility</p:attrName>
+                                        </p:attrNameLst>
+                                      </p:cBhvr>
+                                      <p:to>
+                                        <p:strVal val="visible"/>
+                                      </p:to>
+                                    </p:set>
+                                    <p:animEffect transition="in" filter="wipe(left)">
+                                      <p:cBhvr>
+                                        <p:cTn id="19" dur="500"/>
+                                        <p:tgtEl>
+                                          <p:spTgt spid="4">
+                                            <p:txEl>
+                                              <p:pRg st="2" end="2"/>
+                                            </p:txEl>
+                                          </p:spTgt>
+                                        </p:tgtEl>
+                                      </p:cBhvr>
+                                    </p:animEffect>
+                                  </p:childTnLst>
+                                </p:cTn>
+                              </p:par>
+                            </p:childTnLst>
+                          </p:cTn>
+                        </p:par>
+                        <p:par>
+                          <p:cTn id="20" fill="hold">
+                            <p:stCondLst>
+                              <p:cond delay="2000"/>
+                            </p:stCondLst>
+                            <p:childTnLst>
+                              <p:par>
+                                <p:cTn id="21" presetID="22" presetClass="entr" presetSubtype="8" fill="hold" grpId="0" nodeType="afterEffect">
+                                  <p:stCondLst>
+                                    <p:cond delay="0"/>
+                                  </p:stCondLst>
+                                  <p:childTnLst>
+                                    <p:set>
+                                      <p:cBhvr>
+                                        <p:cTn id="22" dur="1" fill="hold">
+                                          <p:stCondLst>
+                                            <p:cond delay="0"/>
+                                          </p:stCondLst>
+                                        </p:cTn>
+                                        <p:tgtEl>
+                                          <p:spTgt spid="4">
+                                            <p:txEl>
+                                              <p:pRg st="3" end="3"/>
+                                            </p:txEl>
+                                          </p:spTgt>
+                                        </p:tgtEl>
+                                        <p:attrNameLst>
+                                          <p:attrName>style.visibility</p:attrName>
+                                        </p:attrNameLst>
+                                      </p:cBhvr>
+                                      <p:to>
+                                        <p:strVal val="visible"/>
+                                      </p:to>
+                                    </p:set>
+                                    <p:animEffect transition="in" filter="wipe(left)">
+                                      <p:cBhvr>
+                                        <p:cTn id="23" dur="500"/>
+                                        <p:tgtEl>
+                                          <p:spTgt spid="4">
+                                            <p:txEl>
+                                              <p:pRg st="3" end="3"/>
+                                            </p:txEl>
+                                          </p:spTgt>
+                                        </p:tgtEl>
+                                      </p:cBhvr>
+                                    </p:animEffect>
+                                  </p:childTnLst>
+                                </p:cTn>
+                              </p:par>
+                              <p:par>
+                                <p:cTn id="24" presetID="22" presetClass="entr" presetSubtype="8" fill="hold" nodeType="withEffect">
+                                  <p:stCondLst>
+                                    <p:cond delay="0"/>
+                                  </p:stCondLst>
+                                  <p:childTnLst>
+                                    <p:set>
+                                      <p:cBhvr>
+                                        <p:cTn id="25" dur="1" fill="hold">
+                                          <p:stCondLst>
+                                            <p:cond delay="0"/>
+                                          </p:stCondLst>
+                                        </p:cTn>
+                                        <p:tgtEl>
+                                          <p:spTgt spid="5"/>
+                                        </p:tgtEl>
+                                        <p:attrNameLst>
+                                          <p:attrName>style.visibility</p:attrName>
+                                        </p:attrNameLst>
+                                      </p:cBhvr>
+                                      <p:to>
+                                        <p:strVal val="visible"/>
+                                      </p:to>
+                                    </p:set>
+                                    <p:animEffect transition="in" filter="wipe(left)">
+                                      <p:cBhvr>
+                                        <p:cTn id="26" dur="500"/>
+                                        <p:tgtEl>
+                                          <p:spTgt spid="5"/>
+                                        </p:tgtEl>
+                                      </p:cBhvr>
+                                    </p:animEffect>
+                                  </p:childTnLst>
+                                </p:cTn>
+                              </p:par>
+                            </p:childTnLst>
+                          </p:cTn>
+                        </p:par>
+                      </p:childTnLst>
+                    </p:cTn>
+                  </p:par>
+                  <p:par>
+                    <p:cTn id="27" fill="hold">
+                      <p:stCondLst>
+                        <p:cond delay="indefinite"/>
+                      </p:stCondLst>
+                      <p:childTnLst>
+                        <p:par>
+                          <p:cTn id="28" fill="hold">
+                            <p:stCondLst>
+                              <p:cond delay="0"/>
+                            </p:stCondLst>
+                            <p:childTnLst>
+                              <p:par>
+                                <p:cTn id="29" presetID="53" presetClass="exit" presetSubtype="32" fill="hold" nodeType="clickEffect">
+                                  <p:stCondLst>
+                                    <p:cond delay="0"/>
+                                  </p:stCondLst>
+                                  <p:childTnLst>
+                                    <p:anim calcmode="lin" valueType="num">
+                                      <p:cBhvr>
+                                        <p:cTn id="30" dur="500"/>
+                                        <p:tgtEl>
+                                          <p:spTgt spid="5"/>
+                                        </p:tgtEl>
+                                        <p:attrNameLst>
+                                          <p:attrName>ppt_w</p:attrName>
+                                        </p:attrNameLst>
+                                      </p:cBhvr>
+                                      <p:tavLst>
+                                        <p:tav tm="0">
+                                          <p:val>
+                                            <p:strVal val="ppt_w"/>
+                                          </p:val>
+                                        </p:tav>
+                                        <p:tav tm="100000">
+                                          <p:val>
+                                            <p:fltVal val="0"/>
+                                          </p:val>
+                                        </p:tav>
+                                      </p:tavLst>
+                                    </p:anim>
+                                    <p:anim calcmode="lin" valueType="num">
+                                      <p:cBhvr>
+                                        <p:cTn id="31" dur="500"/>
+                                        <p:tgtEl>
+                                          <p:spTgt spid="5"/>
+                                        </p:tgtEl>
+                                        <p:attrNameLst>
+                                          <p:attrName>ppt_h</p:attrName>
+                                        </p:attrNameLst>
+                                      </p:cBhvr>
+                                      <p:tavLst>
+                                        <p:tav tm="0">
+                                          <p:val>
+                                            <p:strVal val="ppt_h"/>
+                                          </p:val>
+                                        </p:tav>
+                                        <p:tav tm="100000">
+                                          <p:val>
+                                            <p:fltVal val="0"/>
+                                          </p:val>
+                                        </p:tav>
+                                      </p:tavLst>
+                                    </p:anim>
+                                    <p:animEffect transition="out" filter="fade">
+                                      <p:cBhvr>
+                                        <p:cTn id="32" dur="500"/>
+                                        <p:tgtEl>
+                                          <p:spTgt spid="5"/>
+                                        </p:tgtEl>
+                                      </p:cBhvr>
+                                    </p:animEffect>
+                                    <p:set>
+                                      <p:cBhvr>
+                                        <p:cTn id="33" dur="1" fill="hold">
+                                          <p:stCondLst>
+                                            <p:cond delay="499"/>
+                                          </p:stCondLst>
+                                        </p:cTn>
+                                        <p:tgtEl>
+                                          <p:spTgt spid="5"/>
+                                        </p:tgtEl>
+                                        <p:attrNameLst>
+                                          <p:attrName>style.visibility</p:attrName>
+                                        </p:attrNameLst>
+                                      </p:cBhvr>
+                                      <p:to>
+                                        <p:strVal val="hidden"/>
+                                      </p:to>
+                                    </p:set>
+                                  </p:childTnLst>
+                                </p:cTn>
+                              </p:par>
+                            </p:childTnLst>
+                          </p:cTn>
+                        </p:par>
+                        <p:par>
+                          <p:cTn id="34" fill="hold">
+                            <p:stCondLst>
+                              <p:cond delay="500"/>
+                            </p:stCondLst>
+                            <p:childTnLst>
+                              <p:par>
+                                <p:cTn id="35" presetID="22" presetClass="entr" presetSubtype="8" fill="hold" nodeType="afterEffect">
+                                  <p:stCondLst>
+                                    <p:cond delay="0"/>
+                                  </p:stCondLst>
+                                  <p:childTnLst>
+                                    <p:set>
+                                      <p:cBhvr>
+                                        <p:cTn id="36" dur="1" fill="hold">
+                                          <p:stCondLst>
+                                            <p:cond delay="0"/>
+                                          </p:stCondLst>
+                                        </p:cTn>
+                                        <p:tgtEl>
+                                          <p:spTgt spid="6"/>
+                                        </p:tgtEl>
+                                        <p:attrNameLst>
+                                          <p:attrName>style.visibility</p:attrName>
+                                        </p:attrNameLst>
+                                      </p:cBhvr>
+                                      <p:to>
+                                        <p:strVal val="visible"/>
+                                      </p:to>
+                                    </p:set>
+                                    <p:animEffect transition="in" filter="wipe(left)">
+                                      <p:cBhvr>
+                                        <p:cTn id="37" dur="500"/>
+                                        <p:tgtEl>
+                                          <p:spTgt spid="6"/>
+                                        </p:tgtEl>
+                                      </p:cBhvr>
+                                    </p:animEffect>
+                                  </p:childTnLst>
+                                </p:cTn>
+                              </p:par>
+                              <p:par>
+                                <p:cTn id="38" presetID="22" presetClass="entr" presetSubtype="8" fill="hold" nodeType="withEffect">
+                                  <p:stCondLst>
+                                    <p:cond delay="0"/>
+                                  </p:stCondLst>
+                                  <p:childTnLst>
+                                    <p:set>
+                                      <p:cBhvr>
+                                        <p:cTn id="39" dur="1" fill="hold">
+                                          <p:stCondLst>
+                                            <p:cond delay="0"/>
+                                          </p:stCondLst>
+                                        </p:cTn>
+                                        <p:tgtEl>
+                                          <p:spTgt spid="7"/>
+                                        </p:tgtEl>
+                                        <p:attrNameLst>
+                                          <p:attrName>style.visibility</p:attrName>
+                                        </p:attrNameLst>
+                                      </p:cBhvr>
+                                      <p:to>
+                                        <p:strVal val="visible"/>
+                                      </p:to>
+                                    </p:set>
+                                    <p:animEffect transition="in" filter="wipe(left)">
+                                      <p:cBhvr>
+                                        <p:cTn id="40" dur="500"/>
+                                        <p:tgtEl>
+                                          <p:spTgt spid="7"/>
+                                        </p:tgtEl>
+                                      </p:cBhvr>
+                                    </p:animEffect>
+                                  </p:childTnLst>
+                                </p:cTn>
+                              </p:par>
+                            </p:childTnLst>
+                          </p:cTn>
+                        </p:par>
+                      </p:childTnLst>
+                    </p:cTn>
+                  </p:par>
+                </p:childTnLst>
+              </p:cTn>
+              <p:prevCondLst>
+                <p:cond evt="onPrev" delay="0">
+                  <p:tgtEl>
+                    <p:sldTgt/>
+                  </p:tgtEl>
+                </p:cond>
+              </p:prevCondLst>
+              <p:nextCondLst>
+                <p:cond evt="onNext" delay="0">
+                  <p:tgtEl>
+                    <p:sldTgt/>
+                  </p:tgtEl>
+                </p:cond>
+              </p:nextCondLst>
+            </p:seq>
+          </p:childTnLst>
+        </p:cTn>
+      </p:par>
+    </p:tnLst>
+    <p:bldLst>
+      <p:bldP spid="2" grpId="0"/>
+      <p:bldP spid="4" grpId="0" build="p"/>
+    </p:bldLst>
+  </p:timing>
+</p:sld>
+</file>
+
+<file path=ppt/slides/slide21.xml><?xml version="1.0" encoding="utf-8"?>
+<p:sld xmlns:a="http://schemas.openxmlformats.org/drawingml/2006/main" xmlns:r="http://schemas.openxmlformats.org/officeDocument/2006/relationships" xmlns:p="http://schemas.openxmlformats.org/presentationml/2006/main">
+  <p:cSld>
+    <p:spTree>
+      <p:nvGrpSpPr>
+        <p:cNvPr id="1" name=""/>
+        <p:cNvGrpSpPr/>
+        <p:nvPr/>
+      </p:nvGrpSpPr>
+      <p:grpSpPr>
+        <a:xfrm>
+          <a:off x="0" y="0"/>
+          <a:ext cx="0" cy="0"/>
+          <a:chOff x="0" y="0"/>
+          <a:chExt cx="0" cy="0"/>
+        </a:xfrm>
+      </p:grpSpPr>
+      <p:sp>
+        <p:nvSpPr>
+          <p:cNvPr id="2" name="标题 1"/>
+          <p:cNvSpPr>
+            <a:spLocks noGrp="1"/>
+          </p:cNvSpPr>
+          <p:nvPr>
+            <p:ph type="title"/>
+          </p:nvPr>
+        </p:nvSpPr>
+        <p:spPr/>
+        <p:txBody>
+          <a:bodyPr>
+            <a:normAutofit/>
+          </a:bodyPr>
+          <a:lstStyle/>
+          <a:p>
+            <a:r>
+              <a:rPr lang="en-US" sz="1800" dirty="0"/>
+              <a:t>Configure </a:t>
+            </a:r>
+            <a:r>
+              <a:rPr lang="en-US" sz="1800" dirty="0" smtClean="0"/>
+              <a:t>theme </a:t>
+            </a:r>
+            <a:r>
+              <a:rPr lang="en-US" sz="1800" dirty="0"/>
+              <a:t>parameter</a:t>
+            </a:r>
+          </a:p>
+        </p:txBody>
+      </p:sp>
+      <p:sp>
+        <p:nvSpPr>
+          <p:cNvPr id="4" name="文本占位符 3"/>
+          <p:cNvSpPr>
+            <a:spLocks noGrp="1"/>
+          </p:cNvSpPr>
+          <p:nvPr>
+            <p:ph type="body" sz="half" idx="4294967295"/>
+          </p:nvPr>
+        </p:nvSpPr>
+        <p:spPr>
+          <a:xfrm>
+            <a:off x="539552" y="1006475"/>
+            <a:ext cx="3008313" cy="3517900"/>
+          </a:xfrm>
+        </p:spPr>
+        <p:txBody>
+          <a:bodyPr>
+            <a:normAutofit fontScale="70000" lnSpcReduction="20000"/>
+          </a:bodyPr>
+          <a:lstStyle/>
+          <a:p>
+            <a:pPr marL="0" indent="0">
+              <a:buNone/>
+            </a:pPr>
+            <a:r>
+              <a:rPr lang="en-US" dirty="0"/>
+              <a:t>We </a:t>
+            </a:r>
+            <a:r>
+              <a:rPr lang="en-US" dirty="0" smtClean="0"/>
+              <a:t>need to import </a:t>
+            </a:r>
+            <a:r>
+              <a:rPr lang="en-US" dirty="0"/>
+              <a:t>the spring markup</a:t>
+            </a:r>
+          </a:p>
+          <a:p>
+            <a:pPr marL="0" indent="0">
+              <a:buNone/>
+            </a:pPr>
+            <a:r>
+              <a:rPr lang="en-US" dirty="0"/>
+              <a:t>And then we use “&lt;spring: </a:t>
+            </a:r>
+            <a:r>
+              <a:rPr lang="en-US" dirty="0" smtClean="0"/>
+              <a:t>theme </a:t>
+            </a:r>
+            <a:r>
+              <a:rPr lang="en-US" dirty="0"/>
+              <a:t>code = “your language code from property file ”&gt;&lt;/spring: theme </a:t>
+            </a:r>
+            <a:r>
+              <a:rPr lang="en-US" dirty="0" smtClean="0"/>
+              <a:t>&gt;” </a:t>
+            </a:r>
+            <a:r>
+              <a:rPr lang="en-US" dirty="0"/>
+              <a:t>to implement the </a:t>
+            </a:r>
+            <a:r>
+              <a:rPr lang="en-US" dirty="0" smtClean="0"/>
+              <a:t>theme function.</a:t>
+            </a:r>
+          </a:p>
+          <a:p>
+            <a:pPr marL="0" indent="0">
+              <a:buNone/>
+            </a:pPr>
+            <a:r>
+              <a:rPr lang="en-US" dirty="0"/>
+              <a:t>please kindly </a:t>
+            </a:r>
+            <a:r>
+              <a:rPr lang="en-US" dirty="0" smtClean="0"/>
+              <a:t>note that here we use theme code, not message code.</a:t>
+            </a:r>
+            <a:endParaRPr lang="en-US" dirty="0"/>
+          </a:p>
+        </p:txBody>
+      </p:sp>
+      <p:pic>
+        <p:nvPicPr>
+          <p:cNvPr id="9" name="内容占位符 8"/>
+          <p:cNvPicPr>
+            <a:picLocks noGrp="1" noChangeAspect="1"/>
+          </p:cNvPicPr>
+          <p:nvPr>
+            <p:ph idx="4294967295"/>
+          </p:nvPr>
+        </p:nvPicPr>
+        <p:blipFill>
+          <a:blip r:embed="rId2"/>
+          <a:stretch>
+            <a:fillRect/>
+          </a:stretch>
+        </p:blipFill>
+        <p:spPr>
+          <a:xfrm>
+            <a:off x="3547865" y="1028939"/>
+            <a:ext cx="5111750" cy="2786063"/>
+          </a:xfrm>
+          <a:prstGeom prst="rect">
+            <a:avLst/>
+          </a:prstGeom>
+        </p:spPr>
+      </p:pic>
+    </p:spTree>
+    <p:extLst>
+      <p:ext uri="{BB962C8B-B14F-4D97-AF65-F5344CB8AC3E}">
+        <p14:creationId xmlns:p14="http://schemas.microsoft.com/office/powerpoint/2010/main" val="3982935675"/>
+      </p:ext>
+    </p:extLst>
+  </p:cSld>
+  <p:clrMapOvr>
+    <a:masterClrMapping/>
+  </p:clrMapOvr>
+  <mc:AlternateContent xmlns:mc="http://schemas.openxmlformats.org/markup-compatibility/2006">
+    <mc:Choice xmlns:p15="http://schemas.microsoft.com/office/powerpoint/2012/main" Requires="p15">
+      <p:transition xmlns:p14="http://schemas.microsoft.com/office/powerpoint/2010/main" spd="slow" p14:dur="6000" advTm="20000">
+        <p15:prstTrans prst="curtains"/>
+      </p:transition>
+    </mc:Choice>
+    <mc:Fallback>
+      <p:transition spd="slow" advTm="20000">
+        <p:fade/>
+      </p:transition>
+    </mc:Fallback>
+  </mc:AlternateContent>
+  <p:timing>
+    <p:tnLst>
+      <p:par>
+        <p:cTn id="1" dur="indefinite" restart="never" nodeType="tmRoot">
+          <p:childTnLst>
+            <p:seq concurrent="1" nextAc="seek">
+              <p:cTn id="2" dur="indefinite" nodeType="mainSeq">
+                <p:childTnLst>
+                  <p:par>
+                    <p:cTn id="3" fill="hold">
+                      <p:stCondLst>
+                        <p:cond delay="indefinite"/>
+                        <p:cond evt="onBegin" delay="0">
+                          <p:tn val="2"/>
+                        </p:cond>
+                      </p:stCondLst>
+                      <p:childTnLst>
+                        <p:par>
+                          <p:cTn id="4" fill="hold">
+                            <p:stCondLst>
+                              <p:cond delay="0"/>
+                            </p:stCondLst>
+                            <p:childTnLst>
+                              <p:par>
+                                <p:cTn id="5" presetID="22" presetClass="entr" presetSubtype="8" fill="hold" grpId="0" nodeType="afterEffect">
+                                  <p:stCondLst>
+                                    <p:cond delay="0"/>
+                                  </p:stCondLst>
+                                  <p:childTnLst>
+                                    <p:set>
+                                      <p:cBhvr>
+                                        <p:cTn id="6" dur="1" fill="hold">
+                                          <p:stCondLst>
+                                            <p:cond delay="0"/>
+                                          </p:stCondLst>
+                                        </p:cTn>
+                                        <p:tgtEl>
+                                          <p:spTgt spid="2"/>
+                                        </p:tgtEl>
+                                        <p:attrNameLst>
+                                          <p:attrName>style.visibility</p:attrName>
+                                        </p:attrNameLst>
+                                      </p:cBhvr>
+                                      <p:to>
+                                        <p:strVal val="visible"/>
+                                      </p:to>
+                                    </p:set>
+                                    <p:animEffect transition="in" filter="wipe(left)">
+                                      <p:cBhvr>
+                                        <p:cTn id="7" dur="500"/>
+                                        <p:tgtEl>
+                                          <p:spTgt spid="2"/>
+                                        </p:tgtEl>
+                                      </p:cBhvr>
+                                    </p:animEffect>
+                                  </p:childTnLst>
+                                </p:cTn>
+                              </p:par>
+                            </p:childTnLst>
+                          </p:cTn>
+                        </p:par>
+                        <p:par>
+                          <p:cTn id="8" fill="hold">
+                            <p:stCondLst>
+                              <p:cond delay="500"/>
+                            </p:stCondLst>
+                            <p:childTnLst>
+                              <p:par>
+                                <p:cTn id="9" presetID="22" presetClass="entr" presetSubtype="8" fill="hold" grpId="0" nodeType="afterEffect">
+                                  <p:stCondLst>
+                                    <p:cond delay="0"/>
+                                  </p:stCondLst>
+                                  <p:childTnLst>
+                                    <p:set>
+                                      <p:cBhvr>
+                                        <p:cTn id="10" dur="1" fill="hold">
+                                          <p:stCondLst>
+                                            <p:cond delay="0"/>
+                                          </p:stCondLst>
+                                        </p:cTn>
+                                        <p:tgtEl>
+                                          <p:spTgt spid="4">
+                                            <p:txEl>
+                                              <p:pRg st="0" end="0"/>
+                                            </p:txEl>
+                                          </p:spTgt>
+                                        </p:tgtEl>
+                                        <p:attrNameLst>
+                                          <p:attrName>style.visibility</p:attrName>
+                                        </p:attrNameLst>
+                                      </p:cBhvr>
+                                      <p:to>
+                                        <p:strVal val="visible"/>
+                                      </p:to>
+                                    </p:set>
+                                    <p:animEffect transition="in" filter="wipe(left)">
+                                      <p:cBhvr>
+                                        <p:cTn id="11" dur="500"/>
+                                        <p:tgtEl>
+                                          <p:spTgt spid="4">
+                                            <p:txEl>
+                                              <p:pRg st="0" end="0"/>
+                                            </p:txEl>
+                                          </p:spTgt>
+                                        </p:tgtEl>
+                                      </p:cBhvr>
+                                    </p:animEffect>
+                                  </p:childTnLst>
+                                </p:cTn>
+                              </p:par>
+                            </p:childTnLst>
+                          </p:cTn>
+                        </p:par>
+                        <p:par>
+                          <p:cTn id="12" fill="hold">
+                            <p:stCondLst>
+                              <p:cond delay="1000"/>
+                            </p:stCondLst>
+                            <p:childTnLst>
+                              <p:par>
+                                <p:cTn id="13" presetID="22" presetClass="entr" presetSubtype="8" fill="hold" grpId="0" nodeType="afterEffect">
+                                  <p:stCondLst>
+                                    <p:cond delay="0"/>
+                                  </p:stCondLst>
+                                  <p:childTnLst>
+                                    <p:set>
+                                      <p:cBhvr>
+                                        <p:cTn id="14" dur="1" fill="hold">
+                                          <p:stCondLst>
+                                            <p:cond delay="0"/>
+                                          </p:stCondLst>
+                                        </p:cTn>
+                                        <p:tgtEl>
+                                          <p:spTgt spid="4">
+                                            <p:txEl>
+                                              <p:pRg st="1" end="1"/>
+                                            </p:txEl>
+                                          </p:spTgt>
+                                        </p:tgtEl>
+                                        <p:attrNameLst>
+                                          <p:attrName>style.visibility</p:attrName>
+                                        </p:attrNameLst>
+                                      </p:cBhvr>
+                                      <p:to>
+                                        <p:strVal val="visible"/>
+                                      </p:to>
+                                    </p:set>
+                                    <p:animEffect transition="in" filter="wipe(left)">
+                                      <p:cBhvr>
+                                        <p:cTn id="15" dur="500"/>
+                                        <p:tgtEl>
+                                          <p:spTgt spid="4">
+                                            <p:txEl>
+                                              <p:pRg st="1" end="1"/>
+                                            </p:txEl>
+                                          </p:spTgt>
+                                        </p:tgtEl>
+                                      </p:cBhvr>
+                                    </p:animEffect>
+                                  </p:childTnLst>
+                                </p:cTn>
+                              </p:par>
+                            </p:childTnLst>
+                          </p:cTn>
+                        </p:par>
+                        <p:par>
+                          <p:cTn id="16" fill="hold">
+                            <p:stCondLst>
+                              <p:cond delay="1500"/>
+                            </p:stCondLst>
+                            <p:childTnLst>
+                              <p:par>
+                                <p:cTn id="17" presetID="22" presetClass="entr" presetSubtype="8" fill="hold" grpId="0" nodeType="afterEffect">
+                                  <p:stCondLst>
+                                    <p:cond delay="0"/>
+                                  </p:stCondLst>
+                                  <p:childTnLst>
+                                    <p:set>
+                                      <p:cBhvr>
+                                        <p:cTn id="18" dur="1" fill="hold">
+                                          <p:stCondLst>
+                                            <p:cond delay="0"/>
+                                          </p:stCondLst>
+                                        </p:cTn>
+                                        <p:tgtEl>
+                                          <p:spTgt spid="4">
+                                            <p:txEl>
+                                              <p:pRg st="2" end="2"/>
+                                            </p:txEl>
+                                          </p:spTgt>
+                                        </p:tgtEl>
+                                        <p:attrNameLst>
+                                          <p:attrName>style.visibility</p:attrName>
+                                        </p:attrNameLst>
+                                      </p:cBhvr>
+                                      <p:to>
+                                        <p:strVal val="visible"/>
+                                      </p:to>
+                                    </p:set>
+                                    <p:animEffect transition="in" filter="wipe(left)">
+                                      <p:cBhvr>
+                                        <p:cTn id="19" dur="500"/>
+                                        <p:tgtEl>
+                                          <p:spTgt spid="4">
+                                            <p:txEl>
+                                              <p:pRg st="2" end="2"/>
+                                            </p:txEl>
+                                          </p:spTgt>
+                                        </p:tgtEl>
+                                      </p:cBhvr>
+                                    </p:animEffect>
+                                  </p:childTnLst>
+                                </p:cTn>
+                              </p:par>
+                            </p:childTnLst>
+                          </p:cTn>
+                        </p:par>
+                        <p:par>
+                          <p:cTn id="20" fill="hold">
+                            <p:stCondLst>
+                              <p:cond delay="2000"/>
+                            </p:stCondLst>
+                            <p:childTnLst>
+                              <p:par>
+                                <p:cTn id="21" presetID="22" presetClass="entr" presetSubtype="8" fill="hold" nodeType="afterEffect">
+                                  <p:stCondLst>
+                                    <p:cond delay="0"/>
+                                  </p:stCondLst>
+                                  <p:childTnLst>
+                                    <p:set>
+                                      <p:cBhvr>
+                                        <p:cTn id="22" dur="1" fill="hold">
+                                          <p:stCondLst>
+                                            <p:cond delay="0"/>
+                                          </p:stCondLst>
+                                        </p:cTn>
+                                        <p:tgtEl>
+                                          <p:spTgt spid="9"/>
+                                        </p:tgtEl>
+                                        <p:attrNameLst>
+                                          <p:attrName>style.visibility</p:attrName>
+                                        </p:attrNameLst>
+                                      </p:cBhvr>
+                                      <p:to>
+                                        <p:strVal val="visible"/>
+                                      </p:to>
+                                    </p:set>
+                                    <p:animEffect transition="in" filter="wipe(left)">
+                                      <p:cBhvr>
+                                        <p:cTn id="23" dur="500"/>
+                                        <p:tgtEl>
+                                          <p:spTgt spid="9"/>
+                                        </p:tgtEl>
+                                      </p:cBhvr>
+                                    </p:animEffect>
+                                  </p:childTnLst>
+                                </p:cTn>
+                              </p:par>
+                            </p:childTnLst>
+                          </p:cTn>
+                        </p:par>
+                      </p:childTnLst>
+                    </p:cTn>
+                  </p:par>
+                </p:childTnLst>
+              </p:cTn>
+              <p:prevCondLst>
+                <p:cond evt="onPrev" delay="0">
+                  <p:tgtEl>
+                    <p:sldTgt/>
+                  </p:tgtEl>
+                </p:cond>
+              </p:prevCondLst>
+              <p:nextCondLst>
+                <p:cond evt="onNext" delay="0">
+                  <p:tgtEl>
+                    <p:sldTgt/>
+                  </p:tgtEl>
+                </p:cond>
+              </p:nextCondLst>
+            </p:seq>
+          </p:childTnLst>
+        </p:cTn>
+      </p:par>
+    </p:tnLst>
+    <p:bldLst>
+      <p:bldP spid="2" grpId="0"/>
+      <p:bldP spid="4" grpId="0" build="p"/>
+    </p:bldLst>
+  </p:timing>
+</p:sld>
+</file>
+
+<file path=ppt/slides/slide22.xml><?xml version="1.0" encoding="utf-8"?>
+<p:sld xmlns:a="http://schemas.openxmlformats.org/drawingml/2006/main" xmlns:r="http://schemas.openxmlformats.org/officeDocument/2006/relationships" xmlns:p="http://schemas.openxmlformats.org/presentationml/2006/main">
+  <p:cSld>
+    <p:spTree>
+      <p:nvGrpSpPr>
+        <p:cNvPr id="1" name=""/>
+        <p:cNvGrpSpPr/>
+        <p:nvPr/>
+      </p:nvGrpSpPr>
+      <p:grpSpPr>
+        <a:xfrm>
+          <a:off x="0" y="0"/>
+          <a:ext cx="0" cy="0"/>
+          <a:chOff x="0" y="0"/>
+          <a:chExt cx="0" cy="0"/>
+        </a:xfrm>
+      </p:grpSpPr>
+      <p:sp>
+        <p:nvSpPr>
+          <p:cNvPr id="6" name="标题 5"/>
+          <p:cNvSpPr>
+            <a:spLocks noGrp="1"/>
+          </p:cNvSpPr>
+          <p:nvPr>
+            <p:ph type="title"/>
+          </p:nvPr>
+        </p:nvSpPr>
+        <p:spPr/>
+        <p:txBody>
+          <a:bodyPr>
+            <a:noAutofit/>
+          </a:bodyPr>
+          <a:lstStyle/>
+          <a:p>
+            <a:r>
+              <a:rPr lang="en-US" altLang="zh-CN" sz="1800" b="1" dirty="0"/>
+              <a:t>The </a:t>
+            </a:r>
+            <a:r>
+              <a:rPr lang="en-US" altLang="zh-CN" sz="1800" b="1" dirty="0" smtClean="0"/>
+              <a:t>result </a:t>
+            </a:r>
+            <a:endParaRPr lang="zh-CN" altLang="en-US" sz="1200" b="1" dirty="0"/>
+          </a:p>
+        </p:txBody>
+      </p:sp>
+      <p:sp>
+        <p:nvSpPr>
+          <p:cNvPr id="31" name="椭圆 30"/>
+          <p:cNvSpPr/>
+          <p:nvPr/>
+        </p:nvSpPr>
+        <p:spPr bwMode="auto">
+          <a:xfrm>
+            <a:off x="284575" y="757778"/>
+            <a:ext cx="687025" cy="687293"/>
+          </a:xfrm>
+          <a:prstGeom prst="ellipse">
+            <a:avLst/>
+          </a:prstGeom>
+          <a:solidFill>
+            <a:schemeClr val="accent1">
+              <a:alpha val="24000"/>
+            </a:schemeClr>
+          </a:solidFill>
+          <a:ln w="12700" cmpd="sng">
+            <a:solidFill>
+              <a:schemeClr val="accent1"/>
+            </a:solidFill>
+            <a:miter lim="800000"/>
+            <a:headEnd/>
+            <a:tailEnd/>
+          </a:ln>
+          <a:extLst/>
+        </p:spPr>
+        <p:txBody>
+          <a:bodyPr anchor="ctr"/>
+          <a:lstStyle/>
+          <a:p>
+            <a:pPr algn="ctr"/>
+            <a:endParaRPr lang="zh-CN" altLang="en-US" sz="1400">
+              <a:solidFill>
+                <a:schemeClr val="tx1">
+                  <a:lumMod val="85000"/>
+                  <a:lumOff val="15000"/>
+                </a:schemeClr>
+              </a:solidFill>
+              <a:latin typeface="+mn-ea"/>
+            </a:endParaRPr>
+          </a:p>
+        </p:txBody>
+      </p:sp>
+      <p:sp>
+        <p:nvSpPr>
+          <p:cNvPr id="32" name="椭圆 31"/>
+          <p:cNvSpPr/>
+          <p:nvPr/>
+        </p:nvSpPr>
+        <p:spPr bwMode="auto">
+          <a:xfrm>
+            <a:off x="3034654" y="731342"/>
+            <a:ext cx="719712" cy="719993"/>
+          </a:xfrm>
+          <a:prstGeom prst="ellipse">
+            <a:avLst/>
+          </a:prstGeom>
+          <a:solidFill>
+            <a:schemeClr val="accent1">
+              <a:alpha val="24000"/>
+            </a:schemeClr>
+          </a:solidFill>
+          <a:ln w="12700" cmpd="sng">
+            <a:solidFill>
+              <a:schemeClr val="accent1"/>
+            </a:solidFill>
+            <a:miter lim="800000"/>
+            <a:headEnd/>
+            <a:tailEnd/>
+          </a:ln>
+          <a:extLst/>
+        </p:spPr>
+        <p:txBody>
+          <a:bodyPr anchor="ctr"/>
+          <a:lstStyle/>
+          <a:p>
+            <a:pPr algn="ctr"/>
+            <a:endParaRPr lang="zh-CN" altLang="en-US" sz="1400">
+              <a:solidFill>
+                <a:schemeClr val="tx1">
+                  <a:lumMod val="85000"/>
+                  <a:lumOff val="15000"/>
+                </a:schemeClr>
+              </a:solidFill>
+              <a:latin typeface="+mn-ea"/>
+            </a:endParaRPr>
+          </a:p>
+        </p:txBody>
+      </p:sp>
+      <p:sp>
+        <p:nvSpPr>
+          <p:cNvPr id="33" name="椭圆 32"/>
+          <p:cNvSpPr/>
+          <p:nvPr/>
+        </p:nvSpPr>
+        <p:spPr bwMode="auto">
+          <a:xfrm>
+            <a:off x="6140793" y="725078"/>
+            <a:ext cx="719712" cy="719993"/>
+          </a:xfrm>
+          <a:prstGeom prst="ellipse">
+            <a:avLst/>
+          </a:prstGeom>
+          <a:solidFill>
+            <a:schemeClr val="accent1">
+              <a:alpha val="24000"/>
+            </a:schemeClr>
+          </a:solidFill>
+          <a:ln w="12700" cmpd="sng">
+            <a:solidFill>
+              <a:schemeClr val="accent1"/>
+            </a:solidFill>
+            <a:miter lim="800000"/>
+            <a:headEnd/>
+            <a:tailEnd/>
+          </a:ln>
+          <a:extLst/>
+        </p:spPr>
+        <p:txBody>
+          <a:bodyPr anchor="ctr"/>
+          <a:lstStyle/>
+          <a:p>
+            <a:pPr algn="ctr"/>
+            <a:endParaRPr lang="zh-CN" altLang="en-US" sz="1400">
+              <a:solidFill>
+                <a:schemeClr val="tx1">
+                  <a:lumMod val="85000"/>
+                  <a:lumOff val="15000"/>
+                </a:schemeClr>
+              </a:solidFill>
+              <a:latin typeface="+mn-ea"/>
+            </a:endParaRPr>
+          </a:p>
+        </p:txBody>
+      </p:sp>
+      <p:sp>
+        <p:nvSpPr>
+          <p:cNvPr id="34" name="TextBox 33"/>
+          <p:cNvSpPr txBox="1"/>
+          <p:nvPr/>
+        </p:nvSpPr>
+        <p:spPr>
+          <a:xfrm>
+            <a:off x="244179" y="942735"/>
+            <a:ext cx="800503" cy="238509"/>
+          </a:xfrm>
+          <a:prstGeom prst="rect">
+            <a:avLst/>
+          </a:prstGeom>
+          <a:noFill/>
+        </p:spPr>
+        <p:txBody>
+          <a:bodyPr wrap="none" lIns="68562" tIns="34281" rIns="68562" bIns="34281" rtlCol="0">
+            <a:spAutoFit/>
+          </a:bodyPr>
+          <a:lstStyle/>
+          <a:p>
+            <a:pPr algn="ctr"/>
+            <a:r>
+              <a:rPr lang="en-US" altLang="zh-CN" sz="1100" dirty="0" smtClean="0">
+                <a:solidFill>
+                  <a:schemeClr val="tx1">
+                    <a:lumMod val="85000"/>
+                    <a:lumOff val="15000"/>
+                  </a:schemeClr>
+                </a:solidFill>
+                <a:latin typeface="+mn-ea"/>
+              </a:rPr>
+              <a:t>Scenario1</a:t>
+            </a:r>
+            <a:endParaRPr lang="zh-CN" altLang="en-US" sz="1100" dirty="0">
+              <a:solidFill>
+                <a:schemeClr val="tx1">
+                  <a:lumMod val="85000"/>
+                  <a:lumOff val="15000"/>
+                </a:schemeClr>
+              </a:solidFill>
+              <a:latin typeface="+mn-ea"/>
+            </a:endParaRPr>
+          </a:p>
+        </p:txBody>
+      </p:sp>
+      <p:sp>
+        <p:nvSpPr>
+          <p:cNvPr id="35" name="TextBox 34"/>
+          <p:cNvSpPr txBox="1"/>
+          <p:nvPr/>
+        </p:nvSpPr>
+        <p:spPr>
+          <a:xfrm>
+            <a:off x="2992236" y="942735"/>
+            <a:ext cx="800503" cy="238509"/>
+          </a:xfrm>
+          <a:prstGeom prst="rect">
+            <a:avLst/>
+          </a:prstGeom>
+          <a:noFill/>
+        </p:spPr>
+        <p:txBody>
+          <a:bodyPr wrap="none" lIns="68562" tIns="34281" rIns="68562" bIns="34281" rtlCol="0">
+            <a:spAutoFit/>
+          </a:bodyPr>
+          <a:lstStyle/>
+          <a:p>
+            <a:pPr algn="ctr"/>
+            <a:r>
+              <a:rPr lang="en-US" altLang="zh-CN" sz="1100" dirty="0" smtClean="0">
+                <a:solidFill>
+                  <a:schemeClr val="tx1">
+                    <a:lumMod val="85000"/>
+                    <a:lumOff val="15000"/>
+                  </a:schemeClr>
+                </a:solidFill>
+                <a:latin typeface="+mn-ea"/>
+              </a:rPr>
+              <a:t>Scenario2</a:t>
+            </a:r>
+            <a:endParaRPr lang="zh-CN" altLang="en-US" sz="1100" dirty="0">
+              <a:solidFill>
+                <a:schemeClr val="tx1">
+                  <a:lumMod val="85000"/>
+                  <a:lumOff val="15000"/>
+                </a:schemeClr>
+              </a:solidFill>
+              <a:latin typeface="+mn-ea"/>
+            </a:endParaRPr>
+          </a:p>
+        </p:txBody>
+      </p:sp>
+      <p:sp>
+        <p:nvSpPr>
+          <p:cNvPr id="36" name="TextBox 35"/>
+          <p:cNvSpPr txBox="1"/>
+          <p:nvPr/>
+        </p:nvSpPr>
+        <p:spPr>
+          <a:xfrm>
+            <a:off x="6110958" y="924682"/>
+            <a:ext cx="800504" cy="238509"/>
+          </a:xfrm>
+          <a:prstGeom prst="rect">
+            <a:avLst/>
+          </a:prstGeom>
+          <a:noFill/>
+        </p:spPr>
+        <p:txBody>
+          <a:bodyPr wrap="none" lIns="68562" tIns="34281" rIns="68562" bIns="34281" rtlCol="0">
+            <a:spAutoFit/>
+          </a:bodyPr>
+          <a:lstStyle/>
+          <a:p>
+            <a:pPr algn="ctr"/>
+            <a:r>
+              <a:rPr lang="en-US" altLang="zh-CN" sz="1100" dirty="0" smtClean="0">
+                <a:solidFill>
+                  <a:schemeClr val="tx1">
+                    <a:lumMod val="85000"/>
+                    <a:lumOff val="15000"/>
+                  </a:schemeClr>
+                </a:solidFill>
+                <a:latin typeface="+mn-ea"/>
+              </a:rPr>
+              <a:t>Scenario3</a:t>
+            </a:r>
+            <a:endParaRPr lang="zh-CN" altLang="en-US" sz="1100" dirty="0">
+              <a:solidFill>
+                <a:schemeClr val="tx1">
+                  <a:lumMod val="85000"/>
+                  <a:lumOff val="15000"/>
+                </a:schemeClr>
+              </a:solidFill>
+              <a:latin typeface="+mn-ea"/>
+            </a:endParaRPr>
+          </a:p>
+        </p:txBody>
+      </p:sp>
+      <p:sp>
+        <p:nvSpPr>
+          <p:cNvPr id="37" name="TextBox 36"/>
+          <p:cNvSpPr txBox="1"/>
+          <p:nvPr/>
+        </p:nvSpPr>
+        <p:spPr>
+          <a:xfrm>
+            <a:off x="790196" y="1618188"/>
+            <a:ext cx="1943457" cy="729412"/>
+          </a:xfrm>
+          <a:prstGeom prst="rect">
+            <a:avLst/>
+          </a:prstGeom>
+          <a:noFill/>
+        </p:spPr>
+        <p:txBody>
+          <a:bodyPr wrap="square" lIns="68562" tIns="34281" rIns="68562" bIns="34281" rtlCol="0">
+            <a:spAutoFit/>
+          </a:bodyPr>
+          <a:lstStyle/>
+          <a:p>
+            <a:pPr>
+              <a:lnSpc>
+                <a:spcPct val="130000"/>
+              </a:lnSpc>
+            </a:pPr>
+            <a:r>
+              <a:rPr lang="en-US" altLang="zh-CN" sz="1100" dirty="0" smtClean="0">
+                <a:solidFill>
+                  <a:sysClr val="windowText" lastClr="000000"/>
+                </a:solidFill>
+                <a:latin typeface="微软雅黑" pitchFamily="34" charset="-122"/>
+                <a:ea typeface="微软雅黑" pitchFamily="34" charset="-122"/>
+              </a:rPr>
+              <a:t>First, we use the default theme, and default language.</a:t>
+            </a:r>
+          </a:p>
+        </p:txBody>
+      </p:sp>
+      <p:sp>
+        <p:nvSpPr>
+          <p:cNvPr id="38" name="TextBox 37"/>
+          <p:cNvSpPr txBox="1"/>
+          <p:nvPr/>
+        </p:nvSpPr>
+        <p:spPr>
+          <a:xfrm>
+            <a:off x="3503508" y="3460541"/>
+            <a:ext cx="1943457" cy="1389593"/>
+          </a:xfrm>
+          <a:prstGeom prst="rect">
+            <a:avLst/>
+          </a:prstGeom>
+          <a:noFill/>
+        </p:spPr>
+        <p:txBody>
+          <a:bodyPr wrap="square" lIns="68562" tIns="34281" rIns="68562" bIns="34281" rtlCol="0">
+            <a:spAutoFit/>
+          </a:bodyPr>
+          <a:lstStyle/>
+          <a:p>
+            <a:pPr>
+              <a:lnSpc>
+                <a:spcPct val="130000"/>
+              </a:lnSpc>
+            </a:pPr>
+            <a:r>
+              <a:rPr lang="en-US" altLang="zh-CN" sz="1100" dirty="0" smtClean="0">
+                <a:solidFill>
+                  <a:sysClr val="windowText" lastClr="000000"/>
+                </a:solidFill>
+                <a:latin typeface="微软雅黑" pitchFamily="34" charset="-122"/>
+                <a:ea typeface="微软雅黑" pitchFamily="34" charset="-122"/>
+              </a:rPr>
+              <a:t>When we click the Arabic, the language will change into Arabic, we don’t change any code. As you see, the page style is still for English.</a:t>
+            </a:r>
+            <a:endParaRPr lang="en-US" altLang="zh-CN" sz="1100" dirty="0">
+              <a:solidFill>
+                <a:sysClr val="windowText" lastClr="000000"/>
+              </a:solidFill>
+              <a:latin typeface="微软雅黑" pitchFamily="34" charset="-122"/>
+              <a:ea typeface="微软雅黑" pitchFamily="34" charset="-122"/>
+            </a:endParaRPr>
+          </a:p>
+        </p:txBody>
+      </p:sp>
+      <p:sp>
+        <p:nvSpPr>
+          <p:cNvPr id="39" name="TextBox 38"/>
+          <p:cNvSpPr txBox="1"/>
+          <p:nvPr/>
+        </p:nvSpPr>
+        <p:spPr>
+          <a:xfrm>
+            <a:off x="6500649" y="1531682"/>
+            <a:ext cx="1943457" cy="729412"/>
+          </a:xfrm>
+          <a:prstGeom prst="rect">
+            <a:avLst/>
+          </a:prstGeom>
+          <a:noFill/>
+        </p:spPr>
+        <p:txBody>
+          <a:bodyPr wrap="square" lIns="68562" tIns="34281" rIns="68562" bIns="34281" rtlCol="0">
+            <a:spAutoFit/>
+          </a:bodyPr>
+          <a:lstStyle/>
+          <a:p>
+            <a:pPr>
+              <a:lnSpc>
+                <a:spcPct val="130000"/>
+              </a:lnSpc>
+            </a:pPr>
+            <a:r>
+              <a:rPr lang="en-US" altLang="zh-CN" sz="1100" dirty="0" smtClean="0">
+                <a:solidFill>
+                  <a:sysClr val="windowText" lastClr="000000"/>
+                </a:solidFill>
+                <a:latin typeface="微软雅黑" pitchFamily="34" charset="-122"/>
+                <a:ea typeface="微软雅黑" pitchFamily="34" charset="-122"/>
+              </a:rPr>
+              <a:t>If we click the Arabic Theme, the page style will suit for Arabic.</a:t>
+            </a:r>
+            <a:endParaRPr lang="en-US" altLang="zh-CN" sz="1100" dirty="0">
+              <a:solidFill>
+                <a:sysClr val="windowText" lastClr="000000"/>
+              </a:solidFill>
+              <a:latin typeface="微软雅黑" pitchFamily="34" charset="-122"/>
+              <a:ea typeface="微软雅黑" pitchFamily="34" charset="-122"/>
+            </a:endParaRPr>
+          </a:p>
+        </p:txBody>
+      </p:sp>
+      <p:sp>
+        <p:nvSpPr>
+          <p:cNvPr id="41" name="TextBox 40"/>
+          <p:cNvSpPr txBox="1"/>
+          <p:nvPr/>
+        </p:nvSpPr>
+        <p:spPr>
+          <a:xfrm>
+            <a:off x="-41955" y="-2540818"/>
+            <a:ext cx="877163" cy="369332"/>
+          </a:xfrm>
+          <a:prstGeom prst="rect">
+            <a:avLst/>
+          </a:prstGeom>
+          <a:noFill/>
+        </p:spPr>
+        <p:txBody>
+          <a:bodyPr wrap="none" rtlCol="0">
+            <a:spAutoFit/>
+          </a:bodyPr>
+          <a:lstStyle/>
+          <a:p>
+            <a:r>
+              <a:rPr lang="zh-CN" altLang="en-US" dirty="0" smtClean="0"/>
+              <a:t>延迟符</a:t>
+            </a:r>
+            <a:endParaRPr lang="zh-CN" altLang="en-US" dirty="0"/>
+          </a:p>
+        </p:txBody>
+      </p:sp>
+      <p:grpSp>
+        <p:nvGrpSpPr>
+          <p:cNvPr id="3" name="组合 2"/>
+          <p:cNvGrpSpPr/>
+          <p:nvPr/>
+        </p:nvGrpSpPr>
+        <p:grpSpPr>
+          <a:xfrm>
+            <a:off x="396626" y="2703909"/>
+            <a:ext cx="2743239" cy="2244105"/>
+            <a:chOff x="396626" y="2703909"/>
+            <a:chExt cx="2743239" cy="2244105"/>
+          </a:xfrm>
+        </p:grpSpPr>
+        <p:sp>
+          <p:nvSpPr>
+            <p:cNvPr id="29" name="椭圆 28"/>
+            <p:cNvSpPr/>
+            <p:nvPr/>
+          </p:nvSpPr>
+          <p:spPr bwMode="auto">
+            <a:xfrm>
+              <a:off x="600149" y="2703909"/>
+              <a:ext cx="2243229" cy="2244105"/>
+            </a:xfrm>
+            <a:prstGeom prst="ellipse">
+              <a:avLst/>
+            </a:prstGeom>
+            <a:solidFill>
+              <a:schemeClr val="accent1"/>
+            </a:solidFill>
+            <a:ln w="9525" cap="flat" cmpd="sng" algn="ctr">
+              <a:noFill/>
+              <a:prstDash val="solid"/>
+              <a:round/>
+              <a:headEnd type="none" w="med" len="med"/>
+              <a:tailEnd type="none" w="med" len="med"/>
+            </a:ln>
+            <a:effectLst/>
+            <a:extLst/>
+          </p:spPr>
+          <p:txBody>
+            <a:bodyPr vert="horz" wrap="square" lIns="91440" tIns="45720" rIns="91440" bIns="45720" numCol="1" rtlCol="0" anchor="t" anchorCtr="0" compatLnSpc="1">
+              <a:prstTxWarp prst="textNoShape">
+                <a:avLst/>
+              </a:prstTxWarp>
+            </a:bodyPr>
+            <a:lstStyle/>
+            <a:p>
+              <a:pPr defTabSz="685617"/>
+              <a:endParaRPr lang="zh-CN" altLang="en-US" sz="1100"/>
+            </a:p>
+          </p:txBody>
+        </p:sp>
+        <p:pic>
+          <p:nvPicPr>
+            <p:cNvPr id="42" name="内容占位符 4"/>
+            <p:cNvPicPr>
+              <a:picLocks noChangeAspect="1"/>
+            </p:cNvPicPr>
+            <p:nvPr/>
+          </p:nvPicPr>
+          <p:blipFill>
+            <a:blip r:embed="rId3"/>
+            <a:stretch>
+              <a:fillRect/>
+            </a:stretch>
+          </p:blipFill>
+          <p:spPr>
+            <a:xfrm>
+              <a:off x="396626" y="3225335"/>
+              <a:ext cx="2743239" cy="1171169"/>
+            </a:xfrm>
+            <a:prstGeom prst="rect">
+              <a:avLst/>
+            </a:prstGeom>
+          </p:spPr>
+        </p:pic>
+      </p:grpSp>
+      <p:grpSp>
+        <p:nvGrpSpPr>
+          <p:cNvPr id="4" name="组合 3"/>
+          <p:cNvGrpSpPr/>
+          <p:nvPr/>
+        </p:nvGrpSpPr>
+        <p:grpSpPr>
+          <a:xfrm>
+            <a:off x="2978187" y="1053970"/>
+            <a:ext cx="2920759" cy="2244105"/>
+            <a:chOff x="2978187" y="1053970"/>
+            <a:chExt cx="2920759" cy="2244105"/>
+          </a:xfrm>
+        </p:grpSpPr>
+        <p:sp>
+          <p:nvSpPr>
+            <p:cNvPr id="26" name="椭圆 25"/>
+            <p:cNvSpPr/>
+            <p:nvPr/>
+          </p:nvSpPr>
+          <p:spPr bwMode="auto">
+            <a:xfrm>
+              <a:off x="3319654" y="1053970"/>
+              <a:ext cx="2243229" cy="2244105"/>
+            </a:xfrm>
+            <a:prstGeom prst="ellipse">
+              <a:avLst/>
+            </a:prstGeom>
+            <a:solidFill>
+              <a:schemeClr val="accent1"/>
+            </a:solidFill>
+            <a:ln w="9525" cap="flat" cmpd="sng" algn="ctr">
+              <a:noFill/>
+              <a:prstDash val="solid"/>
+              <a:round/>
+              <a:headEnd type="none" w="med" len="med"/>
+              <a:tailEnd type="none" w="med" len="med"/>
+            </a:ln>
+            <a:effectLst/>
+            <a:extLst/>
+          </p:spPr>
+          <p:txBody>
+            <a:bodyPr vert="horz" wrap="square" lIns="91440" tIns="45720" rIns="91440" bIns="45720" numCol="1" rtlCol="0" anchor="t" anchorCtr="0" compatLnSpc="1">
+              <a:prstTxWarp prst="textNoShape">
+                <a:avLst/>
+              </a:prstTxWarp>
+            </a:bodyPr>
+            <a:lstStyle/>
+            <a:p>
+              <a:pPr defTabSz="685617"/>
+              <a:endParaRPr lang="zh-CN" altLang="en-US" sz="1100"/>
+            </a:p>
+          </p:txBody>
+        </p:sp>
+        <p:pic>
+          <p:nvPicPr>
+            <p:cNvPr id="43" name="图片 42"/>
+            <p:cNvPicPr>
+              <a:picLocks noChangeAspect="1"/>
+            </p:cNvPicPr>
+            <p:nvPr/>
+          </p:nvPicPr>
+          <p:blipFill>
+            <a:blip r:embed="rId4"/>
+            <a:stretch>
+              <a:fillRect/>
+            </a:stretch>
+          </p:blipFill>
+          <p:spPr>
+            <a:xfrm>
+              <a:off x="2978187" y="1533675"/>
+              <a:ext cx="2920759" cy="1350458"/>
+            </a:xfrm>
+            <a:prstGeom prst="rect">
+              <a:avLst/>
+            </a:prstGeom>
+          </p:spPr>
+        </p:pic>
+      </p:grpSp>
+      <p:grpSp>
+        <p:nvGrpSpPr>
+          <p:cNvPr id="5" name="组合 4"/>
+          <p:cNvGrpSpPr/>
+          <p:nvPr/>
+        </p:nvGrpSpPr>
+        <p:grpSpPr>
+          <a:xfrm>
+            <a:off x="6108909" y="2347600"/>
+            <a:ext cx="2783571" cy="2244105"/>
+            <a:chOff x="6108909" y="2347600"/>
+            <a:chExt cx="2783571" cy="2244105"/>
+          </a:xfrm>
+        </p:grpSpPr>
+        <p:sp>
+          <p:nvSpPr>
+            <p:cNvPr id="23" name="椭圆 22"/>
+            <p:cNvSpPr/>
+            <p:nvPr/>
+          </p:nvSpPr>
+          <p:spPr bwMode="auto">
+            <a:xfrm>
+              <a:off x="6327143" y="2347600"/>
+              <a:ext cx="2243229" cy="2244105"/>
+            </a:xfrm>
+            <a:prstGeom prst="ellipse">
+              <a:avLst/>
+            </a:prstGeom>
+            <a:solidFill>
+              <a:schemeClr val="accent1"/>
+            </a:solidFill>
+            <a:ln w="9525" cap="flat" cmpd="sng" algn="ctr">
+              <a:noFill/>
+              <a:prstDash val="solid"/>
+              <a:round/>
+              <a:headEnd type="none" w="med" len="med"/>
+              <a:tailEnd type="none" w="med" len="med"/>
+            </a:ln>
+            <a:effectLst/>
+            <a:extLst/>
+          </p:spPr>
+          <p:txBody>
+            <a:bodyPr vert="horz" wrap="square" lIns="91440" tIns="45720" rIns="91440" bIns="45720" numCol="1" rtlCol="0" anchor="t" anchorCtr="0" compatLnSpc="1">
+              <a:prstTxWarp prst="textNoShape">
+                <a:avLst/>
+              </a:prstTxWarp>
+            </a:bodyPr>
+            <a:lstStyle/>
+            <a:p>
+              <a:pPr defTabSz="685617"/>
+              <a:endParaRPr lang="zh-CN" altLang="en-US" sz="1100"/>
+            </a:p>
+          </p:txBody>
+        </p:sp>
+        <p:pic>
+          <p:nvPicPr>
+            <p:cNvPr id="44" name="图片 43"/>
+            <p:cNvPicPr>
+              <a:picLocks noChangeAspect="1"/>
+            </p:cNvPicPr>
+            <p:nvPr/>
+          </p:nvPicPr>
+          <p:blipFill>
+            <a:blip r:embed="rId5"/>
+            <a:stretch>
+              <a:fillRect/>
+            </a:stretch>
+          </p:blipFill>
+          <p:spPr>
+            <a:xfrm>
+              <a:off x="6108909" y="2857156"/>
+              <a:ext cx="2783571" cy="1501184"/>
+            </a:xfrm>
+            <a:prstGeom prst="rect">
+              <a:avLst/>
+            </a:prstGeom>
+          </p:spPr>
+        </p:pic>
+      </p:grpSp>
+    </p:spTree>
+    <p:extLst>
+      <p:ext uri="{BB962C8B-B14F-4D97-AF65-F5344CB8AC3E}">
+        <p14:creationId xmlns:p14="http://schemas.microsoft.com/office/powerpoint/2010/main" val="2768577780"/>
+      </p:ext>
+    </p:extLst>
+  </p:cSld>
+  <p:clrMapOvr>
+    <a:masterClrMapping/>
+  </p:clrMapOvr>
+  <mc:AlternateContent xmlns:mc="http://schemas.openxmlformats.org/markup-compatibility/2006">
+    <mc:Choice xmlns:p14="http://schemas.microsoft.com/office/powerpoint/2010/main" Requires="p14">
+      <p:transition spd="med" p14:dur="700" advTm="20000">
+        <p:fade/>
+      </p:transition>
+    </mc:Choice>
+    <mc:Fallback>
+      <p:transition spd="med" advTm="20000">
+        <p:fade/>
+      </p:transition>
+    </mc:Fallback>
+  </mc:AlternateContent>
+  <p:timing>
+    <p:tnLst>
+      <p:par>
+        <p:cTn id="1" dur="indefinite" restart="never" nodeType="tmRoot">
+          <p:childTnLst>
+            <p:seq concurrent="1" nextAc="seek">
+              <p:cTn id="2" dur="indefinite" nodeType="mainSeq">
+                <p:childTnLst>
+                  <p:par>
+                    <p:cTn id="3" fill="hold">
+                      <p:stCondLst>
+                        <p:cond delay="indefinite"/>
+                        <p:cond evt="onBegin" delay="0">
+                          <p:tn val="2"/>
+                        </p:cond>
+                      </p:stCondLst>
+                      <p:childTnLst>
+                        <p:par>
+                          <p:cTn id="4" fill="hold">
+                            <p:stCondLst>
+                              <p:cond delay="0"/>
+                            </p:stCondLst>
+                            <p:childTnLst>
+                              <p:par>
+                                <p:cTn id="5" presetID="22" presetClass="entr" presetSubtype="8" fill="hold" grpId="0" nodeType="afterEffect">
+                                  <p:stCondLst>
+                                    <p:cond delay="0"/>
+                                  </p:stCondLst>
+                                  <p:childTnLst>
+                                    <p:set>
+                                      <p:cBhvr>
+                                        <p:cTn id="6" dur="1" fill="hold">
+                                          <p:stCondLst>
+                                            <p:cond delay="0"/>
+                                          </p:stCondLst>
+                                        </p:cTn>
+                                        <p:tgtEl>
+                                          <p:spTgt spid="6"/>
+                                        </p:tgtEl>
+                                        <p:attrNameLst>
+                                          <p:attrName>style.visibility</p:attrName>
+                                        </p:attrNameLst>
+                                      </p:cBhvr>
+                                      <p:to>
+                                        <p:strVal val="visible"/>
+                                      </p:to>
+                                    </p:set>
+                                    <p:animEffect transition="in" filter="wipe(left)">
+                                      <p:cBhvr>
+                                        <p:cTn id="7" dur="500"/>
+                                        <p:tgtEl>
+                                          <p:spTgt spid="6"/>
+                                        </p:tgtEl>
+                                      </p:cBhvr>
+                                    </p:animEffect>
+                                  </p:childTnLst>
+                                </p:cTn>
+                              </p:par>
+                            </p:childTnLst>
+                          </p:cTn>
+                        </p:par>
+                        <p:par>
+                          <p:cTn id="8" fill="hold">
+                            <p:stCondLst>
+                              <p:cond delay="500"/>
+                            </p:stCondLst>
+                            <p:childTnLst>
+                              <p:par>
+                                <p:cTn id="9" presetID="52" presetClass="entr" presetSubtype="0" fill="hold" grpId="0" nodeType="afterEffect">
+                                  <p:stCondLst>
+                                    <p:cond delay="0"/>
+                                  </p:stCondLst>
+                                  <p:childTnLst>
+                                    <p:set>
+                                      <p:cBhvr>
+                                        <p:cTn id="10" dur="1" fill="hold">
+                                          <p:stCondLst>
+                                            <p:cond delay="0"/>
+                                          </p:stCondLst>
+                                        </p:cTn>
+                                        <p:tgtEl>
+                                          <p:spTgt spid="31"/>
+                                        </p:tgtEl>
+                                        <p:attrNameLst>
+                                          <p:attrName>style.visibility</p:attrName>
+                                        </p:attrNameLst>
+                                      </p:cBhvr>
+                                      <p:to>
+                                        <p:strVal val="visible"/>
+                                      </p:to>
+                                    </p:set>
+                                    <p:animScale>
+                                      <p:cBhvr>
+                                        <p:cTn id="11" dur="500" decel="50000" fill="hold">
+                                          <p:stCondLst>
+                                            <p:cond delay="0"/>
+                                          </p:stCondLst>
+                                        </p:cTn>
+                                        <p:tgtEl>
+                                          <p:spTgt spid="31"/>
+                                        </p:tgtEl>
+                                      </p:cBhvr>
+                                      <p:from x="250000" y="250000"/>
+                                      <p:to x="100000" y="100000"/>
+                                    </p:animScale>
+                                    <p:animMotion origin="layout" path="M -0.46736 0.92887  C -0.37517 0.88508  -0.02552 0.75279  0.0908 0.66613  C  0.20747 0.57948  0.21649 0.50394  0.23177 0.40825  C 0.24705 0.31256  0.22118 0.15964   0.18264 0.09152  C 0.1441 0.02341  0.03802 0.0  0.0 0.0  " pathEditMode="relative" ptsTypes="">
+                                      <p:cBhvr>
+                                        <p:cTn id="12" dur="500" decel="50000" fill="hold">
+                                          <p:stCondLst>
+                                            <p:cond delay="0"/>
+                                          </p:stCondLst>
+                                        </p:cTn>
+                                        <p:tgtEl>
+                                          <p:spTgt spid="31"/>
+                                        </p:tgtEl>
+                                        <p:attrNameLst>
+                                          <p:attrName>ppt_x</p:attrName>
+                                          <p:attrName>ppt_y</p:attrName>
+                                        </p:attrNameLst>
+                                      </p:cBhvr>
+                                    </p:animMotion>
+                                    <p:animEffect transition="in" filter="fade">
+                                      <p:cBhvr>
+                                        <p:cTn id="13" dur="500"/>
+                                        <p:tgtEl>
+                                          <p:spTgt spid="31"/>
+                                        </p:tgtEl>
+                                      </p:cBhvr>
+                                    </p:animEffect>
+                                  </p:childTnLst>
+                                </p:cTn>
+                              </p:par>
+                              <p:par>
+                                <p:cTn id="14" presetID="52" presetClass="entr" presetSubtype="0" fill="hold" grpId="0" nodeType="withEffect">
+                                  <p:stCondLst>
+                                    <p:cond delay="0"/>
+                                  </p:stCondLst>
+                                  <p:childTnLst>
+                                    <p:set>
+                                      <p:cBhvr>
+                                        <p:cTn id="15" dur="1" fill="hold">
+                                          <p:stCondLst>
+                                            <p:cond delay="0"/>
+                                          </p:stCondLst>
+                                        </p:cTn>
+                                        <p:tgtEl>
+                                          <p:spTgt spid="34"/>
+                                        </p:tgtEl>
+                                        <p:attrNameLst>
+                                          <p:attrName>style.visibility</p:attrName>
+                                        </p:attrNameLst>
+                                      </p:cBhvr>
+                                      <p:to>
+                                        <p:strVal val="visible"/>
+                                      </p:to>
+                                    </p:set>
+                                    <p:animScale>
+                                      <p:cBhvr>
+                                        <p:cTn id="16" dur="500" decel="50000" fill="hold">
+                                          <p:stCondLst>
+                                            <p:cond delay="0"/>
+                                          </p:stCondLst>
+                                        </p:cTn>
+                                        <p:tgtEl>
+                                          <p:spTgt spid="34"/>
+                                        </p:tgtEl>
+                                      </p:cBhvr>
+                                      <p:from x="250000" y="250000"/>
+                                      <p:to x="100000" y="100000"/>
+                                    </p:animScale>
+                                    <p:animMotion origin="layout" path="M -0.46736 0.92887  C -0.37517 0.88508  -0.02552 0.75279  0.0908 0.66613  C  0.20747 0.57948  0.21649 0.50394  0.23177 0.40825  C 0.24705 0.31256  0.22118 0.15964   0.18264 0.09152  C 0.1441 0.02341  0.03802 0.0  0.0 0.0  " pathEditMode="relative" ptsTypes="">
+                                      <p:cBhvr>
+                                        <p:cTn id="17" dur="500" decel="50000" fill="hold">
+                                          <p:stCondLst>
+                                            <p:cond delay="0"/>
+                                          </p:stCondLst>
+                                        </p:cTn>
+                                        <p:tgtEl>
+                                          <p:spTgt spid="34"/>
+                                        </p:tgtEl>
+                                        <p:attrNameLst>
+                                          <p:attrName>ppt_x</p:attrName>
+                                          <p:attrName>ppt_y</p:attrName>
+                                        </p:attrNameLst>
+                                      </p:cBhvr>
+                                    </p:animMotion>
+                                    <p:animEffect transition="in" filter="fade">
+                                      <p:cBhvr>
+                                        <p:cTn id="18" dur="500"/>
+                                        <p:tgtEl>
+                                          <p:spTgt spid="34"/>
+                                        </p:tgtEl>
+                                      </p:cBhvr>
+                                    </p:animEffect>
+                                  </p:childTnLst>
+                                </p:cTn>
+                              </p:par>
+                            </p:childTnLst>
+                          </p:cTn>
+                        </p:par>
+                        <p:par>
+                          <p:cTn id="19" fill="hold">
+                            <p:stCondLst>
+                              <p:cond delay="1000"/>
+                            </p:stCondLst>
+                            <p:childTnLst>
+                              <p:par>
+                                <p:cTn id="20" presetID="22" presetClass="entr" presetSubtype="4" fill="hold" grpId="0" nodeType="afterEffect">
+                                  <p:stCondLst>
+                                    <p:cond delay="0"/>
+                                  </p:stCondLst>
+                                  <p:childTnLst>
+                                    <p:set>
+                                      <p:cBhvr>
+                                        <p:cTn id="21" dur="1" fill="hold">
+                                          <p:stCondLst>
+                                            <p:cond delay="0"/>
+                                          </p:stCondLst>
+                                        </p:cTn>
+                                        <p:tgtEl>
+                                          <p:spTgt spid="37"/>
+                                        </p:tgtEl>
+                                        <p:attrNameLst>
+                                          <p:attrName>style.visibility</p:attrName>
+                                        </p:attrNameLst>
+                                      </p:cBhvr>
+                                      <p:to>
+                                        <p:strVal val="visible"/>
+                                      </p:to>
+                                    </p:set>
+                                    <p:animEffect transition="in" filter="wipe(down)">
+                                      <p:cBhvr>
+                                        <p:cTn id="22" dur="500"/>
+                                        <p:tgtEl>
+                                          <p:spTgt spid="37"/>
+                                        </p:tgtEl>
+                                      </p:cBhvr>
+                                    </p:animEffect>
+                                  </p:childTnLst>
+                                </p:cTn>
+                              </p:par>
+                            </p:childTnLst>
+                          </p:cTn>
+                        </p:par>
+                        <p:par>
+                          <p:cTn id="23" fill="hold">
+                            <p:stCondLst>
+                              <p:cond delay="1500"/>
+                            </p:stCondLst>
+                            <p:childTnLst>
+                              <p:par>
+                                <p:cTn id="24" presetID="42" presetClass="entr" presetSubtype="0" fill="hold" nodeType="afterEffect">
+                                  <p:stCondLst>
+                                    <p:cond delay="0"/>
+                                  </p:stCondLst>
+                                  <p:childTnLst>
+                                    <p:set>
+                                      <p:cBhvr>
+                                        <p:cTn id="25" dur="1" fill="hold">
+                                          <p:stCondLst>
+                                            <p:cond delay="0"/>
+                                          </p:stCondLst>
+                                        </p:cTn>
+                                        <p:tgtEl>
+                                          <p:spTgt spid="3"/>
+                                        </p:tgtEl>
+                                        <p:attrNameLst>
+                                          <p:attrName>style.visibility</p:attrName>
+                                        </p:attrNameLst>
+                                      </p:cBhvr>
+                                      <p:to>
+                                        <p:strVal val="visible"/>
+                                      </p:to>
+                                    </p:set>
+                                    <p:animEffect transition="in" filter="fade">
+                                      <p:cBhvr>
+                                        <p:cTn id="26" dur="1000"/>
+                                        <p:tgtEl>
+                                          <p:spTgt spid="3"/>
+                                        </p:tgtEl>
+                                      </p:cBhvr>
+                                    </p:animEffect>
+                                    <p:anim calcmode="lin" valueType="num">
+                                      <p:cBhvr>
+                                        <p:cTn id="27" dur="1000" fill="hold"/>
+                                        <p:tgtEl>
+                                          <p:spTgt spid="3"/>
+                                        </p:tgtEl>
+                                        <p:attrNameLst>
+                                          <p:attrName>ppt_x</p:attrName>
+                                        </p:attrNameLst>
+                                      </p:cBhvr>
+                                      <p:tavLst>
+                                        <p:tav tm="0">
+                                          <p:val>
+                                            <p:strVal val="#ppt_x"/>
+                                          </p:val>
+                                        </p:tav>
+                                        <p:tav tm="100000">
+                                          <p:val>
+                                            <p:strVal val="#ppt_x"/>
+                                          </p:val>
+                                        </p:tav>
+                                      </p:tavLst>
+                                    </p:anim>
+                                    <p:anim calcmode="lin" valueType="num">
+                                      <p:cBhvr>
+                                        <p:cTn id="28" dur="1000" fill="hold"/>
+                                        <p:tgtEl>
+                                          <p:spTgt spid="3"/>
+                                        </p:tgtEl>
+                                        <p:attrNameLst>
+                                          <p:attrName>ppt_y</p:attrName>
+                                        </p:attrNameLst>
+                                      </p:cBhvr>
+                                      <p:tavLst>
+                                        <p:tav tm="0">
+                                          <p:val>
+                                            <p:strVal val="#ppt_y+.1"/>
+                                          </p:val>
+                                        </p:tav>
+                                        <p:tav tm="100000">
+                                          <p:val>
+                                            <p:strVal val="#ppt_y"/>
+                                          </p:val>
+                                        </p:tav>
+                                      </p:tavLst>
+                                    </p:anim>
+                                  </p:childTnLst>
+                                </p:cTn>
+                              </p:par>
+                            </p:childTnLst>
+                          </p:cTn>
+                        </p:par>
+                        <p:par>
+                          <p:cTn id="29" fill="hold">
+                            <p:stCondLst>
+                              <p:cond delay="2500"/>
+                            </p:stCondLst>
+                            <p:childTnLst>
+                              <p:par>
+                                <p:cTn id="30" presetID="52" presetClass="entr" presetSubtype="0" fill="hold" grpId="0" nodeType="afterEffect">
+                                  <p:stCondLst>
+                                    <p:cond delay="0"/>
+                                  </p:stCondLst>
+                                  <p:childTnLst>
+                                    <p:set>
+                                      <p:cBhvr>
+                                        <p:cTn id="31" dur="1" fill="hold">
+                                          <p:stCondLst>
+                                            <p:cond delay="0"/>
+                                          </p:stCondLst>
+                                        </p:cTn>
+                                        <p:tgtEl>
+                                          <p:spTgt spid="32"/>
+                                        </p:tgtEl>
+                                        <p:attrNameLst>
+                                          <p:attrName>style.visibility</p:attrName>
+                                        </p:attrNameLst>
+                                      </p:cBhvr>
+                                      <p:to>
+                                        <p:strVal val="visible"/>
+                                      </p:to>
+                                    </p:set>
+                                    <p:animScale>
+                                      <p:cBhvr>
+                                        <p:cTn id="32" dur="500" decel="50000" fill="hold">
+                                          <p:stCondLst>
+                                            <p:cond delay="0"/>
+                                          </p:stCondLst>
+                                        </p:cTn>
+                                        <p:tgtEl>
+                                          <p:spTgt spid="32"/>
+                                        </p:tgtEl>
+                                      </p:cBhvr>
+                                      <p:from x="250000" y="250000"/>
+                                      <p:to x="100000" y="100000"/>
+                                    </p:animScale>
+                                    <p:animMotion origin="layout" path="M -0.46736 0.92887  C -0.37517 0.88508  -0.02552 0.75279  0.0908 0.66613  C  0.20747 0.57948  0.21649 0.50394  0.23177 0.40825  C 0.24705 0.31256  0.22118 0.15964   0.18264 0.09152  C 0.1441 0.02341  0.03802 0.0  0.0 0.0  " pathEditMode="relative" ptsTypes="">
+                                      <p:cBhvr>
+                                        <p:cTn id="33" dur="500" decel="50000" fill="hold">
+                                          <p:stCondLst>
+                                            <p:cond delay="0"/>
+                                          </p:stCondLst>
+                                        </p:cTn>
+                                        <p:tgtEl>
+                                          <p:spTgt spid="32"/>
+                                        </p:tgtEl>
+                                        <p:attrNameLst>
+                                          <p:attrName>ppt_x</p:attrName>
+                                          <p:attrName>ppt_y</p:attrName>
+                                        </p:attrNameLst>
+                                      </p:cBhvr>
+                                    </p:animMotion>
+                                    <p:animEffect transition="in" filter="fade">
+                                      <p:cBhvr>
+                                        <p:cTn id="34" dur="500"/>
+                                        <p:tgtEl>
+                                          <p:spTgt spid="32"/>
+                                        </p:tgtEl>
+                                      </p:cBhvr>
+                                    </p:animEffect>
+                                  </p:childTnLst>
+                                </p:cTn>
+                              </p:par>
+                              <p:par>
+                                <p:cTn id="35" presetID="52" presetClass="entr" presetSubtype="0" fill="hold" grpId="0" nodeType="withEffect">
+                                  <p:stCondLst>
+                                    <p:cond delay="0"/>
+                                  </p:stCondLst>
+                                  <p:childTnLst>
+                                    <p:set>
+                                      <p:cBhvr>
+                                        <p:cTn id="36" dur="1" fill="hold">
+                                          <p:stCondLst>
+                                            <p:cond delay="0"/>
+                                          </p:stCondLst>
+                                        </p:cTn>
+                                        <p:tgtEl>
+                                          <p:spTgt spid="35"/>
+                                        </p:tgtEl>
+                                        <p:attrNameLst>
+                                          <p:attrName>style.visibility</p:attrName>
+                                        </p:attrNameLst>
+                                      </p:cBhvr>
+                                      <p:to>
+                                        <p:strVal val="visible"/>
+                                      </p:to>
+                                    </p:set>
+                                    <p:animScale>
+                                      <p:cBhvr>
+                                        <p:cTn id="37" dur="500" decel="50000" fill="hold">
+                                          <p:stCondLst>
+                                            <p:cond delay="0"/>
+                                          </p:stCondLst>
+                                        </p:cTn>
+                                        <p:tgtEl>
+                                          <p:spTgt spid="35"/>
+                                        </p:tgtEl>
+                                      </p:cBhvr>
+                                      <p:from x="250000" y="250000"/>
+                                      <p:to x="100000" y="100000"/>
+                                    </p:animScale>
+                                    <p:animMotion origin="layout" path="M -0.46736 0.92887  C -0.37517 0.88508  -0.02552 0.75279  0.0908 0.66613  C  0.20747 0.57948  0.21649 0.50394  0.23177 0.40825  C 0.24705 0.31256  0.22118 0.15964   0.18264 0.09152  C 0.1441 0.02341  0.03802 0.0  0.0 0.0  " pathEditMode="relative" ptsTypes="">
+                                      <p:cBhvr>
+                                        <p:cTn id="38" dur="500" decel="50000" fill="hold">
+                                          <p:stCondLst>
+                                            <p:cond delay="0"/>
+                                          </p:stCondLst>
+                                        </p:cTn>
+                                        <p:tgtEl>
+                                          <p:spTgt spid="35"/>
+                                        </p:tgtEl>
+                                        <p:attrNameLst>
+                                          <p:attrName>ppt_x</p:attrName>
+                                          <p:attrName>ppt_y</p:attrName>
+                                        </p:attrNameLst>
+                                      </p:cBhvr>
+                                    </p:animMotion>
+                                    <p:animEffect transition="in" filter="fade">
+                                      <p:cBhvr>
+                                        <p:cTn id="39" dur="500"/>
+                                        <p:tgtEl>
+                                          <p:spTgt spid="35"/>
+                                        </p:tgtEl>
+                                      </p:cBhvr>
+                                    </p:animEffect>
+                                  </p:childTnLst>
+                                </p:cTn>
+                              </p:par>
+                            </p:childTnLst>
+                          </p:cTn>
+                        </p:par>
+                        <p:par>
+                          <p:cTn id="40" fill="hold">
+                            <p:stCondLst>
+                              <p:cond delay="3000"/>
+                            </p:stCondLst>
+                            <p:childTnLst>
+                              <p:par>
+                                <p:cTn id="41" presetID="47" presetClass="entr" presetSubtype="0" fill="hold" nodeType="afterEffect">
+                                  <p:stCondLst>
+                                    <p:cond delay="0"/>
+                                  </p:stCondLst>
+                                  <p:childTnLst>
+                                    <p:set>
+                                      <p:cBhvr>
+                                        <p:cTn id="42" dur="1" fill="hold">
+                                          <p:stCondLst>
+                                            <p:cond delay="0"/>
+                                          </p:stCondLst>
+                                        </p:cTn>
+                                        <p:tgtEl>
+                                          <p:spTgt spid="4"/>
+                                        </p:tgtEl>
+                                        <p:attrNameLst>
+                                          <p:attrName>style.visibility</p:attrName>
+                                        </p:attrNameLst>
+                                      </p:cBhvr>
+                                      <p:to>
+                                        <p:strVal val="visible"/>
+                                      </p:to>
+                                    </p:set>
+                                    <p:animEffect transition="in" filter="fade">
+                                      <p:cBhvr>
+                                        <p:cTn id="43" dur="1000"/>
+                                        <p:tgtEl>
+                                          <p:spTgt spid="4"/>
+                                        </p:tgtEl>
+                                      </p:cBhvr>
+                                    </p:animEffect>
+                                    <p:anim calcmode="lin" valueType="num">
+                                      <p:cBhvr>
+                                        <p:cTn id="44" dur="1000" fill="hold"/>
+                                        <p:tgtEl>
+                                          <p:spTgt spid="4"/>
+                                        </p:tgtEl>
+                                        <p:attrNameLst>
+                                          <p:attrName>ppt_x</p:attrName>
+                                        </p:attrNameLst>
+                                      </p:cBhvr>
+                                      <p:tavLst>
+                                        <p:tav tm="0">
+                                          <p:val>
+                                            <p:strVal val="#ppt_x"/>
+                                          </p:val>
+                                        </p:tav>
+                                        <p:tav tm="100000">
+                                          <p:val>
+                                            <p:strVal val="#ppt_x"/>
+                                          </p:val>
+                                        </p:tav>
+                                      </p:tavLst>
+                                    </p:anim>
+                                    <p:anim calcmode="lin" valueType="num">
+                                      <p:cBhvr>
+                                        <p:cTn id="45" dur="1000" fill="hold"/>
+                                        <p:tgtEl>
+                                          <p:spTgt spid="4"/>
+                                        </p:tgtEl>
+                                        <p:attrNameLst>
+                                          <p:attrName>ppt_y</p:attrName>
+                                        </p:attrNameLst>
+                                      </p:cBhvr>
+                                      <p:tavLst>
+                                        <p:tav tm="0">
+                                          <p:val>
+                                            <p:strVal val="#ppt_y-.1"/>
+                                          </p:val>
+                                        </p:tav>
+                                        <p:tav tm="100000">
+                                          <p:val>
+                                            <p:strVal val="#ppt_y"/>
+                                          </p:val>
+                                        </p:tav>
+                                      </p:tavLst>
+                                    </p:anim>
+                                  </p:childTnLst>
+                                </p:cTn>
+                              </p:par>
+                            </p:childTnLst>
+                          </p:cTn>
+                        </p:par>
+                        <p:par>
+                          <p:cTn id="46" fill="hold">
+                            <p:stCondLst>
+                              <p:cond delay="4000"/>
+                            </p:stCondLst>
+                            <p:childTnLst>
+                              <p:par>
+                                <p:cTn id="47" presetID="22" presetClass="entr" presetSubtype="1" fill="hold" grpId="0" nodeType="afterEffect">
+                                  <p:stCondLst>
+                                    <p:cond delay="0"/>
+                                  </p:stCondLst>
+                                  <p:childTnLst>
+                                    <p:set>
+                                      <p:cBhvr>
+                                        <p:cTn id="48" dur="1" fill="hold">
+                                          <p:stCondLst>
+                                            <p:cond delay="0"/>
+                                          </p:stCondLst>
+                                        </p:cTn>
+                                        <p:tgtEl>
+                                          <p:spTgt spid="38"/>
+                                        </p:tgtEl>
+                                        <p:attrNameLst>
+                                          <p:attrName>style.visibility</p:attrName>
+                                        </p:attrNameLst>
+                                      </p:cBhvr>
+                                      <p:to>
+                                        <p:strVal val="visible"/>
+                                      </p:to>
+                                    </p:set>
+                                    <p:animEffect transition="in" filter="wipe(up)">
+                                      <p:cBhvr>
+                                        <p:cTn id="49" dur="500"/>
+                                        <p:tgtEl>
+                                          <p:spTgt spid="38"/>
+                                        </p:tgtEl>
+                                      </p:cBhvr>
+                                    </p:animEffect>
+                                  </p:childTnLst>
+                                </p:cTn>
+                              </p:par>
+                            </p:childTnLst>
+                          </p:cTn>
+                        </p:par>
+                        <p:par>
+                          <p:cTn id="50" fill="hold">
+                            <p:stCondLst>
+                              <p:cond delay="4500"/>
+                            </p:stCondLst>
+                            <p:childTnLst>
+                              <p:par>
+                                <p:cTn id="51" presetID="52" presetClass="entr" presetSubtype="0" fill="hold" grpId="0" nodeType="afterEffect">
+                                  <p:stCondLst>
+                                    <p:cond delay="0"/>
+                                  </p:stCondLst>
+                                  <p:childTnLst>
+                                    <p:set>
+                                      <p:cBhvr>
+                                        <p:cTn id="52" dur="1" fill="hold">
+                                          <p:stCondLst>
+                                            <p:cond delay="0"/>
+                                          </p:stCondLst>
+                                        </p:cTn>
+                                        <p:tgtEl>
+                                          <p:spTgt spid="33"/>
+                                        </p:tgtEl>
+                                        <p:attrNameLst>
+                                          <p:attrName>style.visibility</p:attrName>
+                                        </p:attrNameLst>
+                                      </p:cBhvr>
+                                      <p:to>
+                                        <p:strVal val="visible"/>
+                                      </p:to>
+                                    </p:set>
+                                    <p:animScale>
+                                      <p:cBhvr>
+                                        <p:cTn id="53" dur="500" decel="50000" fill="hold">
+                                          <p:stCondLst>
+                                            <p:cond delay="0"/>
+                                          </p:stCondLst>
+                                        </p:cTn>
+                                        <p:tgtEl>
+                                          <p:spTgt spid="33"/>
+                                        </p:tgtEl>
+                                      </p:cBhvr>
+                                      <p:from x="250000" y="250000"/>
+                                      <p:to x="100000" y="100000"/>
+                                    </p:animScale>
+                                    <p:animMotion origin="layout" path="M -0.46736 0.92887  C -0.37517 0.88508  -0.02552 0.75279  0.0908 0.66613  C  0.20747 0.57948  0.21649 0.50394  0.23177 0.40825  C 0.24705 0.31256  0.22118 0.15964   0.18264 0.09152  C 0.1441 0.02341  0.03802 0.0  0.0 0.0  " pathEditMode="relative" ptsTypes="">
+                                      <p:cBhvr>
+                                        <p:cTn id="54" dur="500" decel="50000" fill="hold">
+                                          <p:stCondLst>
+                                            <p:cond delay="0"/>
+                                          </p:stCondLst>
+                                        </p:cTn>
+                                        <p:tgtEl>
+                                          <p:spTgt spid="33"/>
+                                        </p:tgtEl>
+                                        <p:attrNameLst>
+                                          <p:attrName>ppt_x</p:attrName>
+                                          <p:attrName>ppt_y</p:attrName>
+                                        </p:attrNameLst>
+                                      </p:cBhvr>
+                                    </p:animMotion>
+                                    <p:animEffect transition="in" filter="fade">
+                                      <p:cBhvr>
+                                        <p:cTn id="55" dur="500"/>
+                                        <p:tgtEl>
+                                          <p:spTgt spid="33"/>
+                                        </p:tgtEl>
+                                      </p:cBhvr>
+                                    </p:animEffect>
+                                  </p:childTnLst>
+                                </p:cTn>
+                              </p:par>
+                              <p:par>
+                                <p:cTn id="56" presetID="52" presetClass="entr" presetSubtype="0" fill="hold" grpId="0" nodeType="withEffect">
+                                  <p:stCondLst>
+                                    <p:cond delay="0"/>
+                                  </p:stCondLst>
+                                  <p:childTnLst>
+                                    <p:set>
+                                      <p:cBhvr>
+                                        <p:cTn id="57" dur="1" fill="hold">
+                                          <p:stCondLst>
+                                            <p:cond delay="0"/>
+                                          </p:stCondLst>
+                                        </p:cTn>
+                                        <p:tgtEl>
+                                          <p:spTgt spid="36"/>
+                                        </p:tgtEl>
+                                        <p:attrNameLst>
+                                          <p:attrName>style.visibility</p:attrName>
+                                        </p:attrNameLst>
+                                      </p:cBhvr>
+                                      <p:to>
+                                        <p:strVal val="visible"/>
+                                      </p:to>
+                                    </p:set>
+                                    <p:animScale>
+                                      <p:cBhvr>
+                                        <p:cTn id="58" dur="500" decel="50000" fill="hold">
+                                          <p:stCondLst>
+                                            <p:cond delay="0"/>
+                                          </p:stCondLst>
+                                        </p:cTn>
+                                        <p:tgtEl>
+                                          <p:spTgt spid="36"/>
+                                        </p:tgtEl>
+                                      </p:cBhvr>
+                                      <p:from x="250000" y="250000"/>
+                                      <p:to x="100000" y="100000"/>
+                                    </p:animScale>
+                                    <p:animMotion origin="layout" path="M -0.46736 0.92887  C -0.37517 0.88508  -0.02552 0.75279  0.0908 0.66613  C  0.20747 0.57948  0.21649 0.50394  0.23177 0.40825  C 0.24705 0.31256  0.22118 0.15964   0.18264 0.09152  C 0.1441 0.02341  0.03802 0.0  0.0 0.0  " pathEditMode="relative" ptsTypes="">
+                                      <p:cBhvr>
+                                        <p:cTn id="59" dur="500" decel="50000" fill="hold">
+                                          <p:stCondLst>
+                                            <p:cond delay="0"/>
+                                          </p:stCondLst>
+                                        </p:cTn>
+                                        <p:tgtEl>
+                                          <p:spTgt spid="36"/>
+                                        </p:tgtEl>
+                                        <p:attrNameLst>
+                                          <p:attrName>ppt_x</p:attrName>
+                                          <p:attrName>ppt_y</p:attrName>
+                                        </p:attrNameLst>
+                                      </p:cBhvr>
+                                    </p:animMotion>
+                                    <p:animEffect transition="in" filter="fade">
+                                      <p:cBhvr>
+                                        <p:cTn id="60" dur="500"/>
+                                        <p:tgtEl>
+                                          <p:spTgt spid="36"/>
+                                        </p:tgtEl>
+                                      </p:cBhvr>
+                                    </p:animEffect>
+                                  </p:childTnLst>
+                                </p:cTn>
+                              </p:par>
+                            </p:childTnLst>
+                          </p:cTn>
+                        </p:par>
+                        <p:par>
+                          <p:cTn id="61" fill="hold">
+                            <p:stCondLst>
+                              <p:cond delay="5000"/>
+                            </p:stCondLst>
+                            <p:childTnLst>
+                              <p:par>
+                                <p:cTn id="62" presetID="22" presetClass="entr" presetSubtype="4" fill="hold" grpId="0" nodeType="afterEffect">
+                                  <p:stCondLst>
+                                    <p:cond delay="0"/>
+                                  </p:stCondLst>
+                                  <p:childTnLst>
+                                    <p:set>
+                                      <p:cBhvr>
+                                        <p:cTn id="63" dur="1" fill="hold">
+                                          <p:stCondLst>
+                                            <p:cond delay="0"/>
+                                          </p:stCondLst>
+                                        </p:cTn>
+                                        <p:tgtEl>
+                                          <p:spTgt spid="39"/>
+                                        </p:tgtEl>
+                                        <p:attrNameLst>
+                                          <p:attrName>style.visibility</p:attrName>
+                                        </p:attrNameLst>
+                                      </p:cBhvr>
+                                      <p:to>
+                                        <p:strVal val="visible"/>
+                                      </p:to>
+                                    </p:set>
+                                    <p:animEffect transition="in" filter="wipe(down)">
+                                      <p:cBhvr>
+                                        <p:cTn id="64" dur="500"/>
+                                        <p:tgtEl>
+                                          <p:spTgt spid="39"/>
+                                        </p:tgtEl>
+                                      </p:cBhvr>
+                                    </p:animEffect>
+                                  </p:childTnLst>
+                                </p:cTn>
+                              </p:par>
+                            </p:childTnLst>
+                          </p:cTn>
+                        </p:par>
+                        <p:par>
+                          <p:cTn id="65" fill="hold">
+                            <p:stCondLst>
+                              <p:cond delay="5500"/>
+                            </p:stCondLst>
+                            <p:childTnLst>
+                              <p:par>
+                                <p:cTn id="66" presetID="10" presetClass="entr" presetSubtype="0" fill="hold" grpId="0" nodeType="afterEffect">
+                                  <p:stCondLst>
+                                    <p:cond delay="0"/>
+                                  </p:stCondLst>
+                                  <p:childTnLst>
+                                    <p:set>
+                                      <p:cBhvr>
+                                        <p:cTn id="67" dur="1" fill="hold">
+                                          <p:stCondLst>
+                                            <p:cond delay="0"/>
+                                          </p:stCondLst>
+                                        </p:cTn>
+                                        <p:tgtEl>
+                                          <p:spTgt spid="41"/>
+                                        </p:tgtEl>
+                                        <p:attrNameLst>
+                                          <p:attrName>style.visibility</p:attrName>
+                                        </p:attrNameLst>
+                                      </p:cBhvr>
+                                      <p:to>
+                                        <p:strVal val="visible"/>
+                                      </p:to>
+                                    </p:set>
+                                    <p:animEffect transition="in" filter="fade">
+                                      <p:cBhvr>
+                                        <p:cTn id="68" dur="500"/>
+                                        <p:tgtEl>
+                                          <p:spTgt spid="41"/>
+                                        </p:tgtEl>
+                                      </p:cBhvr>
+                                    </p:animEffect>
+                                  </p:childTnLst>
+                                </p:cTn>
+                              </p:par>
+                            </p:childTnLst>
+                          </p:cTn>
+                        </p:par>
+                        <p:par>
+                          <p:cTn id="69" fill="hold">
+                            <p:stCondLst>
+                              <p:cond delay="6000"/>
+                            </p:stCondLst>
+                            <p:childTnLst>
+                              <p:par>
+                                <p:cTn id="70" presetID="42" presetClass="entr" presetSubtype="0" fill="hold" nodeType="afterEffect">
+                                  <p:stCondLst>
+                                    <p:cond delay="0"/>
+                                  </p:stCondLst>
+                                  <p:childTnLst>
+                                    <p:set>
+                                      <p:cBhvr>
+                                        <p:cTn id="71" dur="1" fill="hold">
+                                          <p:stCondLst>
+                                            <p:cond delay="0"/>
+                                          </p:stCondLst>
+                                        </p:cTn>
+                                        <p:tgtEl>
+                                          <p:spTgt spid="5"/>
+                                        </p:tgtEl>
+                                        <p:attrNameLst>
+                                          <p:attrName>style.visibility</p:attrName>
+                                        </p:attrNameLst>
+                                      </p:cBhvr>
+                                      <p:to>
+                                        <p:strVal val="visible"/>
+                                      </p:to>
+                                    </p:set>
+                                    <p:animEffect transition="in" filter="fade">
+                                      <p:cBhvr>
+                                        <p:cTn id="72" dur="1000"/>
+                                        <p:tgtEl>
+                                          <p:spTgt spid="5"/>
+                                        </p:tgtEl>
+                                      </p:cBhvr>
+                                    </p:animEffect>
+                                    <p:anim calcmode="lin" valueType="num">
+                                      <p:cBhvr>
+                                        <p:cTn id="73" dur="1000" fill="hold"/>
+                                        <p:tgtEl>
+                                          <p:spTgt spid="5"/>
+                                        </p:tgtEl>
+                                        <p:attrNameLst>
+                                          <p:attrName>ppt_x</p:attrName>
+                                        </p:attrNameLst>
+                                      </p:cBhvr>
+                                      <p:tavLst>
+                                        <p:tav tm="0">
+                                          <p:val>
+                                            <p:strVal val="#ppt_x"/>
+                                          </p:val>
+                                        </p:tav>
+                                        <p:tav tm="100000">
+                                          <p:val>
+                                            <p:strVal val="#ppt_x"/>
+                                          </p:val>
+                                        </p:tav>
+                                      </p:tavLst>
+                                    </p:anim>
+                                    <p:anim calcmode="lin" valueType="num">
+                                      <p:cBhvr>
+                                        <p:cTn id="74" dur="1000" fill="hold"/>
+                                        <p:tgtEl>
+                                          <p:spTgt spid="5"/>
+                                        </p:tgtEl>
+                                        <p:attrNameLst>
+                                          <p:attrName>ppt_y</p:attrName>
+                                        </p:attrNameLst>
+                                      </p:cBhvr>
+                                      <p:tavLst>
+                                        <p:tav tm="0">
+                                          <p:val>
+                                            <p:strVal val="#ppt_y+.1"/>
+                                          </p:val>
+                                        </p:tav>
+                                        <p:tav tm="100000">
+                                          <p:val>
+                                            <p:strVal val="#ppt_y"/>
+                                          </p:val>
+                                        </p:tav>
+                                      </p:tavLst>
+                                    </p:anim>
+                                  </p:childTnLst>
+                                </p:cTn>
+                              </p:par>
+                            </p:childTnLst>
+                          </p:cTn>
+                        </p:par>
+                      </p:childTnLst>
+                    </p:cTn>
+                  </p:par>
+                </p:childTnLst>
+              </p:cTn>
+              <p:prevCondLst>
+                <p:cond evt="onPrev" delay="0">
+                  <p:tgtEl>
+                    <p:sldTgt/>
+                  </p:tgtEl>
+                </p:cond>
+              </p:prevCondLst>
+              <p:nextCondLst>
+                <p:cond evt="onNext" delay="0">
+                  <p:tgtEl>
+                    <p:sldTgt/>
+                  </p:tgtEl>
+                </p:cond>
+              </p:nextCondLst>
+            </p:seq>
+          </p:childTnLst>
+        </p:cTn>
+      </p:par>
+    </p:tnLst>
+    <p:bldLst>
+      <p:bldP spid="6" grpId="0"/>
+      <p:bldP spid="31" grpId="0" animBg="1"/>
+      <p:bldP spid="32" grpId="0" animBg="1"/>
+      <p:bldP spid="33" grpId="0" animBg="1"/>
+      <p:bldP spid="34" grpId="0"/>
+      <p:bldP spid="35" grpId="0"/>
+      <p:bldP spid="36" grpId="0"/>
+      <p:bldP spid="37" grpId="0"/>
+      <p:bldP spid="38" grpId="0"/>
+      <p:bldP spid="39" grpId="0"/>
+      <p:bldP spid="41" grpId="0"/>
+    </p:bldLst>
+  </p:timing>
+</p:sld>
+</file>
+
+<file path=ppt/slides/slide23.xml><?xml version="1.0" encoding="utf-8"?>
 <p:sld xmlns:a="http://schemas.openxmlformats.org/drawingml/2006/main" xmlns:r="http://schemas.openxmlformats.org/officeDocument/2006/relationships" xmlns:p="http://schemas.openxmlformats.org/presentationml/2006/main">
   <p:cSld>
     <p:spTree>
@@ -10947,14 +17735,14 @@
   <p:clrMapOvr>
     <a:masterClrMapping/>
   </p:clrMapOvr>
-  <mc:AlternateContent xmlns:mc="http://schemas.openxmlformats.org/markup-compatibility/2006" xmlns:p14="http://schemas.microsoft.com/office/powerpoint/2010/main">
-    <mc:Choice Requires="p14">
-      <p:transition spd="slow" p14:dur="1600" advTm="0">
+  <mc:AlternateContent xmlns:mc="http://schemas.openxmlformats.org/markup-compatibility/2006">
+    <mc:Choice xmlns:p14="http://schemas.microsoft.com/office/powerpoint/2010/main" Requires="p14">
+      <p:transition spd="slow" p14:dur="1600" advTm="20000">
         <p:blinds dir="vert"/>
       </p:transition>
     </mc:Choice>
-    <mc:Fallback xmlns="">
-      <p:transition spd="slow" advTm="0">
+    <mc:Fallback>
+      <p:transition spd="slow" advTm="20000">
         <p:blinds dir="vert"/>
       </p:transition>
     </mc:Fallback>
@@ -13394,7 +20182,7 @@
 </p:sld>
 </file>
 
-<file path=ppt/slides/slide15.xml><?xml version="1.0" encoding="utf-8"?>
+<file path=ppt/slides/slide24.xml><?xml version="1.0" encoding="utf-8"?>
 <p:sld xmlns:a="http://schemas.openxmlformats.org/drawingml/2006/main" xmlns:r="http://schemas.openxmlformats.org/officeDocument/2006/relationships" xmlns:p="http://schemas.openxmlformats.org/presentationml/2006/main">
   <p:cSld>
     <p:spTree>
@@ -14087,20 +20875,20 @@
   <p:clrMapOvr>
     <a:masterClrMapping/>
   </p:clrMapOvr>
-  <mc:AlternateContent xmlns:mc="http://schemas.openxmlformats.org/markup-compatibility/2006" xmlns:p14="http://schemas.microsoft.com/office/powerpoint/2010/main">
-    <mc:Choice Requires="p14">
-      <p:transition spd="med" p14:dur="700" advTm="0">
+  <mc:AlternateContent xmlns:mc="http://schemas.openxmlformats.org/markup-compatibility/2006">
+    <mc:Choice xmlns:p14="http://schemas.microsoft.com/office/powerpoint/2010/main" Requires="p14">
+      <p:transition spd="med" p14:dur="700" advTm="20000">
         <p:fade/>
       </p:transition>
     </mc:Choice>
-    <mc:Fallback xmlns="">
-      <p:transition spd="med" advTm="0">
+    <mc:Fallback>
+      <p:transition spd="med" advTm="20000">
         <p:fade/>
       </p:transition>
     </mc:Fallback>
   </mc:AlternateContent>
-  <mc:AlternateContent xmlns:mc="http://schemas.openxmlformats.org/markup-compatibility/2006">
-    <mc:Choice xmlns:p14="http://schemas.microsoft.com/office/powerpoint/2010/main" Requires="p14">
+  <mc:AlternateContent xmlns:mc="http://schemas.openxmlformats.org/markup-compatibility/2006" xmlns:p14="http://schemas.microsoft.com/office/powerpoint/2010/main">
+    <mc:Choice Requires="p14">
       <p:timing>
         <p:tnLst>
           <p:par>
@@ -14641,7 +21429,7 @@
         </p:bldLst>
       </p:timing>
     </mc:Choice>
-    <mc:Fallback>
+    <mc:Fallback xmlns="">
       <p:timing>
         <p:tnLst>
           <p:par>
@@ -15186,7 +21974,7 @@
 </p:sld>
 </file>
 
-<file path=ppt/slides/slide16.xml><?xml version="1.0" encoding="utf-8"?>
+<file path=ppt/slides/slide25.xml><?xml version="1.0" encoding="utf-8"?>
 <p:sld xmlns:a="http://schemas.openxmlformats.org/drawingml/2006/main" xmlns:r="http://schemas.openxmlformats.org/officeDocument/2006/relationships" xmlns:p="http://schemas.openxmlformats.org/presentationml/2006/main">
   <p:cSld>
     <p:spTree>
@@ -16847,14 +23635,14 @@
   <p:clrMapOvr>
     <a:masterClrMapping/>
   </p:clrMapOvr>
-  <mc:AlternateContent xmlns:mc="http://schemas.openxmlformats.org/markup-compatibility/2006" xmlns:p14="http://schemas.microsoft.com/office/powerpoint/2010/main">
-    <mc:Choice Requires="p14">
-      <p:transition spd="med" p14:dur="700" advTm="0">
+  <mc:AlternateContent xmlns:mc="http://schemas.openxmlformats.org/markup-compatibility/2006">
+    <mc:Choice xmlns:p14="http://schemas.microsoft.com/office/powerpoint/2010/main" Requires="p14">
+      <p:transition spd="med" p14:dur="700" advTm="20000">
         <p:fade/>
       </p:transition>
     </mc:Choice>
-    <mc:Fallback xmlns="">
-      <p:transition spd="med" advTm="0">
+    <mc:Fallback>
+      <p:transition spd="med" advTm="20000">
         <p:fade/>
       </p:transition>
     </mc:Fallback>
@@ -17438,7 +24226,7 @@
 </p:sld>
 </file>
 
-<file path=ppt/slides/slide2.xml><?xml version="1.0" encoding="utf-8"?>
+<file path=ppt/slides/slide3.xml><?xml version="1.0" encoding="utf-8"?>
 <p:sld xmlns:a="http://schemas.openxmlformats.org/drawingml/2006/main" xmlns:r="http://schemas.openxmlformats.org/officeDocument/2006/relationships" xmlns:p="http://schemas.openxmlformats.org/presentationml/2006/main">
   <p:cSld>
     <p:spTree>
@@ -18693,8 +25481,8 @@
         </p:nvSpPr>
         <p:spPr>
           <a:xfrm>
-            <a:off x="1259632" y="2067694"/>
-            <a:ext cx="3456384" cy="835998"/>
+            <a:off x="854879" y="2063739"/>
+            <a:ext cx="2195422" cy="904863"/>
           </a:xfrm>
           <a:prstGeom prst="rect">
             <a:avLst/>
@@ -18757,7 +25545,7 @@
   <p:clrMapOvr>
     <a:masterClrMapping/>
   </p:clrMapOvr>
-  <p:transition spd="slow" advTm="0">
+  <p:transition spd="slow" advTm="20000">
     <p:wipe dir="u"/>
   </p:transition>
   <p:timing>
@@ -20393,7 +27181,7 @@
 </p:sld>
 </file>
 
-<file path=ppt/slides/slide3.xml><?xml version="1.0" encoding="utf-8"?>
+<file path=ppt/slides/slide4.xml><?xml version="1.0" encoding="utf-8"?>
 <p:sld xmlns:a="http://schemas.openxmlformats.org/drawingml/2006/main" xmlns:r="http://schemas.openxmlformats.org/officeDocument/2006/relationships" xmlns:p="http://schemas.openxmlformats.org/presentationml/2006/main">
   <p:cSld>
     <p:spTree>
@@ -21607,14 +28395,14 @@
   <p:clrMapOvr>
     <a:masterClrMapping/>
   </p:clrMapOvr>
-  <mc:AlternateContent xmlns:mc="http://schemas.openxmlformats.org/markup-compatibility/2006" xmlns:p14="http://schemas.microsoft.com/office/powerpoint/2010/main">
-    <mc:Choice Requires="p14">
-      <p:transition spd="slow" p14:dur="1600" advTm="0">
+  <mc:AlternateContent xmlns:mc="http://schemas.openxmlformats.org/markup-compatibility/2006">
+    <mc:Choice xmlns:p14="http://schemas.microsoft.com/office/powerpoint/2010/main" Requires="p14">
+      <p:transition spd="slow" p14:dur="1600" advTm="20000">
         <p:blinds dir="vert"/>
       </p:transition>
     </mc:Choice>
-    <mc:Fallback xmlns="">
-      <p:transition spd="slow" advTm="0">
+    <mc:Fallback>
+      <p:transition spd="slow" advTm="20000">
         <p:blinds dir="vert"/>
       </p:transition>
     </mc:Fallback>
@@ -24054,7 +30842,7 @@
 </p:sld>
 </file>
 
-<file path=ppt/slides/slide4.xml><?xml version="1.0" encoding="utf-8"?>
+<file path=ppt/slides/slide5.xml><?xml version="1.0" encoding="utf-8"?>
 <p:sld xmlns:a="http://schemas.openxmlformats.org/drawingml/2006/main" xmlns:r="http://schemas.openxmlformats.org/officeDocument/2006/relationships" xmlns:p="http://schemas.openxmlformats.org/presentationml/2006/main">
   <p:cSld>
     <p:spTree>
@@ -24242,14 +31030,14 @@
   <p:clrMapOvr>
     <a:masterClrMapping/>
   </p:clrMapOvr>
-  <mc:AlternateContent xmlns:mc="http://schemas.openxmlformats.org/markup-compatibility/2006" xmlns:p14="http://schemas.microsoft.com/office/powerpoint/2010/main">
-    <mc:Choice Requires="p14">
-      <p:transition spd="med" p14:dur="700" advTm="0">
+  <mc:AlternateContent xmlns:mc="http://schemas.openxmlformats.org/markup-compatibility/2006">
+    <mc:Choice xmlns:p14="http://schemas.microsoft.com/office/powerpoint/2010/main" Requires="p14">
+      <p:transition spd="med" p14:dur="700" advTm="20000">
         <p:fade/>
       </p:transition>
     </mc:Choice>
-    <mc:Fallback xmlns="">
-      <p:transition spd="med" advTm="0">
+    <mc:Fallback>
+      <p:transition spd="med" advTm="20000">
         <p:fade/>
       </p:transition>
     </mc:Fallback>
@@ -24436,7 +31224,7 @@
 </p:sld>
 </file>
 
-<file path=ppt/slides/slide5.xml><?xml version="1.0" encoding="utf-8"?>
+<file path=ppt/slides/slide6.xml><?xml version="1.0" encoding="utf-8"?>
 <p:sld xmlns:a="http://schemas.openxmlformats.org/drawingml/2006/main" xmlns:r="http://schemas.openxmlformats.org/officeDocument/2006/relationships" xmlns:p="http://schemas.openxmlformats.org/presentationml/2006/main">
   <p:cSld>
     <p:spTree>
@@ -25650,14 +32438,14 @@
   <p:clrMapOvr>
     <a:masterClrMapping/>
   </p:clrMapOvr>
-  <mc:AlternateContent xmlns:mc="http://schemas.openxmlformats.org/markup-compatibility/2006" xmlns:p14="http://schemas.microsoft.com/office/powerpoint/2010/main">
-    <mc:Choice Requires="p14">
-      <p:transition spd="slow" p14:dur="1600" advTm="0">
+  <mc:AlternateContent xmlns:mc="http://schemas.openxmlformats.org/markup-compatibility/2006">
+    <mc:Choice xmlns:p14="http://schemas.microsoft.com/office/powerpoint/2010/main" Requires="p14">
+      <p:transition spd="slow" p14:dur="1600" advTm="20000">
         <p:blinds dir="vert"/>
       </p:transition>
     </mc:Choice>
-    <mc:Fallback xmlns="">
-      <p:transition spd="slow" advTm="0">
+    <mc:Fallback>
+      <p:transition spd="slow" advTm="20000">
         <p:blinds dir="vert"/>
       </p:transition>
     </mc:Fallback>
@@ -28097,7 +34885,7 @@
 </p:sld>
 </file>
 
-<file path=ppt/slides/slide6.xml><?xml version="1.0" encoding="utf-8"?>
+<file path=ppt/slides/slide7.xml><?xml version="1.0" encoding="utf-8"?>
 <p:sld xmlns:a="http://schemas.openxmlformats.org/drawingml/2006/main" xmlns:r="http://schemas.openxmlformats.org/officeDocument/2006/relationships" xmlns:p="http://schemas.openxmlformats.org/presentationml/2006/main">
   <p:cSld>
     <p:spTree>
@@ -28418,7 +35206,7 @@
         <p:spPr>
           <a:xfrm>
             <a:off x="3202943" y="1311609"/>
-            <a:ext cx="4537095" cy="525966"/>
+            <a:ext cx="4537095" cy="549369"/>
           </a:xfrm>
           <a:prstGeom prst="rect">
             <a:avLst/>
@@ -28474,7 +35262,17 @@
                 <a:latin typeface="微软雅黑" pitchFamily="34" charset="-122"/>
                 <a:ea typeface="微软雅黑" pitchFamily="34" charset="-122"/>
               </a:rPr>
-              <a:t>requiring engineering changes. </a:t>
+              <a:t>requiring engineering changes</a:t>
+            </a:r>
+            <a:r>
+              <a:rPr lang="en-US" altLang="zh-CN" sz="1200" dirty="0" smtClean="0">
+                <a:solidFill>
+                  <a:sysClr val="windowText" lastClr="000000"/>
+                </a:solidFill>
+                <a:latin typeface="微软雅黑" pitchFamily="34" charset="-122"/>
+                <a:ea typeface="微软雅黑" pitchFamily="34" charset="-122"/>
+              </a:rPr>
+              <a:t>.</a:t>
             </a:r>
             <a:endParaRPr lang="zh-CN" altLang="en-US" sz="1200" dirty="0">
               <a:solidFill>
@@ -28872,14 +35670,14 @@
   <p:clrMapOvr>
     <a:masterClrMapping/>
   </p:clrMapOvr>
-  <mc:AlternateContent xmlns:mc="http://schemas.openxmlformats.org/markup-compatibility/2006" xmlns:p14="http://schemas.microsoft.com/office/powerpoint/2010/main">
-    <mc:Choice Requires="p14">
-      <p:transition spd="med" p14:dur="700" advTm="0">
+  <mc:AlternateContent xmlns:mc="http://schemas.openxmlformats.org/markup-compatibility/2006">
+    <mc:Choice xmlns:p14="http://schemas.microsoft.com/office/powerpoint/2010/main" Requires="p14">
+      <p:transition spd="med" p14:dur="700" advTm="20000">
         <p:fade/>
       </p:transition>
     </mc:Choice>
-    <mc:Fallback xmlns="">
-      <p:transition spd="med" advTm="0">
+    <mc:Fallback>
+      <p:transition spd="med" advTm="20000">
         <p:fade/>
       </p:transition>
     </mc:Fallback>
@@ -30961,7 +37759,7 @@
 </p:sld>
 </file>
 
-<file path=ppt/slides/slide7.xml><?xml version="1.0" encoding="utf-8"?>
+<file path=ppt/slides/slide8.xml><?xml version="1.0" encoding="utf-8"?>
 <p:sld xmlns:a="http://schemas.openxmlformats.org/drawingml/2006/main" xmlns:r="http://schemas.openxmlformats.org/officeDocument/2006/relationships" xmlns:p="http://schemas.openxmlformats.org/presentationml/2006/main">
   <p:cSld>
     <p:spTree>
@@ -31057,8 +37855,8 @@
         </p:nvSpPr>
         <p:spPr>
           <a:xfrm>
-            <a:off x="421018" y="2504096"/>
-            <a:ext cx="6092822" cy="584775"/>
+            <a:off x="922982" y="2504096"/>
+            <a:ext cx="5088894" cy="584775"/>
           </a:xfrm>
           <a:prstGeom prst="rect">
             <a:avLst/>
@@ -31126,7 +37924,91 @@
                   <a:reflection blurRad="6350" stA="53000" endA="300" endPos="35500" dir="5400000" sy="-90000" algn="bl" rotWithShape="0"/>
                 </a:effectLst>
               </a:rPr>
-              <a:t>do we do internationalization?</a:t>
+              <a:t>do we </a:t>
+            </a:r>
+            <a:r>
+              <a:rPr lang="en-US" altLang="zh-CN" sz="3200" dirty="0">
+                <a:ln w="0"/>
+                <a:gradFill>
+                  <a:gsLst>
+                    <a:gs pos="0">
+                      <a:schemeClr val="accent5">
+                        <a:lumMod val="50000"/>
+                      </a:schemeClr>
+                    </a:gs>
+                    <a:gs pos="50000">
+                      <a:schemeClr val="accent5"/>
+                    </a:gs>
+                    <a:gs pos="100000">
+                      <a:schemeClr val="accent5">
+                        <a:lumMod val="60000"/>
+                        <a:lumOff val="40000"/>
+                      </a:schemeClr>
+                    </a:gs>
+                  </a:gsLst>
+                  <a:lin ang="5400000"/>
+                </a:gradFill>
+                <a:effectLst>
+                  <a:reflection blurRad="6350" stA="53000" endA="300" endPos="35500" dir="5400000" sy="-90000" algn="bl" rotWithShape="0"/>
+                </a:effectLst>
+              </a:rPr>
+              <a:t>Implement  </a:t>
+            </a:r>
+            <a:r>
+              <a:rPr lang="en-US" altLang="zh-CN" sz="3200" dirty="0" smtClean="0">
+                <a:ln w="0"/>
+                <a:gradFill>
+                  <a:gsLst>
+                    <a:gs pos="0">
+                      <a:schemeClr val="accent5">
+                        <a:lumMod val="50000"/>
+                      </a:schemeClr>
+                    </a:gs>
+                    <a:gs pos="50000">
+                      <a:schemeClr val="accent5"/>
+                    </a:gs>
+                    <a:gs pos="100000">
+                      <a:schemeClr val="accent5">
+                        <a:lumMod val="60000"/>
+                        <a:lumOff val="40000"/>
+                      </a:schemeClr>
+                    </a:gs>
+                  </a:gsLst>
+                  <a:lin ang="5400000"/>
+                </a:gradFill>
+                <a:effectLst>
+                  <a:reflection blurRad="6350" stA="53000" endA="300" endPos="35500" dir="5400000" sy="-90000" algn="bl" rotWithShape="0"/>
+                </a:effectLst>
+              </a:rPr>
+              <a:t>i18n</a:t>
+            </a:r>
+            <a:r>
+              <a:rPr lang="en-US" altLang="zh-CN" sz="3200" dirty="0">
+                <a:ln w="0"/>
+                <a:gradFill>
+                  <a:gsLst>
+                    <a:gs pos="0">
+                      <a:schemeClr val="accent5">
+                        <a:lumMod val="50000"/>
+                      </a:schemeClr>
+                    </a:gs>
+                    <a:gs pos="50000">
+                      <a:schemeClr val="accent5"/>
+                    </a:gs>
+                    <a:gs pos="100000">
+                      <a:schemeClr val="accent5">
+                        <a:lumMod val="60000"/>
+                        <a:lumOff val="40000"/>
+                      </a:schemeClr>
+                    </a:gs>
+                  </a:gsLst>
+                  <a:lin ang="5400000"/>
+                </a:gradFill>
+                <a:effectLst>
+                  <a:reflection blurRad="6350" stA="53000" endA="300" endPos="35500" dir="5400000" sy="-90000" algn="bl" rotWithShape="0"/>
+                </a:effectLst>
+              </a:rPr>
+              <a:t>?</a:t>
             </a:r>
           </a:p>
         </p:txBody>
@@ -31141,14 +38023,14 @@
   <p:clrMapOvr>
     <a:masterClrMapping/>
   </p:clrMapOvr>
-  <mc:AlternateContent xmlns:mc="http://schemas.openxmlformats.org/markup-compatibility/2006" xmlns:p14="http://schemas.microsoft.com/office/powerpoint/2010/main">
-    <mc:Choice Requires="p14">
-      <p:transition spd="med" p14:dur="700" advTm="0">
+  <mc:AlternateContent xmlns:mc="http://schemas.openxmlformats.org/markup-compatibility/2006">
+    <mc:Choice xmlns:p14="http://schemas.microsoft.com/office/powerpoint/2010/main" Requires="p14">
+      <p:transition spd="med" p14:dur="700" advTm="20000">
         <p:fade/>
       </p:transition>
     </mc:Choice>
-    <mc:Fallback xmlns="">
-      <p:transition spd="med" advTm="0">
+    <mc:Fallback>
+      <p:transition spd="med" advTm="20000">
         <p:fade/>
       </p:transition>
     </mc:Fallback>
@@ -31321,7 +38203,7 @@
 </p:sld>
 </file>
 
-<file path=ppt/slides/slide8.xml><?xml version="1.0" encoding="utf-8"?>
+<file path=ppt/slides/slide9.xml><?xml version="1.0" encoding="utf-8"?>
 <p:sld xmlns:a="http://schemas.openxmlformats.org/drawingml/2006/main" xmlns:r="http://schemas.openxmlformats.org/officeDocument/2006/relationships" xmlns:p="http://schemas.openxmlformats.org/presentationml/2006/main">
   <p:cSld>
     <p:spTree>
@@ -32535,14 +39417,14 @@
   <p:clrMapOvr>
     <a:masterClrMapping/>
   </p:clrMapOvr>
-  <mc:AlternateContent xmlns:mc="http://schemas.openxmlformats.org/markup-compatibility/2006" xmlns:p14="http://schemas.microsoft.com/office/powerpoint/2010/main">
-    <mc:Choice Requires="p14">
-      <p:transition spd="slow" p14:dur="1600" advTm="0">
+  <mc:AlternateContent xmlns:mc="http://schemas.openxmlformats.org/markup-compatibility/2006">
+    <mc:Choice xmlns:p14="http://schemas.microsoft.com/office/powerpoint/2010/main" Requires="p14">
+      <p:transition spd="slow" p14:dur="1600" advTm="20000">
         <p:blinds dir="vert"/>
       </p:transition>
     </mc:Choice>
-    <mc:Fallback xmlns="">
-      <p:transition spd="slow" advTm="0">
+    <mc:Fallback>
+      <p:transition spd="slow" advTm="20000">
         <p:blinds dir="vert"/>
       </p:transition>
     </mc:Fallback>
@@ -34979,1010 +41861,6 @@
       </p:timing>
     </mc:Fallback>
   </mc:AlternateContent>
-</p:sld>
-</file>
-
-<file path=ppt/slides/slide9.xml><?xml version="1.0" encoding="utf-8"?>
-<p:sld xmlns:a="http://schemas.openxmlformats.org/drawingml/2006/main" xmlns:r="http://schemas.openxmlformats.org/officeDocument/2006/relationships" xmlns:p="http://schemas.openxmlformats.org/presentationml/2006/main">
-  <p:cSld>
-    <p:spTree>
-      <p:nvGrpSpPr>
-        <p:cNvPr id="1" name=""/>
-        <p:cNvGrpSpPr/>
-        <p:nvPr/>
-      </p:nvGrpSpPr>
-      <p:grpSpPr>
-        <a:xfrm>
-          <a:off x="0" y="0"/>
-          <a:ext cx="0" cy="0"/>
-          <a:chOff x="0" y="0"/>
-          <a:chExt cx="0" cy="0"/>
-        </a:xfrm>
-      </p:grpSpPr>
-      <p:sp>
-        <p:nvSpPr>
-          <p:cNvPr id="6" name="标题 5"/>
-          <p:cNvSpPr>
-            <a:spLocks noGrp="1"/>
-          </p:cNvSpPr>
-          <p:nvPr>
-            <p:ph type="title"/>
-          </p:nvPr>
-        </p:nvSpPr>
-        <p:spPr/>
-        <p:txBody>
-          <a:bodyPr>
-            <a:noAutofit/>
-          </a:bodyPr>
-          <a:lstStyle/>
-          <a:p>
-            <a:r>
-              <a:rPr lang="en-US" altLang="zh-CN" sz="1800" b="1" dirty="0"/>
-              <a:t>Use i18n with Spring framework</a:t>
-            </a:r>
-          </a:p>
-        </p:txBody>
-      </p:sp>
-      <p:sp>
-        <p:nvSpPr>
-          <p:cNvPr id="3" name="矩形 2"/>
-          <p:cNvSpPr/>
-          <p:nvPr/>
-        </p:nvSpPr>
-        <p:spPr>
-          <a:xfrm>
-            <a:off x="1525015" y="1402492"/>
-            <a:ext cx="2776526" cy="3257490"/>
-          </a:xfrm>
-          <a:prstGeom prst="rect">
-            <a:avLst/>
-          </a:prstGeom>
-          <a:solidFill>
-            <a:schemeClr val="accent1">
-              <a:alpha val="24000"/>
-            </a:schemeClr>
-          </a:solidFill>
-          <a:ln w="12700" cmpd="sng">
-            <a:solidFill>
-              <a:schemeClr val="accent1"/>
-            </a:solidFill>
-            <a:miter lim="800000"/>
-            <a:headEnd/>
-            <a:tailEnd/>
-          </a:ln>
-        </p:spPr>
-        <p:txBody>
-          <a:bodyPr anchor="ctr"/>
-          <a:lstStyle/>
-          <a:p>
-            <a:endParaRPr lang="zh-CN" altLang="en-US">
-              <a:solidFill>
-                <a:schemeClr val="tx1"/>
-              </a:solidFill>
-            </a:endParaRPr>
-          </a:p>
-        </p:txBody>
-      </p:sp>
-      <p:sp>
-        <p:nvSpPr>
-          <p:cNvPr id="4" name="AutoShape 12"/>
-          <p:cNvSpPr>
-            <a:spLocks noChangeArrowheads="1"/>
-          </p:cNvSpPr>
-          <p:nvPr/>
-        </p:nvSpPr>
-        <p:spPr bwMode="auto">
-          <a:xfrm>
-            <a:off x="1525015" y="1106199"/>
-            <a:ext cx="2776526" cy="592586"/>
-          </a:xfrm>
-          <a:prstGeom prst="homePlate">
-            <a:avLst>
-              <a:gd name="adj" fmla="val 63872"/>
-            </a:avLst>
-          </a:prstGeom>
-          <a:solidFill>
-            <a:schemeClr val="accent1"/>
-          </a:solidFill>
-          <a:ln w="9525">
-            <a:noFill/>
-            <a:miter lim="800000"/>
-            <a:headEnd/>
-            <a:tailEnd/>
-          </a:ln>
-        </p:spPr>
-        <p:txBody>
-          <a:bodyPr wrap="none" lIns="68567" tIns="34284" rIns="68567" bIns="34284" anchor="ctr"/>
-          <a:lstStyle/>
-          <a:p>
-            <a:pPr algn="ctr"/>
-            <a:r>
-              <a:rPr lang="en-US" altLang="zh-CN" b="1" dirty="0" smtClean="0">
-                <a:solidFill>
-                  <a:prstClr val="white"/>
-                </a:solidFill>
-                <a:latin typeface="微软雅黑" pitchFamily="34" charset="-122"/>
-                <a:ea typeface="微软雅黑" pitchFamily="34" charset="-122"/>
-              </a:rPr>
-              <a:t>Theme</a:t>
-            </a:r>
-            <a:endParaRPr lang="zh-CN" altLang="en-US" b="1" dirty="0">
-              <a:solidFill>
-                <a:prstClr val="white"/>
-              </a:solidFill>
-              <a:latin typeface="微软雅黑" pitchFamily="34" charset="-122"/>
-              <a:ea typeface="微软雅黑" pitchFamily="34" charset="-122"/>
-            </a:endParaRPr>
-          </a:p>
-        </p:txBody>
-      </p:sp>
-      <p:sp>
-        <p:nvSpPr>
-          <p:cNvPr id="5" name="TextBox 4"/>
-          <p:cNvSpPr txBox="1"/>
-          <p:nvPr/>
-        </p:nvSpPr>
-        <p:spPr>
-          <a:xfrm>
-            <a:off x="1633041" y="1905676"/>
-            <a:ext cx="2668500" cy="789435"/>
-          </a:xfrm>
-          <a:prstGeom prst="rect">
-            <a:avLst/>
-          </a:prstGeom>
-          <a:noFill/>
-        </p:spPr>
-        <p:txBody>
-          <a:bodyPr wrap="square" lIns="68567" tIns="34284" rIns="68567" bIns="34284" rtlCol="0">
-            <a:spAutoFit/>
-          </a:bodyPr>
-          <a:lstStyle/>
-          <a:p>
-            <a:pPr>
-              <a:lnSpc>
-                <a:spcPct val="130000"/>
-              </a:lnSpc>
-            </a:pPr>
-            <a:r>
-              <a:rPr lang="en-US" altLang="zh-CN" sz="1200" dirty="0" smtClean="0">
-                <a:solidFill>
-                  <a:sysClr val="windowText" lastClr="000000"/>
-                </a:solidFill>
-                <a:latin typeface="微软雅黑" pitchFamily="34" charset="-122"/>
-                <a:ea typeface="微软雅黑" pitchFamily="34" charset="-122"/>
-              </a:rPr>
-              <a:t>With theme, we can change the application’s style, like CSS, JS etc. .</a:t>
-            </a:r>
-            <a:endParaRPr lang="zh-CN" altLang="en-US" sz="1200" dirty="0">
-              <a:solidFill>
-                <a:sysClr val="windowText" lastClr="000000"/>
-              </a:solidFill>
-              <a:latin typeface="微软雅黑" pitchFamily="34" charset="-122"/>
-              <a:ea typeface="微软雅黑" pitchFamily="34" charset="-122"/>
-            </a:endParaRPr>
-          </a:p>
-        </p:txBody>
-      </p:sp>
-      <p:sp>
-        <p:nvSpPr>
-          <p:cNvPr id="7" name="矩形 6"/>
-          <p:cNvSpPr/>
-          <p:nvPr/>
-        </p:nvSpPr>
-        <p:spPr>
-          <a:xfrm>
-            <a:off x="4819810" y="1402492"/>
-            <a:ext cx="2776526" cy="3257490"/>
-          </a:xfrm>
-          <a:prstGeom prst="rect">
-            <a:avLst/>
-          </a:prstGeom>
-          <a:solidFill>
-            <a:schemeClr val="accent1">
-              <a:alpha val="24000"/>
-            </a:schemeClr>
-          </a:solidFill>
-          <a:ln w="12700" cmpd="sng">
-            <a:solidFill>
-              <a:schemeClr val="accent1"/>
-            </a:solidFill>
-            <a:miter lim="800000"/>
-            <a:headEnd/>
-            <a:tailEnd/>
-          </a:ln>
-        </p:spPr>
-        <p:txBody>
-          <a:bodyPr anchor="ctr"/>
-          <a:lstStyle/>
-          <a:p>
-            <a:endParaRPr lang="zh-CN" altLang="en-US">
-              <a:solidFill>
-                <a:schemeClr val="tx1"/>
-              </a:solidFill>
-            </a:endParaRPr>
-          </a:p>
-        </p:txBody>
-      </p:sp>
-      <p:sp>
-        <p:nvSpPr>
-          <p:cNvPr id="8" name="AutoShape 12"/>
-          <p:cNvSpPr>
-            <a:spLocks noChangeArrowheads="1"/>
-          </p:cNvSpPr>
-          <p:nvPr/>
-        </p:nvSpPr>
-        <p:spPr bwMode="auto">
-          <a:xfrm flipH="1">
-            <a:off x="4819810" y="1106199"/>
-            <a:ext cx="2776526" cy="592586"/>
-          </a:xfrm>
-          <a:prstGeom prst="homePlate">
-            <a:avLst>
-              <a:gd name="adj" fmla="val 63872"/>
-            </a:avLst>
-          </a:prstGeom>
-          <a:solidFill>
-            <a:schemeClr val="accent1"/>
-          </a:solidFill>
-          <a:ln w="9525">
-            <a:noFill/>
-            <a:miter lim="800000"/>
-            <a:headEnd/>
-            <a:tailEnd/>
-          </a:ln>
-        </p:spPr>
-        <p:txBody>
-          <a:bodyPr wrap="none" lIns="68567" tIns="34284" rIns="68567" bIns="34284" anchor="ctr"/>
-          <a:lstStyle/>
-          <a:p>
-            <a:pPr algn="ctr"/>
-            <a:r>
-              <a:rPr lang="en-US" altLang="zh-CN" b="1" dirty="0" smtClean="0">
-                <a:solidFill>
-                  <a:prstClr val="white"/>
-                </a:solidFill>
-                <a:latin typeface="微软雅黑" pitchFamily="34" charset="-122"/>
-                <a:ea typeface="微软雅黑" pitchFamily="34" charset="-122"/>
-              </a:rPr>
-              <a:t>Localization</a:t>
-            </a:r>
-            <a:endParaRPr lang="zh-CN" altLang="en-US" b="1" dirty="0">
-              <a:solidFill>
-                <a:prstClr val="white"/>
-              </a:solidFill>
-              <a:latin typeface="微软雅黑" pitchFamily="34" charset="-122"/>
-              <a:ea typeface="微软雅黑" pitchFamily="34" charset="-122"/>
-            </a:endParaRPr>
-          </a:p>
-        </p:txBody>
-      </p:sp>
-      <p:sp>
-        <p:nvSpPr>
-          <p:cNvPr id="9" name="TextBox 8"/>
-          <p:cNvSpPr txBox="1"/>
-          <p:nvPr/>
-        </p:nvSpPr>
-        <p:spPr>
-          <a:xfrm>
-            <a:off x="4927836" y="1905676"/>
-            <a:ext cx="2668500" cy="789435"/>
-          </a:xfrm>
-          <a:prstGeom prst="rect">
-            <a:avLst/>
-          </a:prstGeom>
-          <a:noFill/>
-        </p:spPr>
-        <p:txBody>
-          <a:bodyPr wrap="square" lIns="68567" tIns="34284" rIns="68567" bIns="34284" rtlCol="0">
-            <a:spAutoFit/>
-          </a:bodyPr>
-          <a:lstStyle/>
-          <a:p>
-            <a:pPr>
-              <a:lnSpc>
-                <a:spcPct val="130000"/>
-              </a:lnSpc>
-            </a:pPr>
-            <a:r>
-              <a:rPr lang="en-US" altLang="zh-CN" sz="1200" dirty="0" smtClean="0">
-                <a:solidFill>
-                  <a:sysClr val="windowText" lastClr="000000"/>
-                </a:solidFill>
-                <a:latin typeface="微软雅黑" pitchFamily="34" charset="-122"/>
-                <a:ea typeface="微软雅黑" pitchFamily="34" charset="-122"/>
-              </a:rPr>
-              <a:t>With localization, we can change the message without any code change.</a:t>
-            </a:r>
-            <a:endParaRPr lang="zh-CN" altLang="en-US" sz="1200" dirty="0">
-              <a:solidFill>
-                <a:sysClr val="windowText" lastClr="000000"/>
-              </a:solidFill>
-              <a:latin typeface="微软雅黑" pitchFamily="34" charset="-122"/>
-              <a:ea typeface="微软雅黑" pitchFamily="34" charset="-122"/>
-            </a:endParaRPr>
-          </a:p>
-        </p:txBody>
-      </p:sp>
-      <p:sp>
-        <p:nvSpPr>
-          <p:cNvPr id="11" name="TextBox 10"/>
-          <p:cNvSpPr txBox="1"/>
-          <p:nvPr/>
-        </p:nvSpPr>
-        <p:spPr>
-          <a:xfrm>
-            <a:off x="-41955" y="-2540818"/>
-            <a:ext cx="877163" cy="369332"/>
-          </a:xfrm>
-          <a:prstGeom prst="rect">
-            <a:avLst/>
-          </a:prstGeom>
-          <a:noFill/>
-        </p:spPr>
-        <p:txBody>
-          <a:bodyPr wrap="none" rtlCol="0">
-            <a:spAutoFit/>
-          </a:bodyPr>
-          <a:lstStyle/>
-          <a:p>
-            <a:r>
-              <a:rPr lang="zh-CN" altLang="en-US" dirty="0" smtClean="0"/>
-              <a:t>延迟符</a:t>
-            </a:r>
-            <a:endParaRPr lang="zh-CN" altLang="en-US" dirty="0"/>
-          </a:p>
-        </p:txBody>
-      </p:sp>
-    </p:spTree>
-    <p:extLst>
-      <p:ext uri="{BB962C8B-B14F-4D97-AF65-F5344CB8AC3E}">
-        <p14:creationId xmlns:p14="http://schemas.microsoft.com/office/powerpoint/2010/main" val="2556669840"/>
-      </p:ext>
-    </p:extLst>
-  </p:cSld>
-  <p:clrMapOvr>
-    <a:masterClrMapping/>
-  </p:clrMapOvr>
-  <mc:AlternateContent xmlns:mc="http://schemas.openxmlformats.org/markup-compatibility/2006" xmlns:p14="http://schemas.microsoft.com/office/powerpoint/2010/main">
-    <mc:Choice Requires="p14">
-      <p:transition spd="med" p14:dur="700" advTm="0">
-        <p:fade/>
-      </p:transition>
-    </mc:Choice>
-    <mc:Fallback xmlns="">
-      <p:transition spd="med" advTm="0">
-        <p:fade/>
-      </p:transition>
-    </mc:Fallback>
-  </mc:AlternateContent>
-  <p:timing>
-    <p:tnLst>
-      <p:par>
-        <p:cTn id="1" dur="indefinite" restart="never" nodeType="tmRoot">
-          <p:childTnLst>
-            <p:seq concurrent="1" nextAc="seek">
-              <p:cTn id="2" dur="indefinite" nodeType="mainSeq">
-                <p:childTnLst>
-                  <p:par>
-                    <p:cTn id="3" fill="hold">
-                      <p:stCondLst>
-                        <p:cond delay="indefinite"/>
-                        <p:cond evt="onBegin" delay="0">
-                          <p:tn val="2"/>
-                        </p:cond>
-                      </p:stCondLst>
-                      <p:childTnLst>
-                        <p:par>
-                          <p:cTn id="4" fill="hold">
-                            <p:stCondLst>
-                              <p:cond delay="0"/>
-                            </p:stCondLst>
-                            <p:childTnLst>
-                              <p:par>
-                                <p:cTn id="5" presetID="22" presetClass="entr" presetSubtype="8" fill="hold" grpId="0" nodeType="afterEffect">
-                                  <p:stCondLst>
-                                    <p:cond delay="0"/>
-                                  </p:stCondLst>
-                                  <p:childTnLst>
-                                    <p:set>
-                                      <p:cBhvr>
-                                        <p:cTn id="6" dur="1" fill="hold">
-                                          <p:stCondLst>
-                                            <p:cond delay="0"/>
-                                          </p:stCondLst>
-                                        </p:cTn>
-                                        <p:tgtEl>
-                                          <p:spTgt spid="6"/>
-                                        </p:tgtEl>
-                                        <p:attrNameLst>
-                                          <p:attrName>style.visibility</p:attrName>
-                                        </p:attrNameLst>
-                                      </p:cBhvr>
-                                      <p:to>
-                                        <p:strVal val="visible"/>
-                                      </p:to>
-                                    </p:set>
-                                    <p:animEffect transition="in" filter="wipe(left)">
-                                      <p:cBhvr>
-                                        <p:cTn id="7" dur="500"/>
-                                        <p:tgtEl>
-                                          <p:spTgt spid="6"/>
-                                        </p:tgtEl>
-                                      </p:cBhvr>
-                                    </p:animEffect>
-                                  </p:childTnLst>
-                                </p:cTn>
-                              </p:par>
-                            </p:childTnLst>
-                          </p:cTn>
-                        </p:par>
-                        <p:par>
-                          <p:cTn id="8" fill="hold">
-                            <p:stCondLst>
-                              <p:cond delay="500"/>
-                            </p:stCondLst>
-                            <p:childTnLst>
-                              <p:par>
-                                <p:cTn id="9" presetID="2" presetClass="entr" presetSubtype="8" fill="hold" grpId="0" nodeType="afterEffect">
-                                  <p:stCondLst>
-                                    <p:cond delay="0"/>
-                                  </p:stCondLst>
-                                  <p:childTnLst>
-                                    <p:set>
-                                      <p:cBhvr>
-                                        <p:cTn id="10" dur="1" fill="hold">
-                                          <p:stCondLst>
-                                            <p:cond delay="0"/>
-                                          </p:stCondLst>
-                                        </p:cTn>
-                                        <p:tgtEl>
-                                          <p:spTgt spid="4"/>
-                                        </p:tgtEl>
-                                        <p:attrNameLst>
-                                          <p:attrName>style.visibility</p:attrName>
-                                        </p:attrNameLst>
-                                      </p:cBhvr>
-                                      <p:to>
-                                        <p:strVal val="visible"/>
-                                      </p:to>
-                                    </p:set>
-                                    <p:anim calcmode="lin" valueType="num">
-                                      <p:cBhvr additive="base">
-                                        <p:cTn id="11" dur="500" fill="hold"/>
-                                        <p:tgtEl>
-                                          <p:spTgt spid="4"/>
-                                        </p:tgtEl>
-                                        <p:attrNameLst>
-                                          <p:attrName>ppt_x</p:attrName>
-                                        </p:attrNameLst>
-                                      </p:cBhvr>
-                                      <p:tavLst>
-                                        <p:tav tm="0">
-                                          <p:val>
-                                            <p:strVal val="0-#ppt_w/2"/>
-                                          </p:val>
-                                        </p:tav>
-                                        <p:tav tm="100000">
-                                          <p:val>
-                                            <p:strVal val="#ppt_x"/>
-                                          </p:val>
-                                        </p:tav>
-                                      </p:tavLst>
-                                    </p:anim>
-                                    <p:anim calcmode="lin" valueType="num">
-                                      <p:cBhvr additive="base">
-                                        <p:cTn id="12" dur="500" fill="hold"/>
-                                        <p:tgtEl>
-                                          <p:spTgt spid="4"/>
-                                        </p:tgtEl>
-                                        <p:attrNameLst>
-                                          <p:attrName>ppt_y</p:attrName>
-                                        </p:attrNameLst>
-                                      </p:cBhvr>
-                                      <p:tavLst>
-                                        <p:tav tm="0">
-                                          <p:val>
-                                            <p:strVal val="#ppt_y"/>
-                                          </p:val>
-                                        </p:tav>
-                                        <p:tav tm="100000">
-                                          <p:val>
-                                            <p:strVal val="#ppt_y"/>
-                                          </p:val>
-                                        </p:tav>
-                                      </p:tavLst>
-                                    </p:anim>
-                                  </p:childTnLst>
-                                </p:cTn>
-                              </p:par>
-                            </p:childTnLst>
-                          </p:cTn>
-                        </p:par>
-                        <p:par>
-                          <p:cTn id="13" fill="hold">
-                            <p:stCondLst>
-                              <p:cond delay="1000"/>
-                            </p:stCondLst>
-                            <p:childTnLst>
-                              <p:par>
-                                <p:cTn id="14" presetID="22" presetClass="entr" presetSubtype="1" fill="hold" grpId="0" nodeType="afterEffect">
-                                  <p:stCondLst>
-                                    <p:cond delay="0"/>
-                                  </p:stCondLst>
-                                  <p:childTnLst>
-                                    <p:set>
-                                      <p:cBhvr>
-                                        <p:cTn id="15" dur="1" fill="hold">
-                                          <p:stCondLst>
-                                            <p:cond delay="0"/>
-                                          </p:stCondLst>
-                                        </p:cTn>
-                                        <p:tgtEl>
-                                          <p:spTgt spid="3"/>
-                                        </p:tgtEl>
-                                        <p:attrNameLst>
-                                          <p:attrName>style.visibility</p:attrName>
-                                        </p:attrNameLst>
-                                      </p:cBhvr>
-                                      <p:to>
-                                        <p:strVal val="visible"/>
-                                      </p:to>
-                                    </p:set>
-                                    <p:animEffect transition="in" filter="wipe(up)">
-                                      <p:cBhvr>
-                                        <p:cTn id="16" dur="500"/>
-                                        <p:tgtEl>
-                                          <p:spTgt spid="3"/>
-                                        </p:tgtEl>
-                                      </p:cBhvr>
-                                    </p:animEffect>
-                                  </p:childTnLst>
-                                </p:cTn>
-                              </p:par>
-                            </p:childTnLst>
-                          </p:cTn>
-                        </p:par>
-                        <p:par>
-                          <p:cTn id="17" fill="hold">
-                            <p:stCondLst>
-                              <p:cond delay="1500"/>
-                            </p:stCondLst>
-                            <p:childTnLst>
-                              <p:par>
-                                <p:cTn id="18" presetID="22" presetClass="entr" presetSubtype="8" fill="hold" grpId="0" nodeType="afterEffect">
-                                  <p:stCondLst>
-                                    <p:cond delay="0"/>
-                                  </p:stCondLst>
-                                  <p:iterate type="lt">
-                                    <p:tmPct val="30000"/>
-                                  </p:iterate>
-                                  <p:childTnLst>
-                                    <p:set>
-                                      <p:cBhvr>
-                                        <p:cTn id="19" dur="1" fill="hold">
-                                          <p:stCondLst>
-                                            <p:cond delay="0"/>
-                                          </p:stCondLst>
-                                        </p:cTn>
-                                        <p:tgtEl>
-                                          <p:spTgt spid="5"/>
-                                        </p:tgtEl>
-                                        <p:attrNameLst>
-                                          <p:attrName>style.visibility</p:attrName>
-                                        </p:attrNameLst>
-                                      </p:cBhvr>
-                                      <p:to>
-                                        <p:strVal val="visible"/>
-                                      </p:to>
-                                    </p:set>
-                                    <p:animEffect transition="in" filter="wipe(left)">
-                                      <p:cBhvr>
-                                        <p:cTn id="20" dur="100"/>
-                                        <p:tgtEl>
-                                          <p:spTgt spid="5"/>
-                                        </p:tgtEl>
-                                      </p:cBhvr>
-                                    </p:animEffect>
-                                  </p:childTnLst>
-                                </p:cTn>
-                              </p:par>
-                              <p:par>
-                                <p:cTn id="21" presetID="36" presetClass="emph" presetSubtype="0" fill="hold" grpId="1" nodeType="withEffect">
-                                  <p:stCondLst>
-                                    <p:cond delay="0"/>
-                                  </p:stCondLst>
-                                  <p:iterate type="lt">
-                                    <p:tmPct val="30000"/>
-                                  </p:iterate>
-                                  <p:childTnLst>
-                                    <p:animScale>
-                                      <p:cBhvr>
-                                        <p:cTn id="22" dur="50" autoRev="1" fill="hold">
-                                          <p:stCondLst>
-                                            <p:cond delay="0"/>
-                                          </p:stCondLst>
-                                        </p:cTn>
-                                        <p:tgtEl>
-                                          <p:spTgt spid="5"/>
-                                        </p:tgtEl>
-                                      </p:cBhvr>
-                                      <p:to x="80000" y="100000"/>
-                                    </p:animScale>
-                                    <p:anim by="(#ppt_w*0.10)" calcmode="lin" valueType="num">
-                                      <p:cBhvr>
-                                        <p:cTn id="23" dur="50" autoRev="1" fill="hold">
-                                          <p:stCondLst>
-                                            <p:cond delay="0"/>
-                                          </p:stCondLst>
-                                        </p:cTn>
-                                        <p:tgtEl>
-                                          <p:spTgt spid="5"/>
-                                        </p:tgtEl>
-                                        <p:attrNameLst>
-                                          <p:attrName>ppt_x</p:attrName>
-                                        </p:attrNameLst>
-                                      </p:cBhvr>
-                                    </p:anim>
-                                    <p:anim by="(-#ppt_w*0.10)" calcmode="lin" valueType="num">
-                                      <p:cBhvr>
-                                        <p:cTn id="24" dur="50" autoRev="1" fill="hold">
-                                          <p:stCondLst>
-                                            <p:cond delay="0"/>
-                                          </p:stCondLst>
-                                        </p:cTn>
-                                        <p:tgtEl>
-                                          <p:spTgt spid="5"/>
-                                        </p:tgtEl>
-                                        <p:attrNameLst>
-                                          <p:attrName>ppt_y</p:attrName>
-                                        </p:attrNameLst>
-                                      </p:cBhvr>
-                                    </p:anim>
-                                    <p:animRot by="-480000">
-                                      <p:cBhvr>
-                                        <p:cTn id="25" dur="50" autoRev="1" fill="hold">
-                                          <p:stCondLst>
-                                            <p:cond delay="0"/>
-                                          </p:stCondLst>
-                                        </p:cTn>
-                                        <p:tgtEl>
-                                          <p:spTgt spid="5"/>
-                                        </p:tgtEl>
-                                        <p:attrNameLst>
-                                          <p:attrName>r</p:attrName>
-                                        </p:attrNameLst>
-                                      </p:cBhvr>
-                                    </p:animRot>
-                                  </p:childTnLst>
-                                </p:cTn>
-                              </p:par>
-                            </p:childTnLst>
-                          </p:cTn>
-                        </p:par>
-                        <p:par>
-                          <p:cTn id="26" fill="hold">
-                            <p:stCondLst>
-                              <p:cond delay="3310"/>
-                            </p:stCondLst>
-                            <p:childTnLst>
-                              <p:par>
-                                <p:cTn id="27" presetID="2" presetClass="entr" presetSubtype="2" fill="hold" grpId="0" nodeType="afterEffect">
-                                  <p:stCondLst>
-                                    <p:cond delay="0"/>
-                                  </p:stCondLst>
-                                  <p:childTnLst>
-                                    <p:set>
-                                      <p:cBhvr>
-                                        <p:cTn id="28" dur="1" fill="hold">
-                                          <p:stCondLst>
-                                            <p:cond delay="0"/>
-                                          </p:stCondLst>
-                                        </p:cTn>
-                                        <p:tgtEl>
-                                          <p:spTgt spid="8"/>
-                                        </p:tgtEl>
-                                        <p:attrNameLst>
-                                          <p:attrName>style.visibility</p:attrName>
-                                        </p:attrNameLst>
-                                      </p:cBhvr>
-                                      <p:to>
-                                        <p:strVal val="visible"/>
-                                      </p:to>
-                                    </p:set>
-                                    <p:anim calcmode="lin" valueType="num">
-                                      <p:cBhvr additive="base">
-                                        <p:cTn id="29" dur="500" fill="hold"/>
-                                        <p:tgtEl>
-                                          <p:spTgt spid="8"/>
-                                        </p:tgtEl>
-                                        <p:attrNameLst>
-                                          <p:attrName>ppt_x</p:attrName>
-                                        </p:attrNameLst>
-                                      </p:cBhvr>
-                                      <p:tavLst>
-                                        <p:tav tm="0">
-                                          <p:val>
-                                            <p:strVal val="1+#ppt_w/2"/>
-                                          </p:val>
-                                        </p:tav>
-                                        <p:tav tm="100000">
-                                          <p:val>
-                                            <p:strVal val="#ppt_x"/>
-                                          </p:val>
-                                        </p:tav>
-                                      </p:tavLst>
-                                    </p:anim>
-                                    <p:anim calcmode="lin" valueType="num">
-                                      <p:cBhvr additive="base">
-                                        <p:cTn id="30" dur="500" fill="hold"/>
-                                        <p:tgtEl>
-                                          <p:spTgt spid="8"/>
-                                        </p:tgtEl>
-                                        <p:attrNameLst>
-                                          <p:attrName>ppt_y</p:attrName>
-                                        </p:attrNameLst>
-                                      </p:cBhvr>
-                                      <p:tavLst>
-                                        <p:tav tm="0">
-                                          <p:val>
-                                            <p:strVal val="#ppt_y"/>
-                                          </p:val>
-                                        </p:tav>
-                                        <p:tav tm="100000">
-                                          <p:val>
-                                            <p:strVal val="#ppt_y"/>
-                                          </p:val>
-                                        </p:tav>
-                                      </p:tavLst>
-                                    </p:anim>
-                                  </p:childTnLst>
-                                </p:cTn>
-                              </p:par>
-                            </p:childTnLst>
-                          </p:cTn>
-                        </p:par>
-                        <p:par>
-                          <p:cTn id="31" fill="hold">
-                            <p:stCondLst>
-                              <p:cond delay="3810"/>
-                            </p:stCondLst>
-                            <p:childTnLst>
-                              <p:par>
-                                <p:cTn id="32" presetID="22" presetClass="entr" presetSubtype="1" fill="hold" grpId="0" nodeType="afterEffect">
-                                  <p:stCondLst>
-                                    <p:cond delay="0"/>
-                                  </p:stCondLst>
-                                  <p:childTnLst>
-                                    <p:set>
-                                      <p:cBhvr>
-                                        <p:cTn id="33" dur="1" fill="hold">
-                                          <p:stCondLst>
-                                            <p:cond delay="0"/>
-                                          </p:stCondLst>
-                                        </p:cTn>
-                                        <p:tgtEl>
-                                          <p:spTgt spid="7"/>
-                                        </p:tgtEl>
-                                        <p:attrNameLst>
-                                          <p:attrName>style.visibility</p:attrName>
-                                        </p:attrNameLst>
-                                      </p:cBhvr>
-                                      <p:to>
-                                        <p:strVal val="visible"/>
-                                      </p:to>
-                                    </p:set>
-                                    <p:animEffect transition="in" filter="wipe(up)">
-                                      <p:cBhvr>
-                                        <p:cTn id="34" dur="500"/>
-                                        <p:tgtEl>
-                                          <p:spTgt spid="7"/>
-                                        </p:tgtEl>
-                                      </p:cBhvr>
-                                    </p:animEffect>
-                                  </p:childTnLst>
-                                </p:cTn>
-                              </p:par>
-                            </p:childTnLst>
-                          </p:cTn>
-                        </p:par>
-                        <p:par>
-                          <p:cTn id="35" fill="hold">
-                            <p:stCondLst>
-                              <p:cond delay="4310"/>
-                            </p:stCondLst>
-                            <p:childTnLst>
-                              <p:par>
-                                <p:cTn id="36" presetID="22" presetClass="entr" presetSubtype="8" fill="hold" grpId="0" nodeType="afterEffect">
-                                  <p:stCondLst>
-                                    <p:cond delay="0"/>
-                                  </p:stCondLst>
-                                  <p:iterate type="lt">
-                                    <p:tmPct val="30000"/>
-                                  </p:iterate>
-                                  <p:childTnLst>
-                                    <p:set>
-                                      <p:cBhvr>
-                                        <p:cTn id="37" dur="1" fill="hold">
-                                          <p:stCondLst>
-                                            <p:cond delay="0"/>
-                                          </p:stCondLst>
-                                        </p:cTn>
-                                        <p:tgtEl>
-                                          <p:spTgt spid="9"/>
-                                        </p:tgtEl>
-                                        <p:attrNameLst>
-                                          <p:attrName>style.visibility</p:attrName>
-                                        </p:attrNameLst>
-                                      </p:cBhvr>
-                                      <p:to>
-                                        <p:strVal val="visible"/>
-                                      </p:to>
-                                    </p:set>
-                                    <p:animEffect transition="in" filter="wipe(left)">
-                                      <p:cBhvr>
-                                        <p:cTn id="38" dur="100"/>
-                                        <p:tgtEl>
-                                          <p:spTgt spid="9"/>
-                                        </p:tgtEl>
-                                      </p:cBhvr>
-                                    </p:animEffect>
-                                  </p:childTnLst>
-                                </p:cTn>
-                              </p:par>
-                              <p:par>
-                                <p:cTn id="39" presetID="36" presetClass="emph" presetSubtype="0" fill="hold" grpId="1" nodeType="withEffect">
-                                  <p:stCondLst>
-                                    <p:cond delay="0"/>
-                                  </p:stCondLst>
-                                  <p:iterate type="lt">
-                                    <p:tmPct val="30000"/>
-                                  </p:iterate>
-                                  <p:childTnLst>
-                                    <p:animScale>
-                                      <p:cBhvr>
-                                        <p:cTn id="40" dur="50" autoRev="1" fill="hold">
-                                          <p:stCondLst>
-                                            <p:cond delay="0"/>
-                                          </p:stCondLst>
-                                        </p:cTn>
-                                        <p:tgtEl>
-                                          <p:spTgt spid="9"/>
-                                        </p:tgtEl>
-                                      </p:cBhvr>
-                                      <p:to x="80000" y="100000"/>
-                                    </p:animScale>
-                                    <p:anim by="(#ppt_w*0.10)" calcmode="lin" valueType="num">
-                                      <p:cBhvr>
-                                        <p:cTn id="41" dur="50" autoRev="1" fill="hold">
-                                          <p:stCondLst>
-                                            <p:cond delay="0"/>
-                                          </p:stCondLst>
-                                        </p:cTn>
-                                        <p:tgtEl>
-                                          <p:spTgt spid="9"/>
-                                        </p:tgtEl>
-                                        <p:attrNameLst>
-                                          <p:attrName>ppt_x</p:attrName>
-                                        </p:attrNameLst>
-                                      </p:cBhvr>
-                                    </p:anim>
-                                    <p:anim by="(-#ppt_w*0.10)" calcmode="lin" valueType="num">
-                                      <p:cBhvr>
-                                        <p:cTn id="42" dur="50" autoRev="1" fill="hold">
-                                          <p:stCondLst>
-                                            <p:cond delay="0"/>
-                                          </p:stCondLst>
-                                        </p:cTn>
-                                        <p:tgtEl>
-                                          <p:spTgt spid="9"/>
-                                        </p:tgtEl>
-                                        <p:attrNameLst>
-                                          <p:attrName>ppt_y</p:attrName>
-                                        </p:attrNameLst>
-                                      </p:cBhvr>
-                                    </p:anim>
-                                    <p:animRot by="-480000">
-                                      <p:cBhvr>
-                                        <p:cTn id="43" dur="50" autoRev="1" fill="hold">
-                                          <p:stCondLst>
-                                            <p:cond delay="0"/>
-                                          </p:stCondLst>
-                                        </p:cTn>
-                                        <p:tgtEl>
-                                          <p:spTgt spid="9"/>
-                                        </p:tgtEl>
-                                        <p:attrNameLst>
-                                          <p:attrName>r</p:attrName>
-                                        </p:attrNameLst>
-                                      </p:cBhvr>
-                                    </p:animRot>
-                                  </p:childTnLst>
-                                </p:cTn>
-                              </p:par>
-                            </p:childTnLst>
-                          </p:cTn>
-                        </p:par>
-                        <p:par>
-                          <p:cTn id="44" fill="hold">
-                            <p:stCondLst>
-                              <p:cond delay="6150"/>
-                            </p:stCondLst>
-                            <p:childTnLst>
-                              <p:par>
-                                <p:cTn id="45" presetID="10" presetClass="entr" presetSubtype="0" fill="hold" grpId="0" nodeType="afterEffect">
-                                  <p:stCondLst>
-                                    <p:cond delay="0"/>
-                                  </p:stCondLst>
-                                  <p:childTnLst>
-                                    <p:set>
-                                      <p:cBhvr>
-                                        <p:cTn id="46" dur="1" fill="hold">
-                                          <p:stCondLst>
-                                            <p:cond delay="0"/>
-                                          </p:stCondLst>
-                                        </p:cTn>
-                                        <p:tgtEl>
-                                          <p:spTgt spid="11"/>
-                                        </p:tgtEl>
-                                        <p:attrNameLst>
-                                          <p:attrName>style.visibility</p:attrName>
-                                        </p:attrNameLst>
-                                      </p:cBhvr>
-                                      <p:to>
-                                        <p:strVal val="visible"/>
-                                      </p:to>
-                                    </p:set>
-                                    <p:animEffect transition="in" filter="fade">
-                                      <p:cBhvr>
-                                        <p:cTn id="47" dur="500"/>
-                                        <p:tgtEl>
-                                          <p:spTgt spid="11"/>
-                                        </p:tgtEl>
-                                      </p:cBhvr>
-                                    </p:animEffect>
-                                  </p:childTnLst>
-                                </p:cTn>
-                              </p:par>
-                            </p:childTnLst>
-                          </p:cTn>
-                        </p:par>
-                      </p:childTnLst>
-                    </p:cTn>
-                  </p:par>
-                </p:childTnLst>
-              </p:cTn>
-              <p:prevCondLst>
-                <p:cond evt="onPrev" delay="0">
-                  <p:tgtEl>
-                    <p:sldTgt/>
-                  </p:tgtEl>
-                </p:cond>
-              </p:prevCondLst>
-              <p:nextCondLst>
-                <p:cond evt="onNext" delay="0">
-                  <p:tgtEl>
-                    <p:sldTgt/>
-                  </p:tgtEl>
-                </p:cond>
-              </p:nextCondLst>
-            </p:seq>
-          </p:childTnLst>
-        </p:cTn>
-      </p:par>
-    </p:tnLst>
-    <p:bldLst>
-      <p:bldP spid="6" grpId="0"/>
-      <p:bldP spid="3" grpId="0" animBg="1"/>
-      <p:bldP spid="4" grpId="0" animBg="1"/>
-      <p:bldP spid="5" grpId="0"/>
-      <p:bldP spid="5" grpId="1"/>
-      <p:bldP spid="7" grpId="0" animBg="1"/>
-      <p:bldP spid="8" grpId="0" animBg="1"/>
-      <p:bldP spid="9" grpId="0"/>
-      <p:bldP spid="9" grpId="1"/>
-      <p:bldP spid="11" grpId="0"/>
-    </p:bldLst>
-  </p:timing>
 </p:sld>
 </file>
 
